--- a/Aggie Hacks.pptx
+++ b/Aggie Hacks.pptx
@@ -1,33 +1,33 @@
 
 <file path=ppt/presentation.xml><?xml version="1.0" encoding="utf-8"?>
-<p:presentation xmlns:a="http://schemas.openxmlformats.org/drawingml/2006/main" xmlns:r="http://schemas.openxmlformats.org/officeDocument/2006/relationships" xmlns:mc="http://schemas.openxmlformats.org/markup-compatibility/2006" xmlns:mv="urn:schemas-microsoft-com:mac:vml" xmlns:p="http://schemas.openxmlformats.org/presentationml/2006/main" xmlns:c="http://schemas.openxmlformats.org/drawingml/2006/chart" xmlns:dgm="http://schemas.openxmlformats.org/drawingml/2006/diagram" xmlns:o="urn:schemas-microsoft-com:office:office" xmlns:v="urn:schemas-microsoft-com:vml" xmlns:pvml="urn:schemas-microsoft-com:office:powerpoint" xmlns:com="http://schemas.openxmlformats.org/drawingml/2006/compatibility" xmlns:p14="http://schemas.microsoft.com/office/powerpoint/2010/main" xmlns:p15="http://schemas.microsoft.com/office/powerpoint/2012/main" xmlns:ahyp="http://schemas.microsoft.com/office/drawing/2018/hyperlinkcolor" autoCompressPictures="0" strictFirstAndLastChars="0" saveSubsetFonts="1">
+<p:presentation xmlns:a="http://schemas.openxmlformats.org/drawingml/2006/main" xmlns:r="http://schemas.openxmlformats.org/officeDocument/2006/relationships" xmlns:p="http://schemas.openxmlformats.org/presentationml/2006/main" strictFirstAndLastChars="0" saveSubsetFonts="1" autoCompressPictures="0">
   <p:sldMasterIdLst>
-    <p:sldMasterId id="2147483659" r:id="rId4"/>
+    <p:sldMasterId id="2147483659" r:id="rId1"/>
   </p:sldMasterIdLst>
   <p:notesMasterIdLst>
-    <p:notesMasterId r:id="rId5"/>
+    <p:notesMasterId r:id="rId17"/>
   </p:notesMasterIdLst>
   <p:sldIdLst>
-    <p:sldId id="256" r:id="rId6"/>
-    <p:sldId id="257" r:id="rId7"/>
-    <p:sldId id="258" r:id="rId8"/>
-    <p:sldId id="259" r:id="rId9"/>
-    <p:sldId id="260" r:id="rId10"/>
-    <p:sldId id="261" r:id="rId11"/>
-    <p:sldId id="262" r:id="rId12"/>
-    <p:sldId id="263" r:id="rId13"/>
-    <p:sldId id="264" r:id="rId14"/>
-    <p:sldId id="265" r:id="rId15"/>
-    <p:sldId id="266" r:id="rId16"/>
-    <p:sldId id="267" r:id="rId17"/>
-    <p:sldId id="268" r:id="rId18"/>
-    <p:sldId id="269" r:id="rId19"/>
-    <p:sldId id="270" r:id="rId20"/>
+    <p:sldId id="256" r:id="rId2"/>
+    <p:sldId id="257" r:id="rId3"/>
+    <p:sldId id="258" r:id="rId4"/>
+    <p:sldId id="259" r:id="rId5"/>
+    <p:sldId id="260" r:id="rId6"/>
+    <p:sldId id="261" r:id="rId7"/>
+    <p:sldId id="262" r:id="rId8"/>
+    <p:sldId id="263" r:id="rId9"/>
+    <p:sldId id="264" r:id="rId10"/>
+    <p:sldId id="265" r:id="rId11"/>
+    <p:sldId id="266" r:id="rId12"/>
+    <p:sldId id="267" r:id="rId13"/>
+    <p:sldId id="268" r:id="rId14"/>
+    <p:sldId id="269" r:id="rId15"/>
+    <p:sldId id="270" r:id="rId16"/>
   </p:sldIdLst>
-  <p:sldSz cy="5143500" cx="9144000"/>
+  <p:sldSz cx="9144000" cy="5143500" type="screen16x9"/>
   <p:notesSz cx="6858000" cy="9144000"/>
   <p:defaultTextStyle>
-    <a:defPPr lvl="0" marR="0" rtl="0" algn="l">
+    <a:defPPr marR="0" lvl="0" algn="l" rtl="0">
       <a:lnSpc>
         <a:spcPct val="100000"/>
       </a:lnSpc>
@@ -38,7 +38,7 @@
         <a:spcPts val="0"/>
       </a:spcAft>
     </a:defPPr>
-    <a:lvl1pPr lvl="0" marR="0" rtl="0" algn="l">
+    <a:lvl1pPr marR="0" lvl="0" algn="l" rtl="0">
       <a:lnSpc>
         <a:spcPct val="100000"/>
       </a:lnSpc>
@@ -52,7 +52,7 @@
         <a:srgbClr val="000000"/>
       </a:buClr>
       <a:buFont typeface="Arial"/>
-      <a:defRPr b="0" i="0" sz="1400" u="none" cap="none" strike="noStrike">
+      <a:defRPr sz="1400" b="0" i="0" u="none" strike="noStrike" cap="none">
         <a:solidFill>
           <a:srgbClr val="000000"/>
         </a:solidFill>
@@ -62,7 +62,7 @@
         <a:sym typeface="Arial"/>
       </a:defRPr>
     </a:lvl1pPr>
-    <a:lvl2pPr lvl="1" marR="0" rtl="0" algn="l">
+    <a:lvl2pPr marR="0" lvl="1" algn="l" rtl="0">
       <a:lnSpc>
         <a:spcPct val="100000"/>
       </a:lnSpc>
@@ -76,7 +76,7 @@
         <a:srgbClr val="000000"/>
       </a:buClr>
       <a:buFont typeface="Arial"/>
-      <a:defRPr b="0" i="0" sz="1400" u="none" cap="none" strike="noStrike">
+      <a:defRPr sz="1400" b="0" i="0" u="none" strike="noStrike" cap="none">
         <a:solidFill>
           <a:srgbClr val="000000"/>
         </a:solidFill>
@@ -86,7 +86,7 @@
         <a:sym typeface="Arial"/>
       </a:defRPr>
     </a:lvl2pPr>
-    <a:lvl3pPr lvl="2" marR="0" rtl="0" algn="l">
+    <a:lvl3pPr marR="0" lvl="2" algn="l" rtl="0">
       <a:lnSpc>
         <a:spcPct val="100000"/>
       </a:lnSpc>
@@ -100,7 +100,7 @@
         <a:srgbClr val="000000"/>
       </a:buClr>
       <a:buFont typeface="Arial"/>
-      <a:defRPr b="0" i="0" sz="1400" u="none" cap="none" strike="noStrike">
+      <a:defRPr sz="1400" b="0" i="0" u="none" strike="noStrike" cap="none">
         <a:solidFill>
           <a:srgbClr val="000000"/>
         </a:solidFill>
@@ -110,7 +110,7 @@
         <a:sym typeface="Arial"/>
       </a:defRPr>
     </a:lvl3pPr>
-    <a:lvl4pPr lvl="3" marR="0" rtl="0" algn="l">
+    <a:lvl4pPr marR="0" lvl="3" algn="l" rtl="0">
       <a:lnSpc>
         <a:spcPct val="100000"/>
       </a:lnSpc>
@@ -124,7 +124,7 @@
         <a:srgbClr val="000000"/>
       </a:buClr>
       <a:buFont typeface="Arial"/>
-      <a:defRPr b="0" i="0" sz="1400" u="none" cap="none" strike="noStrike">
+      <a:defRPr sz="1400" b="0" i="0" u="none" strike="noStrike" cap="none">
         <a:solidFill>
           <a:srgbClr val="000000"/>
         </a:solidFill>
@@ -134,7 +134,7 @@
         <a:sym typeface="Arial"/>
       </a:defRPr>
     </a:lvl4pPr>
-    <a:lvl5pPr lvl="4" marR="0" rtl="0" algn="l">
+    <a:lvl5pPr marR="0" lvl="4" algn="l" rtl="0">
       <a:lnSpc>
         <a:spcPct val="100000"/>
       </a:lnSpc>
@@ -148,7 +148,7 @@
         <a:srgbClr val="000000"/>
       </a:buClr>
       <a:buFont typeface="Arial"/>
-      <a:defRPr b="0" i="0" sz="1400" u="none" cap="none" strike="noStrike">
+      <a:defRPr sz="1400" b="0" i="0" u="none" strike="noStrike" cap="none">
         <a:solidFill>
           <a:srgbClr val="000000"/>
         </a:solidFill>
@@ -158,7 +158,7 @@
         <a:sym typeface="Arial"/>
       </a:defRPr>
     </a:lvl5pPr>
-    <a:lvl6pPr lvl="5" marR="0" rtl="0" algn="l">
+    <a:lvl6pPr marR="0" lvl="5" algn="l" rtl="0">
       <a:lnSpc>
         <a:spcPct val="100000"/>
       </a:lnSpc>
@@ -172,7 +172,7 @@
         <a:srgbClr val="000000"/>
       </a:buClr>
       <a:buFont typeface="Arial"/>
-      <a:defRPr b="0" i="0" sz="1400" u="none" cap="none" strike="noStrike">
+      <a:defRPr sz="1400" b="0" i="0" u="none" strike="noStrike" cap="none">
         <a:solidFill>
           <a:srgbClr val="000000"/>
         </a:solidFill>
@@ -182,7 +182,7 @@
         <a:sym typeface="Arial"/>
       </a:defRPr>
     </a:lvl6pPr>
-    <a:lvl7pPr lvl="6" marR="0" rtl="0" algn="l">
+    <a:lvl7pPr marR="0" lvl="6" algn="l" rtl="0">
       <a:lnSpc>
         <a:spcPct val="100000"/>
       </a:lnSpc>
@@ -196,7 +196,7 @@
         <a:srgbClr val="000000"/>
       </a:buClr>
       <a:buFont typeface="Arial"/>
-      <a:defRPr b="0" i="0" sz="1400" u="none" cap="none" strike="noStrike">
+      <a:defRPr sz="1400" b="0" i="0" u="none" strike="noStrike" cap="none">
         <a:solidFill>
           <a:srgbClr val="000000"/>
         </a:solidFill>
@@ -206,7 +206,7 @@
         <a:sym typeface="Arial"/>
       </a:defRPr>
     </a:lvl7pPr>
-    <a:lvl8pPr lvl="7" marR="0" rtl="0" algn="l">
+    <a:lvl8pPr marR="0" lvl="7" algn="l" rtl="0">
       <a:lnSpc>
         <a:spcPct val="100000"/>
       </a:lnSpc>
@@ -220,7 +220,7 @@
         <a:srgbClr val="000000"/>
       </a:buClr>
       <a:buFont typeface="Arial"/>
-      <a:defRPr b="0" i="0" sz="1400" u="none" cap="none" strike="noStrike">
+      <a:defRPr sz="1400" b="0" i="0" u="none" strike="noStrike" cap="none">
         <a:solidFill>
           <a:srgbClr val="000000"/>
         </a:solidFill>
@@ -230,7 +230,7 @@
         <a:sym typeface="Arial"/>
       </a:defRPr>
     </a:lvl8pPr>
-    <a:lvl9pPr lvl="8" marR="0" rtl="0" algn="l">
+    <a:lvl9pPr marR="0" lvl="8" algn="l" rtl="0">
       <a:lnSpc>
         <a:spcPct val="100000"/>
       </a:lnSpc>
@@ -244,7 +244,7 @@
         <a:srgbClr val="000000"/>
       </a:buClr>
       <a:buFont typeface="Arial"/>
-      <a:defRPr b="0" i="0" sz="1400" u="none" cap="none" strike="noStrike">
+      <a:defRPr sz="1400" b="0" i="0" u="none" strike="noStrike" cap="none">
         <a:solidFill>
           <a:srgbClr val="000000"/>
         </a:solidFill>
@@ -257,7 +257,7 @@
   </p:defaultTextStyle>
   <p:extLst>
     <p:ext uri="{EFAFB233-063F-42B5-8137-9DF3F51BA10A}">
-      <p15:sldGuideLst>
+      <p15:sldGuideLst xmlns:p15="http://schemas.microsoft.com/office/powerpoint/2012/main">
         <p15:guide id="1" orient="horz" pos="1620">
           <p15:clr>
             <a:srgbClr val="A4A3A4"/>
@@ -275,11 +275,16 @@
 </file>
 
 <file path=ppt/notesMasters/notesMaster1.xml><?xml version="1.0" encoding="utf-8"?>
-<p:notesMaster xmlns:a="http://schemas.openxmlformats.org/drawingml/2006/main" xmlns:r="http://schemas.openxmlformats.org/officeDocument/2006/relationships" xmlns:mc="http://schemas.openxmlformats.org/markup-compatibility/2006" xmlns:mv="urn:schemas-microsoft-com:mac:vml" xmlns:p="http://schemas.openxmlformats.org/presentationml/2006/main" xmlns:c="http://schemas.openxmlformats.org/drawingml/2006/chart" xmlns:dgm="http://schemas.openxmlformats.org/drawingml/2006/diagram" xmlns:o="urn:schemas-microsoft-com:office:office" xmlns:v="urn:schemas-microsoft-com:vml" xmlns:pvml="urn:schemas-microsoft-com:office:powerpoint" xmlns:com="http://schemas.openxmlformats.org/drawingml/2006/compatibility" xmlns:p14="http://schemas.microsoft.com/office/powerpoint/2010/main" xmlns:p15="http://schemas.microsoft.com/office/powerpoint/2012/main" xmlns:ahyp="http://schemas.microsoft.com/office/drawing/2018/hyperlinkcolor">
+<p:notesMaster xmlns:a="http://schemas.openxmlformats.org/drawingml/2006/main" xmlns:r="http://schemas.openxmlformats.org/officeDocument/2006/relationships" xmlns:p="http://schemas.openxmlformats.org/presentationml/2006/main">
   <p:cSld>
+    <p:bg>
+      <p:bgRef idx="1001">
+        <a:schemeClr val="bg1"/>
+      </p:bgRef>
+    </p:bg>
     <p:spTree>
       <p:nvGrpSpPr>
-        <p:cNvPr id="2" name="Shape 2"/>
+        <p:cNvPr id="1" name="Shape 2"/>
         <p:cNvGrpSpPr/>
         <p:nvPr/>
       </p:nvGrpSpPr>
@@ -294,9 +299,11 @@
       <p:sp>
         <p:nvSpPr>
           <p:cNvPr id="3" name="Google Shape;3;n"/>
-          <p:cNvSpPr/>
+          <p:cNvSpPr>
+            <a:spLocks noGrp="1" noRot="1" noChangeAspect="1"/>
+          </p:cNvSpPr>
           <p:nvPr>
-            <p:ph idx="2" type="sldImg"/>
+            <p:ph type="sldImg" idx="2"/>
           </p:nvPr>
         </p:nvSpPr>
         <p:spPr>
@@ -305,9 +312,13 @@
             <a:ext cx="6096075" cy="3429000"/>
           </a:xfrm>
           <a:custGeom>
-            <a:rect b="b" l="l" r="r" t="t"/>
+            <a:avLst/>
+            <a:gdLst/>
+            <a:ahLst/>
+            <a:cxnLst/>
+            <a:rect l="l" t="t" r="r" b="b"/>
             <a:pathLst>
-              <a:path extrusionOk="0" h="120000" w="120000">
+              <a:path w="120000" h="120000" extrusionOk="0">
                 <a:moveTo>
                   <a:pt x="0" y="0"/>
                 </a:moveTo>
@@ -325,23 +336,25 @@
             </a:pathLst>
           </a:custGeom>
           <a:noFill/>
-          <a:ln cap="flat" cmpd="sng" w="9525">
+          <a:ln w="9525" cap="flat" cmpd="sng">
             <a:solidFill>
               <a:srgbClr val="000000"/>
             </a:solidFill>
             <a:prstDash val="solid"/>
             <a:round/>
-            <a:headEnd len="sm" w="sm" type="none"/>
-            <a:tailEnd len="sm" w="sm" type="none"/>
+            <a:headEnd type="none" w="sm" len="sm"/>
+            <a:tailEnd type="none" w="sm" len="sm"/>
           </a:ln>
         </p:spPr>
       </p:sp>
       <p:sp>
         <p:nvSpPr>
           <p:cNvPr id="4" name="Google Shape;4;n"/>
-          <p:cNvSpPr txBox="1"/>
+          <p:cNvSpPr txBox="1">
+            <a:spLocks noGrp="1"/>
+          </p:cNvSpPr>
           <p:nvPr>
-            <p:ph idx="1" type="body"/>
+            <p:ph type="body" idx="1"/>
           </p:nvPr>
         </p:nvSpPr>
         <p:spPr>
@@ -358,11 +371,11 @@
           </a:ln>
         </p:spPr>
         <p:txBody>
-          <a:bodyPr anchorCtr="0" anchor="t" bIns="91425" lIns="91425" spcFirstLastPara="1" rIns="91425" wrap="square" tIns="91425">
+          <a:bodyPr spcFirstLastPara="1" wrap="square" lIns="91425" tIns="91425" rIns="91425" bIns="91425" anchor="t" anchorCtr="0">
             <a:noAutofit/>
           </a:bodyPr>
           <a:lstStyle>
-            <a:lvl1pPr indent="-298450" lvl="0" marL="457200">
+            <a:lvl1pPr marL="457200" lvl="0" indent="-298450">
               <a:spcBef>
                 <a:spcPts val="0"/>
               </a:spcBef>
@@ -373,7 +386,7 @@
               <a:buChar char="●"/>
               <a:defRPr sz="1100"/>
             </a:lvl1pPr>
-            <a:lvl2pPr indent="-298450" lvl="1" marL="914400">
+            <a:lvl2pPr marL="914400" lvl="1" indent="-298450">
               <a:spcBef>
                 <a:spcPts val="0"/>
               </a:spcBef>
@@ -384,7 +397,7 @@
               <a:buChar char="○"/>
               <a:defRPr sz="1100"/>
             </a:lvl2pPr>
-            <a:lvl3pPr indent="-298450" lvl="2" marL="1371600">
+            <a:lvl3pPr marL="1371600" lvl="2" indent="-298450">
               <a:spcBef>
                 <a:spcPts val="0"/>
               </a:spcBef>
@@ -395,7 +408,7 @@
               <a:buChar char="■"/>
               <a:defRPr sz="1100"/>
             </a:lvl3pPr>
-            <a:lvl4pPr indent="-298450" lvl="3" marL="1828800">
+            <a:lvl4pPr marL="1828800" lvl="3" indent="-298450">
               <a:spcBef>
                 <a:spcPts val="0"/>
               </a:spcBef>
@@ -406,7 +419,7 @@
               <a:buChar char="●"/>
               <a:defRPr sz="1100"/>
             </a:lvl4pPr>
-            <a:lvl5pPr indent="-298450" lvl="4" marL="2286000">
+            <a:lvl5pPr marL="2286000" lvl="4" indent="-298450">
               <a:spcBef>
                 <a:spcPts val="0"/>
               </a:spcBef>
@@ -417,7 +430,7 @@
               <a:buChar char="○"/>
               <a:defRPr sz="1100"/>
             </a:lvl5pPr>
-            <a:lvl6pPr indent="-298450" lvl="5" marL="2743200">
+            <a:lvl6pPr marL="2743200" lvl="5" indent="-298450">
               <a:spcBef>
                 <a:spcPts val="0"/>
               </a:spcBef>
@@ -428,7 +441,7 @@
               <a:buChar char="■"/>
               <a:defRPr sz="1100"/>
             </a:lvl6pPr>
-            <a:lvl7pPr indent="-298450" lvl="6" marL="3200400">
+            <a:lvl7pPr marL="3200400" lvl="6" indent="-298450">
               <a:spcBef>
                 <a:spcPts val="0"/>
               </a:spcBef>
@@ -439,7 +452,7 @@
               <a:buChar char="●"/>
               <a:defRPr sz="1100"/>
             </a:lvl7pPr>
-            <a:lvl8pPr indent="-298450" lvl="7" marL="3657600">
+            <a:lvl8pPr marL="3657600" lvl="7" indent="-298450">
               <a:spcBef>
                 <a:spcPts val="0"/>
               </a:spcBef>
@@ -450,7 +463,7 @@
               <a:buChar char="○"/>
               <a:defRPr sz="1100"/>
             </a:lvl8pPr>
-            <a:lvl9pPr indent="-298450" lvl="8" marL="4114800">
+            <a:lvl9pPr marL="4114800" lvl="8" indent="-298450">
               <a:spcBef>
                 <a:spcPts val="0"/>
               </a:spcBef>
@@ -462,14 +475,16 @@
               <a:defRPr sz="1100"/>
             </a:lvl9pPr>
           </a:lstStyle>
-          <a:p/>
+          <a:p>
+            <a:endParaRPr/>
+          </a:p>
         </p:txBody>
       </p:sp>
     </p:spTree>
   </p:cSld>
-  <p:clrMap accent1="accent1" accent2="accent2" accent3="accent3" accent4="accent4" accent5="accent5" accent6="accent6" bg1="lt1" bg2="dk2" tx1="dk1" tx2="lt2" folHlink="folHlink" hlink="hlink"/>
+  <p:clrMap bg1="lt1" tx1="dk1" bg2="dk2" tx2="lt2" accent1="accent1" accent2="accent2" accent3="accent3" accent4="accent4" accent5="accent5" accent6="accent6" hlink="hlink" folHlink="folHlink"/>
   <p:notesStyle>
-    <a:defPPr lvl="0" marR="0" rtl="0" algn="l">
+    <a:defPPr marR="0" lvl="0" algn="l" rtl="0">
       <a:lnSpc>
         <a:spcPct val="100000"/>
       </a:lnSpc>
@@ -480,7 +495,7 @@
         <a:spcPts val="0"/>
       </a:spcAft>
     </a:defPPr>
-    <a:lvl1pPr lvl="0" marR="0" rtl="0" algn="l">
+    <a:lvl1pPr marR="0" lvl="0" algn="l" rtl="0">
       <a:lnSpc>
         <a:spcPct val="100000"/>
       </a:lnSpc>
@@ -494,7 +509,7 @@
         <a:srgbClr val="000000"/>
       </a:buClr>
       <a:buFont typeface="Arial"/>
-      <a:defRPr b="0" i="0" sz="1400" u="none" cap="none" strike="noStrike">
+      <a:defRPr sz="1400" b="0" i="0" u="none" strike="noStrike" cap="none">
         <a:solidFill>
           <a:srgbClr val="000000"/>
         </a:solidFill>
@@ -504,7 +519,7 @@
         <a:sym typeface="Arial"/>
       </a:defRPr>
     </a:lvl1pPr>
-    <a:lvl2pPr lvl="1" marR="0" rtl="0" algn="l">
+    <a:lvl2pPr marR="0" lvl="1" algn="l" rtl="0">
       <a:lnSpc>
         <a:spcPct val="100000"/>
       </a:lnSpc>
@@ -518,7 +533,7 @@
         <a:srgbClr val="000000"/>
       </a:buClr>
       <a:buFont typeface="Arial"/>
-      <a:defRPr b="0" i="0" sz="1400" u="none" cap="none" strike="noStrike">
+      <a:defRPr sz="1400" b="0" i="0" u="none" strike="noStrike" cap="none">
         <a:solidFill>
           <a:srgbClr val="000000"/>
         </a:solidFill>
@@ -528,7 +543,7 @@
         <a:sym typeface="Arial"/>
       </a:defRPr>
     </a:lvl2pPr>
-    <a:lvl3pPr lvl="2" marR="0" rtl="0" algn="l">
+    <a:lvl3pPr marR="0" lvl="2" algn="l" rtl="0">
       <a:lnSpc>
         <a:spcPct val="100000"/>
       </a:lnSpc>
@@ -542,7 +557,7 @@
         <a:srgbClr val="000000"/>
       </a:buClr>
       <a:buFont typeface="Arial"/>
-      <a:defRPr b="0" i="0" sz="1400" u="none" cap="none" strike="noStrike">
+      <a:defRPr sz="1400" b="0" i="0" u="none" strike="noStrike" cap="none">
         <a:solidFill>
           <a:srgbClr val="000000"/>
         </a:solidFill>
@@ -552,7 +567,7 @@
         <a:sym typeface="Arial"/>
       </a:defRPr>
     </a:lvl3pPr>
-    <a:lvl4pPr lvl="3" marR="0" rtl="0" algn="l">
+    <a:lvl4pPr marR="0" lvl="3" algn="l" rtl="0">
       <a:lnSpc>
         <a:spcPct val="100000"/>
       </a:lnSpc>
@@ -566,7 +581,7 @@
         <a:srgbClr val="000000"/>
       </a:buClr>
       <a:buFont typeface="Arial"/>
-      <a:defRPr b="0" i="0" sz="1400" u="none" cap="none" strike="noStrike">
+      <a:defRPr sz="1400" b="0" i="0" u="none" strike="noStrike" cap="none">
         <a:solidFill>
           <a:srgbClr val="000000"/>
         </a:solidFill>
@@ -576,7 +591,7 @@
         <a:sym typeface="Arial"/>
       </a:defRPr>
     </a:lvl4pPr>
-    <a:lvl5pPr lvl="4" marR="0" rtl="0" algn="l">
+    <a:lvl5pPr marR="0" lvl="4" algn="l" rtl="0">
       <a:lnSpc>
         <a:spcPct val="100000"/>
       </a:lnSpc>
@@ -590,7 +605,7 @@
         <a:srgbClr val="000000"/>
       </a:buClr>
       <a:buFont typeface="Arial"/>
-      <a:defRPr b="0" i="0" sz="1400" u="none" cap="none" strike="noStrike">
+      <a:defRPr sz="1400" b="0" i="0" u="none" strike="noStrike" cap="none">
         <a:solidFill>
           <a:srgbClr val="000000"/>
         </a:solidFill>
@@ -600,7 +615,7 @@
         <a:sym typeface="Arial"/>
       </a:defRPr>
     </a:lvl5pPr>
-    <a:lvl6pPr lvl="5" marR="0" rtl="0" algn="l">
+    <a:lvl6pPr marR="0" lvl="5" algn="l" rtl="0">
       <a:lnSpc>
         <a:spcPct val="100000"/>
       </a:lnSpc>
@@ -614,7 +629,7 @@
         <a:srgbClr val="000000"/>
       </a:buClr>
       <a:buFont typeface="Arial"/>
-      <a:defRPr b="0" i="0" sz="1400" u="none" cap="none" strike="noStrike">
+      <a:defRPr sz="1400" b="0" i="0" u="none" strike="noStrike" cap="none">
         <a:solidFill>
           <a:srgbClr val="000000"/>
         </a:solidFill>
@@ -624,7 +639,7 @@
         <a:sym typeface="Arial"/>
       </a:defRPr>
     </a:lvl6pPr>
-    <a:lvl7pPr lvl="6" marR="0" rtl="0" algn="l">
+    <a:lvl7pPr marR="0" lvl="6" algn="l" rtl="0">
       <a:lnSpc>
         <a:spcPct val="100000"/>
       </a:lnSpc>
@@ -638,7 +653,7 @@
         <a:srgbClr val="000000"/>
       </a:buClr>
       <a:buFont typeface="Arial"/>
-      <a:defRPr b="0" i="0" sz="1400" u="none" cap="none" strike="noStrike">
+      <a:defRPr sz="1400" b="0" i="0" u="none" strike="noStrike" cap="none">
         <a:solidFill>
           <a:srgbClr val="000000"/>
         </a:solidFill>
@@ -648,7 +663,7 @@
         <a:sym typeface="Arial"/>
       </a:defRPr>
     </a:lvl7pPr>
-    <a:lvl8pPr lvl="7" marR="0" rtl="0" algn="l">
+    <a:lvl8pPr marR="0" lvl="7" algn="l" rtl="0">
       <a:lnSpc>
         <a:spcPct val="100000"/>
       </a:lnSpc>
@@ -662,7 +677,7 @@
         <a:srgbClr val="000000"/>
       </a:buClr>
       <a:buFont typeface="Arial"/>
-      <a:defRPr b="0" i="0" sz="1400" u="none" cap="none" strike="noStrike">
+      <a:defRPr sz="1400" b="0" i="0" u="none" strike="noStrike" cap="none">
         <a:solidFill>
           <a:srgbClr val="000000"/>
         </a:solidFill>
@@ -672,7 +687,7 @@
         <a:sym typeface="Arial"/>
       </a:defRPr>
     </a:lvl8pPr>
-    <a:lvl9pPr lvl="8" marR="0" rtl="0" algn="l">
+    <a:lvl9pPr marR="0" lvl="8" algn="l" rtl="0">
       <a:lnSpc>
         <a:spcPct val="100000"/>
       </a:lnSpc>
@@ -686,7 +701,7 @@
         <a:srgbClr val="000000"/>
       </a:buClr>
       <a:buFont typeface="Arial"/>
-      <a:defRPr b="0" i="0" sz="1400" u="none" cap="none" strike="noStrike">
+      <a:defRPr sz="1400" b="0" i="0" u="none" strike="noStrike" cap="none">
         <a:solidFill>
           <a:srgbClr val="000000"/>
         </a:solidFill>
@@ -701,11 +716,11 @@
 </file>
 
 <file path=ppt/notesSlides/notesSlide1.xml><?xml version="1.0" encoding="utf-8"?>
-<p:notes xmlns:a="http://schemas.openxmlformats.org/drawingml/2006/main" xmlns:r="http://schemas.openxmlformats.org/officeDocument/2006/relationships" xmlns:mc="http://schemas.openxmlformats.org/markup-compatibility/2006" xmlns:mv="urn:schemas-microsoft-com:mac:vml" xmlns:p="http://schemas.openxmlformats.org/presentationml/2006/main" xmlns:c="http://schemas.openxmlformats.org/drawingml/2006/chart" xmlns:dgm="http://schemas.openxmlformats.org/drawingml/2006/diagram" xmlns:o="urn:schemas-microsoft-com:office:office" xmlns:v="urn:schemas-microsoft-com:vml" xmlns:pvml="urn:schemas-microsoft-com:office:powerpoint" xmlns:com="http://schemas.openxmlformats.org/drawingml/2006/compatibility" xmlns:p14="http://schemas.microsoft.com/office/powerpoint/2010/main" xmlns:p15="http://schemas.microsoft.com/office/powerpoint/2012/main" xmlns:ahyp="http://schemas.microsoft.com/office/drawing/2018/hyperlinkcolor" showMasterPhAnim="0" showMasterSp="0">
+<p:notes xmlns:a="http://schemas.openxmlformats.org/drawingml/2006/main" xmlns:r="http://schemas.openxmlformats.org/officeDocument/2006/relationships" xmlns:p="http://schemas.openxmlformats.org/presentationml/2006/main" showMasterSp="0" showMasterPhAnim="0">
   <p:cSld>
     <p:spTree>
       <p:nvGrpSpPr>
-        <p:cNvPr id="50" name="Shape 50"/>
+        <p:cNvPr id="1" name="Shape 50"/>
         <p:cNvGrpSpPr/>
         <p:nvPr/>
       </p:nvGrpSpPr>
@@ -720,20 +735,26 @@
       <p:sp>
         <p:nvSpPr>
           <p:cNvPr id="51" name="Google Shape;51;p:notes"/>
-          <p:cNvSpPr/>
+          <p:cNvSpPr>
+            <a:spLocks noGrp="1" noRot="1" noChangeAspect="1"/>
+          </p:cNvSpPr>
           <p:nvPr>
-            <p:ph idx="2" type="sldImg"/>
+            <p:ph type="sldImg" idx="2"/>
           </p:nvPr>
         </p:nvSpPr>
         <p:spPr>
           <a:xfrm>
-            <a:off x="381300" y="685800"/>
-            <a:ext cx="6096075" cy="3429000"/>
+            <a:off x="381000" y="685800"/>
+            <a:ext cx="6096000" cy="3429000"/>
           </a:xfrm>
           <a:custGeom>
-            <a:rect b="b" l="l" r="r" t="t"/>
+            <a:avLst/>
+            <a:gdLst/>
+            <a:ahLst/>
+            <a:cxnLst/>
+            <a:rect l="l" t="t" r="r" b="b"/>
             <a:pathLst>
-              <a:path extrusionOk="0" h="120000" w="120000">
+              <a:path w="120000" h="120000" extrusionOk="0">
                 <a:moveTo>
                   <a:pt x="0" y="0"/>
                 </a:moveTo>
@@ -755,9 +776,11 @@
       <p:sp>
         <p:nvSpPr>
           <p:cNvPr id="52" name="Google Shape;52;p:notes"/>
-          <p:cNvSpPr txBox="1"/>
+          <p:cNvSpPr txBox="1">
+            <a:spLocks noGrp="1"/>
+          </p:cNvSpPr>
           <p:nvPr>
-            <p:ph idx="1" type="body"/>
+            <p:ph type="body" idx="1"/>
           </p:nvPr>
         </p:nvSpPr>
         <p:spPr>
@@ -770,12 +793,12 @@
           </a:prstGeom>
         </p:spPr>
         <p:txBody>
-          <a:bodyPr anchorCtr="0" anchor="t" bIns="91425" lIns="91425" spcFirstLastPara="1" rIns="91425" wrap="square" tIns="91425">
+          <a:bodyPr spcFirstLastPara="1" wrap="square" lIns="91425" tIns="91425" rIns="91425" bIns="91425" anchor="t" anchorCtr="0">
             <a:noAutofit/>
           </a:bodyPr>
           <a:lstStyle/>
           <a:p>
-            <a:pPr indent="0" lvl="0" marL="0" rtl="0" algn="l">
+            <a:pPr marL="0" lvl="0" indent="0" algn="l" rtl="0">
               <a:spcBef>
                 <a:spcPts val="0"/>
               </a:spcBef>
@@ -784,9 +807,6 @@
               </a:spcAft>
               <a:buNone/>
             </a:pPr>
-            <a:r>
-              <a:t/>
-            </a:r>
             <a:endParaRPr/>
           </a:p>
         </p:txBody>
@@ -800,11 +820,11 @@
 </file>
 
 <file path=ppt/notesSlides/notesSlide10.xml><?xml version="1.0" encoding="utf-8"?>
-<p:notes xmlns:a="http://schemas.openxmlformats.org/drawingml/2006/main" xmlns:r="http://schemas.openxmlformats.org/officeDocument/2006/relationships" xmlns:mc="http://schemas.openxmlformats.org/markup-compatibility/2006" xmlns:mv="urn:schemas-microsoft-com:mac:vml" xmlns:p="http://schemas.openxmlformats.org/presentationml/2006/main" xmlns:c="http://schemas.openxmlformats.org/drawingml/2006/chart" xmlns:dgm="http://schemas.openxmlformats.org/drawingml/2006/diagram" xmlns:o="urn:schemas-microsoft-com:office:office" xmlns:v="urn:schemas-microsoft-com:vml" xmlns:pvml="urn:schemas-microsoft-com:office:powerpoint" xmlns:com="http://schemas.openxmlformats.org/drawingml/2006/compatibility" xmlns:p14="http://schemas.microsoft.com/office/powerpoint/2010/main" xmlns:p15="http://schemas.microsoft.com/office/powerpoint/2012/main" xmlns:ahyp="http://schemas.microsoft.com/office/drawing/2018/hyperlinkcolor" showMasterPhAnim="0" showMasterSp="0">
+<p:notes xmlns:a="http://schemas.openxmlformats.org/drawingml/2006/main" xmlns:r="http://schemas.openxmlformats.org/officeDocument/2006/relationships" xmlns:p="http://schemas.openxmlformats.org/presentationml/2006/main" showMasterSp="0" showMasterPhAnim="0">
   <p:cSld>
     <p:spTree>
       <p:nvGrpSpPr>
-        <p:cNvPr id="117" name="Shape 117"/>
+        <p:cNvPr id="1" name="Shape 117"/>
         <p:cNvGrpSpPr/>
         <p:nvPr/>
       </p:nvGrpSpPr>
@@ -819,9 +839,11 @@
       <p:sp>
         <p:nvSpPr>
           <p:cNvPr id="118" name="Google Shape;118;gd01ef3beaf_0_87:notes"/>
-          <p:cNvSpPr/>
+          <p:cNvSpPr>
+            <a:spLocks noGrp="1" noRot="1" noChangeAspect="1"/>
+          </p:cNvSpPr>
           <p:nvPr>
-            <p:ph idx="2" type="sldImg"/>
+            <p:ph type="sldImg" idx="2"/>
           </p:nvPr>
         </p:nvSpPr>
         <p:spPr>
@@ -830,9 +852,13 @@
             <a:ext cx="6096000" cy="3429000"/>
           </a:xfrm>
           <a:custGeom>
-            <a:rect b="b" l="l" r="r" t="t"/>
+            <a:avLst/>
+            <a:gdLst/>
+            <a:ahLst/>
+            <a:cxnLst/>
+            <a:rect l="l" t="t" r="r" b="b"/>
             <a:pathLst>
-              <a:path extrusionOk="0" h="120000" w="120000">
+              <a:path w="120000" h="120000" extrusionOk="0">
                 <a:moveTo>
                   <a:pt x="0" y="0"/>
                 </a:moveTo>
@@ -854,9 +880,11 @@
       <p:sp>
         <p:nvSpPr>
           <p:cNvPr id="119" name="Google Shape;119;gd01ef3beaf_0_87:notes"/>
-          <p:cNvSpPr txBox="1"/>
+          <p:cNvSpPr txBox="1">
+            <a:spLocks noGrp="1"/>
+          </p:cNvSpPr>
           <p:nvPr>
-            <p:ph idx="1" type="body"/>
+            <p:ph type="body" idx="1"/>
           </p:nvPr>
         </p:nvSpPr>
         <p:spPr>
@@ -869,12 +897,12 @@
           </a:prstGeom>
         </p:spPr>
         <p:txBody>
-          <a:bodyPr anchorCtr="0" anchor="t" bIns="91425" lIns="91425" spcFirstLastPara="1" rIns="91425" wrap="square" tIns="91425">
+          <a:bodyPr spcFirstLastPara="1" wrap="square" lIns="91425" tIns="91425" rIns="91425" bIns="91425" anchor="t" anchorCtr="0">
             <a:noAutofit/>
           </a:bodyPr>
           <a:lstStyle/>
           <a:p>
-            <a:pPr indent="0" lvl="0" marL="0" rtl="0" algn="l">
+            <a:pPr marL="0" lvl="0" indent="0" algn="l" rtl="0">
               <a:spcBef>
                 <a:spcPts val="0"/>
               </a:spcBef>
@@ -883,9 +911,6 @@
               </a:spcAft>
               <a:buNone/>
             </a:pPr>
-            <a:r>
-              <a:t/>
-            </a:r>
             <a:endParaRPr/>
           </a:p>
         </p:txBody>
@@ -899,11 +924,11 @@
 </file>
 
 <file path=ppt/notesSlides/notesSlide11.xml><?xml version="1.0" encoding="utf-8"?>
-<p:notes xmlns:a="http://schemas.openxmlformats.org/drawingml/2006/main" xmlns:r="http://schemas.openxmlformats.org/officeDocument/2006/relationships" xmlns:mc="http://schemas.openxmlformats.org/markup-compatibility/2006" xmlns:mv="urn:schemas-microsoft-com:mac:vml" xmlns:p="http://schemas.openxmlformats.org/presentationml/2006/main" xmlns:c="http://schemas.openxmlformats.org/drawingml/2006/chart" xmlns:dgm="http://schemas.openxmlformats.org/drawingml/2006/diagram" xmlns:o="urn:schemas-microsoft-com:office:office" xmlns:v="urn:schemas-microsoft-com:vml" xmlns:pvml="urn:schemas-microsoft-com:office:powerpoint" xmlns:com="http://schemas.openxmlformats.org/drawingml/2006/compatibility" xmlns:p14="http://schemas.microsoft.com/office/powerpoint/2010/main" xmlns:p15="http://schemas.microsoft.com/office/powerpoint/2012/main" xmlns:ahyp="http://schemas.microsoft.com/office/drawing/2018/hyperlinkcolor" showMasterPhAnim="0" showMasterSp="0">
+<p:notes xmlns:a="http://schemas.openxmlformats.org/drawingml/2006/main" xmlns:r="http://schemas.openxmlformats.org/officeDocument/2006/relationships" xmlns:p="http://schemas.openxmlformats.org/presentationml/2006/main" showMasterSp="0" showMasterPhAnim="0">
   <p:cSld>
     <p:spTree>
       <p:nvGrpSpPr>
-        <p:cNvPr id="126" name="Shape 126"/>
+        <p:cNvPr id="1" name="Shape 126"/>
         <p:cNvGrpSpPr/>
         <p:nvPr/>
       </p:nvGrpSpPr>
@@ -918,9 +943,11 @@
       <p:sp>
         <p:nvSpPr>
           <p:cNvPr id="127" name="Google Shape;127;gd01ef3beaf_0_52:notes"/>
-          <p:cNvSpPr/>
+          <p:cNvSpPr>
+            <a:spLocks noGrp="1" noRot="1" noChangeAspect="1"/>
+          </p:cNvSpPr>
           <p:nvPr>
-            <p:ph idx="2" type="sldImg"/>
+            <p:ph type="sldImg" idx="2"/>
           </p:nvPr>
         </p:nvSpPr>
         <p:spPr>
@@ -929,9 +956,13 @@
             <a:ext cx="6096000" cy="3429000"/>
           </a:xfrm>
           <a:custGeom>
-            <a:rect b="b" l="l" r="r" t="t"/>
+            <a:avLst/>
+            <a:gdLst/>
+            <a:ahLst/>
+            <a:cxnLst/>
+            <a:rect l="l" t="t" r="r" b="b"/>
             <a:pathLst>
-              <a:path extrusionOk="0" h="120000" w="120000">
+              <a:path w="120000" h="120000" extrusionOk="0">
                 <a:moveTo>
                   <a:pt x="0" y="0"/>
                 </a:moveTo>
@@ -953,9 +984,11 @@
       <p:sp>
         <p:nvSpPr>
           <p:cNvPr id="128" name="Google Shape;128;gd01ef3beaf_0_52:notes"/>
-          <p:cNvSpPr txBox="1"/>
+          <p:cNvSpPr txBox="1">
+            <a:spLocks noGrp="1"/>
+          </p:cNvSpPr>
           <p:nvPr>
-            <p:ph idx="1" type="body"/>
+            <p:ph type="body" idx="1"/>
           </p:nvPr>
         </p:nvSpPr>
         <p:spPr>
@@ -968,12 +1001,12 @@
           </a:prstGeom>
         </p:spPr>
         <p:txBody>
-          <a:bodyPr anchorCtr="0" anchor="t" bIns="91425" lIns="91425" spcFirstLastPara="1" rIns="91425" wrap="square" tIns="91425">
+          <a:bodyPr spcFirstLastPara="1" wrap="square" lIns="91425" tIns="91425" rIns="91425" bIns="91425" anchor="t" anchorCtr="0">
             <a:noAutofit/>
           </a:bodyPr>
           <a:lstStyle/>
           <a:p>
-            <a:pPr indent="0" lvl="0" marL="0" rtl="0" algn="l">
+            <a:pPr marL="0" lvl="0" indent="0" algn="l" rtl="0">
               <a:spcBef>
                 <a:spcPts val="0"/>
               </a:spcBef>
@@ -982,9 +1015,6 @@
               </a:spcAft>
               <a:buNone/>
             </a:pPr>
-            <a:r>
-              <a:t/>
-            </a:r>
             <a:endParaRPr/>
           </a:p>
         </p:txBody>
@@ -998,11 +1028,11 @@
 </file>
 
 <file path=ppt/notesSlides/notesSlide12.xml><?xml version="1.0" encoding="utf-8"?>
-<p:notes xmlns:a="http://schemas.openxmlformats.org/drawingml/2006/main" xmlns:r="http://schemas.openxmlformats.org/officeDocument/2006/relationships" xmlns:mc="http://schemas.openxmlformats.org/markup-compatibility/2006" xmlns:mv="urn:schemas-microsoft-com:mac:vml" xmlns:p="http://schemas.openxmlformats.org/presentationml/2006/main" xmlns:c="http://schemas.openxmlformats.org/drawingml/2006/chart" xmlns:dgm="http://schemas.openxmlformats.org/drawingml/2006/diagram" xmlns:o="urn:schemas-microsoft-com:office:office" xmlns:v="urn:schemas-microsoft-com:vml" xmlns:pvml="urn:schemas-microsoft-com:office:powerpoint" xmlns:com="http://schemas.openxmlformats.org/drawingml/2006/compatibility" xmlns:p14="http://schemas.microsoft.com/office/powerpoint/2010/main" xmlns:p15="http://schemas.microsoft.com/office/powerpoint/2012/main" xmlns:ahyp="http://schemas.microsoft.com/office/drawing/2018/hyperlinkcolor" showMasterPhAnim="0" showMasterSp="0">
+<p:notes xmlns:a="http://schemas.openxmlformats.org/drawingml/2006/main" xmlns:r="http://schemas.openxmlformats.org/officeDocument/2006/relationships" xmlns:p="http://schemas.openxmlformats.org/presentationml/2006/main" showMasterSp="0" showMasterPhAnim="0">
   <p:cSld>
     <p:spTree>
       <p:nvGrpSpPr>
-        <p:cNvPr id="137" name="Shape 137"/>
+        <p:cNvPr id="1" name="Shape 137"/>
         <p:cNvGrpSpPr/>
         <p:nvPr/>
       </p:nvGrpSpPr>
@@ -1017,9 +1047,11 @@
       <p:sp>
         <p:nvSpPr>
           <p:cNvPr id="138" name="Google Shape;138;gd01ef3beaf_0_57:notes"/>
-          <p:cNvSpPr/>
+          <p:cNvSpPr>
+            <a:spLocks noGrp="1" noRot="1" noChangeAspect="1"/>
+          </p:cNvSpPr>
           <p:nvPr>
-            <p:ph idx="2" type="sldImg"/>
+            <p:ph type="sldImg" idx="2"/>
           </p:nvPr>
         </p:nvSpPr>
         <p:spPr>
@@ -1028,9 +1060,13 @@
             <a:ext cx="6096000" cy="3429000"/>
           </a:xfrm>
           <a:custGeom>
-            <a:rect b="b" l="l" r="r" t="t"/>
+            <a:avLst/>
+            <a:gdLst/>
+            <a:ahLst/>
+            <a:cxnLst/>
+            <a:rect l="l" t="t" r="r" b="b"/>
             <a:pathLst>
-              <a:path extrusionOk="0" h="120000" w="120000">
+              <a:path w="120000" h="120000" extrusionOk="0">
                 <a:moveTo>
                   <a:pt x="0" y="0"/>
                 </a:moveTo>
@@ -1052,9 +1088,11 @@
       <p:sp>
         <p:nvSpPr>
           <p:cNvPr id="139" name="Google Shape;139;gd01ef3beaf_0_57:notes"/>
-          <p:cNvSpPr txBox="1"/>
+          <p:cNvSpPr txBox="1">
+            <a:spLocks noGrp="1"/>
+          </p:cNvSpPr>
           <p:nvPr>
-            <p:ph idx="1" type="body"/>
+            <p:ph type="body" idx="1"/>
           </p:nvPr>
         </p:nvSpPr>
         <p:spPr>
@@ -1067,12 +1105,12 @@
           </a:prstGeom>
         </p:spPr>
         <p:txBody>
-          <a:bodyPr anchorCtr="0" anchor="t" bIns="91425" lIns="91425" spcFirstLastPara="1" rIns="91425" wrap="square" tIns="91425">
+          <a:bodyPr spcFirstLastPara="1" wrap="square" lIns="91425" tIns="91425" rIns="91425" bIns="91425" anchor="t" anchorCtr="0">
             <a:noAutofit/>
           </a:bodyPr>
           <a:lstStyle/>
           <a:p>
-            <a:pPr indent="0" lvl="0" marL="0" rtl="0" algn="l">
+            <a:pPr marL="0" lvl="0" indent="0" algn="l" rtl="0">
               <a:spcBef>
                 <a:spcPts val="0"/>
               </a:spcBef>
@@ -1081,9 +1119,6 @@
               </a:spcAft>
               <a:buNone/>
             </a:pPr>
-            <a:r>
-              <a:t/>
-            </a:r>
             <a:endParaRPr/>
           </a:p>
         </p:txBody>
@@ -1097,11 +1132,11 @@
 </file>
 
 <file path=ppt/notesSlides/notesSlide13.xml><?xml version="1.0" encoding="utf-8"?>
-<p:notes xmlns:a="http://schemas.openxmlformats.org/drawingml/2006/main" xmlns:r="http://schemas.openxmlformats.org/officeDocument/2006/relationships" xmlns:mc="http://schemas.openxmlformats.org/markup-compatibility/2006" xmlns:mv="urn:schemas-microsoft-com:mac:vml" xmlns:p="http://schemas.openxmlformats.org/presentationml/2006/main" xmlns:c="http://schemas.openxmlformats.org/drawingml/2006/chart" xmlns:dgm="http://schemas.openxmlformats.org/drawingml/2006/diagram" xmlns:o="urn:schemas-microsoft-com:office:office" xmlns:v="urn:schemas-microsoft-com:vml" xmlns:pvml="urn:schemas-microsoft-com:office:powerpoint" xmlns:com="http://schemas.openxmlformats.org/drawingml/2006/compatibility" xmlns:p14="http://schemas.microsoft.com/office/powerpoint/2010/main" xmlns:p15="http://schemas.microsoft.com/office/powerpoint/2012/main" xmlns:ahyp="http://schemas.microsoft.com/office/drawing/2018/hyperlinkcolor" showMasterPhAnim="0" showMasterSp="0">
+<p:notes xmlns:a="http://schemas.openxmlformats.org/drawingml/2006/main" xmlns:r="http://schemas.openxmlformats.org/officeDocument/2006/relationships" xmlns:p="http://schemas.openxmlformats.org/presentationml/2006/main" showMasterSp="0" showMasterPhAnim="0">
   <p:cSld>
     <p:spTree>
       <p:nvGrpSpPr>
-        <p:cNvPr id="147" name="Shape 147"/>
+        <p:cNvPr id="1" name="Shape 147"/>
         <p:cNvGrpSpPr/>
         <p:nvPr/>
       </p:nvGrpSpPr>
@@ -1116,9 +1151,11 @@
       <p:sp>
         <p:nvSpPr>
           <p:cNvPr id="148" name="Google Shape;148;gd01ef3beaf_0_73:notes"/>
-          <p:cNvSpPr/>
+          <p:cNvSpPr>
+            <a:spLocks noGrp="1" noRot="1" noChangeAspect="1"/>
+          </p:cNvSpPr>
           <p:nvPr>
-            <p:ph idx="2" type="sldImg"/>
+            <p:ph type="sldImg" idx="2"/>
           </p:nvPr>
         </p:nvSpPr>
         <p:spPr>
@@ -1127,9 +1164,13 @@
             <a:ext cx="6096000" cy="3429000"/>
           </a:xfrm>
           <a:custGeom>
-            <a:rect b="b" l="l" r="r" t="t"/>
+            <a:avLst/>
+            <a:gdLst/>
+            <a:ahLst/>
+            <a:cxnLst/>
+            <a:rect l="l" t="t" r="r" b="b"/>
             <a:pathLst>
-              <a:path extrusionOk="0" h="120000" w="120000">
+              <a:path w="120000" h="120000" extrusionOk="0">
                 <a:moveTo>
                   <a:pt x="0" y="0"/>
                 </a:moveTo>
@@ -1151,9 +1192,11 @@
       <p:sp>
         <p:nvSpPr>
           <p:cNvPr id="149" name="Google Shape;149;gd01ef3beaf_0_73:notes"/>
-          <p:cNvSpPr txBox="1"/>
+          <p:cNvSpPr txBox="1">
+            <a:spLocks noGrp="1"/>
+          </p:cNvSpPr>
           <p:nvPr>
-            <p:ph idx="1" type="body"/>
+            <p:ph type="body" idx="1"/>
           </p:nvPr>
         </p:nvSpPr>
         <p:spPr>
@@ -1166,12 +1209,12 @@
           </a:prstGeom>
         </p:spPr>
         <p:txBody>
-          <a:bodyPr anchorCtr="0" anchor="t" bIns="91425" lIns="91425" spcFirstLastPara="1" rIns="91425" wrap="square" tIns="91425">
+          <a:bodyPr spcFirstLastPara="1" wrap="square" lIns="91425" tIns="91425" rIns="91425" bIns="91425" anchor="t" anchorCtr="0">
             <a:noAutofit/>
           </a:bodyPr>
           <a:lstStyle/>
           <a:p>
-            <a:pPr indent="0" lvl="0" marL="0" rtl="0" algn="l">
+            <a:pPr marL="0" lvl="0" indent="0" algn="l" rtl="0">
               <a:spcBef>
                 <a:spcPts val="0"/>
               </a:spcBef>
@@ -1180,9 +1223,6 @@
               </a:spcAft>
               <a:buNone/>
             </a:pPr>
-            <a:r>
-              <a:t/>
-            </a:r>
             <a:endParaRPr/>
           </a:p>
         </p:txBody>
@@ -1196,11 +1236,11 @@
 </file>
 
 <file path=ppt/notesSlides/notesSlide14.xml><?xml version="1.0" encoding="utf-8"?>
-<p:notes xmlns:a="http://schemas.openxmlformats.org/drawingml/2006/main" xmlns:r="http://schemas.openxmlformats.org/officeDocument/2006/relationships" xmlns:mc="http://schemas.openxmlformats.org/markup-compatibility/2006" xmlns:mv="urn:schemas-microsoft-com:mac:vml" xmlns:p="http://schemas.openxmlformats.org/presentationml/2006/main" xmlns:c="http://schemas.openxmlformats.org/drawingml/2006/chart" xmlns:dgm="http://schemas.openxmlformats.org/drawingml/2006/diagram" xmlns:o="urn:schemas-microsoft-com:office:office" xmlns:v="urn:schemas-microsoft-com:vml" xmlns:pvml="urn:schemas-microsoft-com:office:powerpoint" xmlns:com="http://schemas.openxmlformats.org/drawingml/2006/compatibility" xmlns:p14="http://schemas.microsoft.com/office/powerpoint/2010/main" xmlns:p15="http://schemas.microsoft.com/office/powerpoint/2012/main" xmlns:ahyp="http://schemas.microsoft.com/office/drawing/2018/hyperlinkcolor" showMasterPhAnim="0" showMasterSp="0">
+<p:notes xmlns:a="http://schemas.openxmlformats.org/drawingml/2006/main" xmlns:r="http://schemas.openxmlformats.org/officeDocument/2006/relationships" xmlns:p="http://schemas.openxmlformats.org/presentationml/2006/main" showMasterSp="0" showMasterPhAnim="0">
   <p:cSld>
     <p:spTree>
       <p:nvGrpSpPr>
-        <p:cNvPr id="154" name="Shape 154"/>
+        <p:cNvPr id="1" name="Shape 154"/>
         <p:cNvGrpSpPr/>
         <p:nvPr/>
       </p:nvGrpSpPr>
@@ -1215,9 +1255,11 @@
       <p:sp>
         <p:nvSpPr>
           <p:cNvPr id="155" name="Google Shape;155;gd01ef3beaf_0_96:notes"/>
-          <p:cNvSpPr/>
+          <p:cNvSpPr>
+            <a:spLocks noGrp="1" noRot="1" noChangeAspect="1"/>
+          </p:cNvSpPr>
           <p:nvPr>
-            <p:ph idx="2" type="sldImg"/>
+            <p:ph type="sldImg" idx="2"/>
           </p:nvPr>
         </p:nvSpPr>
         <p:spPr>
@@ -1226,9 +1268,13 @@
             <a:ext cx="6096000" cy="3429000"/>
           </a:xfrm>
           <a:custGeom>
-            <a:rect b="b" l="l" r="r" t="t"/>
+            <a:avLst/>
+            <a:gdLst/>
+            <a:ahLst/>
+            <a:cxnLst/>
+            <a:rect l="l" t="t" r="r" b="b"/>
             <a:pathLst>
-              <a:path extrusionOk="0" h="120000" w="120000">
+              <a:path w="120000" h="120000" extrusionOk="0">
                 <a:moveTo>
                   <a:pt x="0" y="0"/>
                 </a:moveTo>
@@ -1250,9 +1296,11 @@
       <p:sp>
         <p:nvSpPr>
           <p:cNvPr id="156" name="Google Shape;156;gd01ef3beaf_0_96:notes"/>
-          <p:cNvSpPr txBox="1"/>
+          <p:cNvSpPr txBox="1">
+            <a:spLocks noGrp="1"/>
+          </p:cNvSpPr>
           <p:nvPr>
-            <p:ph idx="1" type="body"/>
+            <p:ph type="body" idx="1"/>
           </p:nvPr>
         </p:nvSpPr>
         <p:spPr>
@@ -1265,12 +1313,12 @@
           </a:prstGeom>
         </p:spPr>
         <p:txBody>
-          <a:bodyPr anchorCtr="0" anchor="t" bIns="91425" lIns="91425" spcFirstLastPara="1" rIns="91425" wrap="square" tIns="91425">
+          <a:bodyPr spcFirstLastPara="1" wrap="square" lIns="91425" tIns="91425" rIns="91425" bIns="91425" anchor="t" anchorCtr="0">
             <a:noAutofit/>
           </a:bodyPr>
           <a:lstStyle/>
           <a:p>
-            <a:pPr indent="0" lvl="0" marL="0" rtl="0" algn="l">
+            <a:pPr marL="0" lvl="0" indent="0" algn="l" rtl="0">
               <a:spcBef>
                 <a:spcPts val="0"/>
               </a:spcBef>
@@ -1279,9 +1327,6 @@
               </a:spcAft>
               <a:buNone/>
             </a:pPr>
-            <a:r>
-              <a:t/>
-            </a:r>
             <a:endParaRPr/>
           </a:p>
         </p:txBody>
@@ -1295,11 +1340,11 @@
 </file>
 
 <file path=ppt/notesSlides/notesSlide15.xml><?xml version="1.0" encoding="utf-8"?>
-<p:notes xmlns:a="http://schemas.openxmlformats.org/drawingml/2006/main" xmlns:r="http://schemas.openxmlformats.org/officeDocument/2006/relationships" xmlns:mc="http://schemas.openxmlformats.org/markup-compatibility/2006" xmlns:mv="urn:schemas-microsoft-com:mac:vml" xmlns:p="http://schemas.openxmlformats.org/presentationml/2006/main" xmlns:c="http://schemas.openxmlformats.org/drawingml/2006/chart" xmlns:dgm="http://schemas.openxmlformats.org/drawingml/2006/diagram" xmlns:o="urn:schemas-microsoft-com:office:office" xmlns:v="urn:schemas-microsoft-com:vml" xmlns:pvml="urn:schemas-microsoft-com:office:powerpoint" xmlns:com="http://schemas.openxmlformats.org/drawingml/2006/compatibility" xmlns:p14="http://schemas.microsoft.com/office/powerpoint/2010/main" xmlns:p15="http://schemas.microsoft.com/office/powerpoint/2012/main" xmlns:ahyp="http://schemas.microsoft.com/office/drawing/2018/hyperlinkcolor" showMasterPhAnim="0" showMasterSp="0">
+<p:notes xmlns:a="http://schemas.openxmlformats.org/drawingml/2006/main" xmlns:r="http://schemas.openxmlformats.org/officeDocument/2006/relationships" xmlns:p="http://schemas.openxmlformats.org/presentationml/2006/main" showMasterSp="0" showMasterPhAnim="0">
   <p:cSld>
     <p:spTree>
       <p:nvGrpSpPr>
-        <p:cNvPr id="160" name="Shape 160"/>
+        <p:cNvPr id="1" name="Shape 160"/>
         <p:cNvGrpSpPr/>
         <p:nvPr/>
       </p:nvGrpSpPr>
@@ -1314,9 +1359,11 @@
       <p:sp>
         <p:nvSpPr>
           <p:cNvPr id="161" name="Google Shape;161;gd01ef3beaf_0_102:notes"/>
-          <p:cNvSpPr/>
+          <p:cNvSpPr>
+            <a:spLocks noGrp="1" noRot="1" noChangeAspect="1"/>
+          </p:cNvSpPr>
           <p:nvPr>
-            <p:ph idx="2" type="sldImg"/>
+            <p:ph type="sldImg" idx="2"/>
           </p:nvPr>
         </p:nvSpPr>
         <p:spPr>
@@ -1325,9 +1372,13 @@
             <a:ext cx="6096000" cy="3429000"/>
           </a:xfrm>
           <a:custGeom>
-            <a:rect b="b" l="l" r="r" t="t"/>
+            <a:avLst/>
+            <a:gdLst/>
+            <a:ahLst/>
+            <a:cxnLst/>
+            <a:rect l="l" t="t" r="r" b="b"/>
             <a:pathLst>
-              <a:path extrusionOk="0" h="120000" w="120000">
+              <a:path w="120000" h="120000" extrusionOk="0">
                 <a:moveTo>
                   <a:pt x="0" y="0"/>
                 </a:moveTo>
@@ -1349,9 +1400,11 @@
       <p:sp>
         <p:nvSpPr>
           <p:cNvPr id="162" name="Google Shape;162;gd01ef3beaf_0_102:notes"/>
-          <p:cNvSpPr txBox="1"/>
+          <p:cNvSpPr txBox="1">
+            <a:spLocks noGrp="1"/>
+          </p:cNvSpPr>
           <p:nvPr>
-            <p:ph idx="1" type="body"/>
+            <p:ph type="body" idx="1"/>
           </p:nvPr>
         </p:nvSpPr>
         <p:spPr>
@@ -1364,12 +1417,12 @@
           </a:prstGeom>
         </p:spPr>
         <p:txBody>
-          <a:bodyPr anchorCtr="0" anchor="t" bIns="91425" lIns="91425" spcFirstLastPara="1" rIns="91425" wrap="square" tIns="91425">
+          <a:bodyPr spcFirstLastPara="1" wrap="square" lIns="91425" tIns="91425" rIns="91425" bIns="91425" anchor="t" anchorCtr="0">
             <a:noAutofit/>
           </a:bodyPr>
           <a:lstStyle/>
           <a:p>
-            <a:pPr indent="0" lvl="0" marL="0" rtl="0" algn="l">
+            <a:pPr marL="0" lvl="0" indent="0" algn="l" rtl="0">
               <a:spcBef>
                 <a:spcPts val="0"/>
               </a:spcBef>
@@ -1378,9 +1431,6 @@
               </a:spcAft>
               <a:buNone/>
             </a:pPr>
-            <a:r>
-              <a:t/>
-            </a:r>
             <a:endParaRPr/>
           </a:p>
         </p:txBody>
@@ -1394,11 +1444,11 @@
 </file>
 
 <file path=ppt/notesSlides/notesSlide2.xml><?xml version="1.0" encoding="utf-8"?>
-<p:notes xmlns:a="http://schemas.openxmlformats.org/drawingml/2006/main" xmlns:r="http://schemas.openxmlformats.org/officeDocument/2006/relationships" xmlns:mc="http://schemas.openxmlformats.org/markup-compatibility/2006" xmlns:mv="urn:schemas-microsoft-com:mac:vml" xmlns:p="http://schemas.openxmlformats.org/presentationml/2006/main" xmlns:c="http://schemas.openxmlformats.org/drawingml/2006/chart" xmlns:dgm="http://schemas.openxmlformats.org/drawingml/2006/diagram" xmlns:o="urn:schemas-microsoft-com:office:office" xmlns:v="urn:schemas-microsoft-com:vml" xmlns:pvml="urn:schemas-microsoft-com:office:powerpoint" xmlns:com="http://schemas.openxmlformats.org/drawingml/2006/compatibility" xmlns:p14="http://schemas.microsoft.com/office/powerpoint/2010/main" xmlns:p15="http://schemas.microsoft.com/office/powerpoint/2012/main" xmlns:ahyp="http://schemas.microsoft.com/office/drawing/2018/hyperlinkcolor" showMasterPhAnim="0" showMasterSp="0">
+<p:notes xmlns:a="http://schemas.openxmlformats.org/drawingml/2006/main" xmlns:r="http://schemas.openxmlformats.org/officeDocument/2006/relationships" xmlns:p="http://schemas.openxmlformats.org/presentationml/2006/main" showMasterSp="0" showMasterPhAnim="0">
   <p:cSld>
     <p:spTree>
       <p:nvGrpSpPr>
-        <p:cNvPr id="56" name="Shape 56"/>
+        <p:cNvPr id="1" name="Shape 56"/>
         <p:cNvGrpSpPr/>
         <p:nvPr/>
       </p:nvGrpSpPr>
@@ -1413,9 +1463,11 @@
       <p:sp>
         <p:nvSpPr>
           <p:cNvPr id="57" name="Google Shape;57;gd01ef3beaf_0_0:notes"/>
-          <p:cNvSpPr/>
+          <p:cNvSpPr>
+            <a:spLocks noGrp="1" noRot="1" noChangeAspect="1"/>
+          </p:cNvSpPr>
           <p:nvPr>
-            <p:ph idx="2" type="sldImg"/>
+            <p:ph type="sldImg" idx="2"/>
           </p:nvPr>
         </p:nvSpPr>
         <p:spPr>
@@ -1424,9 +1476,13 @@
             <a:ext cx="6096000" cy="3429000"/>
           </a:xfrm>
           <a:custGeom>
-            <a:rect b="b" l="l" r="r" t="t"/>
+            <a:avLst/>
+            <a:gdLst/>
+            <a:ahLst/>
+            <a:cxnLst/>
+            <a:rect l="l" t="t" r="r" b="b"/>
             <a:pathLst>
-              <a:path extrusionOk="0" h="120000" w="120000">
+              <a:path w="120000" h="120000" extrusionOk="0">
                 <a:moveTo>
                   <a:pt x="0" y="0"/>
                 </a:moveTo>
@@ -1448,9 +1504,11 @@
       <p:sp>
         <p:nvSpPr>
           <p:cNvPr id="58" name="Google Shape;58;gd01ef3beaf_0_0:notes"/>
-          <p:cNvSpPr txBox="1"/>
+          <p:cNvSpPr txBox="1">
+            <a:spLocks noGrp="1"/>
+          </p:cNvSpPr>
           <p:nvPr>
-            <p:ph idx="1" type="body"/>
+            <p:ph type="body" idx="1"/>
           </p:nvPr>
         </p:nvSpPr>
         <p:spPr>
@@ -1463,12 +1521,12 @@
           </a:prstGeom>
         </p:spPr>
         <p:txBody>
-          <a:bodyPr anchorCtr="0" anchor="t" bIns="91425" lIns="91425" spcFirstLastPara="1" rIns="91425" wrap="square" tIns="91425">
+          <a:bodyPr spcFirstLastPara="1" wrap="square" lIns="91425" tIns="91425" rIns="91425" bIns="91425" anchor="t" anchorCtr="0">
             <a:noAutofit/>
           </a:bodyPr>
           <a:lstStyle/>
           <a:p>
-            <a:pPr indent="0" lvl="0" marL="0" rtl="0" algn="l">
+            <a:pPr marL="0" lvl="0" indent="0" algn="l" rtl="0">
               <a:spcBef>
                 <a:spcPts val="0"/>
               </a:spcBef>
@@ -1477,9 +1535,6 @@
               </a:spcAft>
               <a:buNone/>
             </a:pPr>
-            <a:r>
-              <a:t/>
-            </a:r>
             <a:endParaRPr/>
           </a:p>
         </p:txBody>
@@ -1493,11 +1548,11 @@
 </file>
 
 <file path=ppt/notesSlides/notesSlide3.xml><?xml version="1.0" encoding="utf-8"?>
-<p:notes xmlns:a="http://schemas.openxmlformats.org/drawingml/2006/main" xmlns:r="http://schemas.openxmlformats.org/officeDocument/2006/relationships" xmlns:mc="http://schemas.openxmlformats.org/markup-compatibility/2006" xmlns:mv="urn:schemas-microsoft-com:mac:vml" xmlns:p="http://schemas.openxmlformats.org/presentationml/2006/main" xmlns:c="http://schemas.openxmlformats.org/drawingml/2006/chart" xmlns:dgm="http://schemas.openxmlformats.org/drawingml/2006/diagram" xmlns:o="urn:schemas-microsoft-com:office:office" xmlns:v="urn:schemas-microsoft-com:vml" xmlns:pvml="urn:schemas-microsoft-com:office:powerpoint" xmlns:com="http://schemas.openxmlformats.org/drawingml/2006/compatibility" xmlns:p14="http://schemas.microsoft.com/office/powerpoint/2010/main" xmlns:p15="http://schemas.microsoft.com/office/powerpoint/2012/main" xmlns:ahyp="http://schemas.microsoft.com/office/drawing/2018/hyperlinkcolor" showMasterPhAnim="0" showMasterSp="0">
+<p:notes xmlns:a="http://schemas.openxmlformats.org/drawingml/2006/main" xmlns:r="http://schemas.openxmlformats.org/officeDocument/2006/relationships" xmlns:p="http://schemas.openxmlformats.org/presentationml/2006/main" showMasterSp="0" showMasterPhAnim="0">
   <p:cSld>
     <p:spTree>
       <p:nvGrpSpPr>
-        <p:cNvPr id="62" name="Shape 62"/>
+        <p:cNvPr id="1" name="Shape 62"/>
         <p:cNvGrpSpPr/>
         <p:nvPr/>
       </p:nvGrpSpPr>
@@ -1512,9 +1567,11 @@
       <p:sp>
         <p:nvSpPr>
           <p:cNvPr id="63" name="Google Shape;63;gd01ef3beaf_0_21:notes"/>
-          <p:cNvSpPr/>
+          <p:cNvSpPr>
+            <a:spLocks noGrp="1" noRot="1" noChangeAspect="1"/>
+          </p:cNvSpPr>
           <p:nvPr>
-            <p:ph idx="2" type="sldImg"/>
+            <p:ph type="sldImg" idx="2"/>
           </p:nvPr>
         </p:nvSpPr>
         <p:spPr>
@@ -1523,9 +1580,13 @@
             <a:ext cx="6096000" cy="3429000"/>
           </a:xfrm>
           <a:custGeom>
-            <a:rect b="b" l="l" r="r" t="t"/>
+            <a:avLst/>
+            <a:gdLst/>
+            <a:ahLst/>
+            <a:cxnLst/>
+            <a:rect l="l" t="t" r="r" b="b"/>
             <a:pathLst>
-              <a:path extrusionOk="0" h="120000" w="120000">
+              <a:path w="120000" h="120000" extrusionOk="0">
                 <a:moveTo>
                   <a:pt x="0" y="0"/>
                 </a:moveTo>
@@ -1547,9 +1608,11 @@
       <p:sp>
         <p:nvSpPr>
           <p:cNvPr id="64" name="Google Shape;64;gd01ef3beaf_0_21:notes"/>
-          <p:cNvSpPr txBox="1"/>
+          <p:cNvSpPr txBox="1">
+            <a:spLocks noGrp="1"/>
+          </p:cNvSpPr>
           <p:nvPr>
-            <p:ph idx="1" type="body"/>
+            <p:ph type="body" idx="1"/>
           </p:nvPr>
         </p:nvSpPr>
         <p:spPr>
@@ -1562,12 +1625,12 @@
           </a:prstGeom>
         </p:spPr>
         <p:txBody>
-          <a:bodyPr anchorCtr="0" anchor="t" bIns="91425" lIns="91425" spcFirstLastPara="1" rIns="91425" wrap="square" tIns="91425">
+          <a:bodyPr spcFirstLastPara="1" wrap="square" lIns="91425" tIns="91425" rIns="91425" bIns="91425" anchor="t" anchorCtr="0">
             <a:noAutofit/>
           </a:bodyPr>
           <a:lstStyle/>
           <a:p>
-            <a:pPr indent="0" lvl="0" marL="0" rtl="0" algn="l">
+            <a:pPr marL="0" lvl="0" indent="0" algn="l" rtl="0">
               <a:spcBef>
                 <a:spcPts val="0"/>
               </a:spcBef>
@@ -1576,9 +1639,6 @@
               </a:spcAft>
               <a:buNone/>
             </a:pPr>
-            <a:r>
-              <a:t/>
-            </a:r>
             <a:endParaRPr/>
           </a:p>
         </p:txBody>
@@ -1592,11 +1652,11 @@
 </file>
 
 <file path=ppt/notesSlides/notesSlide4.xml><?xml version="1.0" encoding="utf-8"?>
-<p:notes xmlns:a="http://schemas.openxmlformats.org/drawingml/2006/main" xmlns:r="http://schemas.openxmlformats.org/officeDocument/2006/relationships" xmlns:mc="http://schemas.openxmlformats.org/markup-compatibility/2006" xmlns:mv="urn:schemas-microsoft-com:mac:vml" xmlns:p="http://schemas.openxmlformats.org/presentationml/2006/main" xmlns:c="http://schemas.openxmlformats.org/drawingml/2006/chart" xmlns:dgm="http://schemas.openxmlformats.org/drawingml/2006/diagram" xmlns:o="urn:schemas-microsoft-com:office:office" xmlns:v="urn:schemas-microsoft-com:vml" xmlns:pvml="urn:schemas-microsoft-com:office:powerpoint" xmlns:com="http://schemas.openxmlformats.org/drawingml/2006/compatibility" xmlns:p14="http://schemas.microsoft.com/office/powerpoint/2010/main" xmlns:p15="http://schemas.microsoft.com/office/powerpoint/2012/main" xmlns:ahyp="http://schemas.microsoft.com/office/drawing/2018/hyperlinkcolor" showMasterPhAnim="0" showMasterSp="0">
+<p:notes xmlns:a="http://schemas.openxmlformats.org/drawingml/2006/main" xmlns:r="http://schemas.openxmlformats.org/officeDocument/2006/relationships" xmlns:p="http://schemas.openxmlformats.org/presentationml/2006/main" showMasterSp="0" showMasterPhAnim="0">
   <p:cSld>
     <p:spTree>
       <p:nvGrpSpPr>
-        <p:cNvPr id="78" name="Shape 78"/>
+        <p:cNvPr id="1" name="Shape 78"/>
         <p:cNvGrpSpPr/>
         <p:nvPr/>
       </p:nvGrpSpPr>
@@ -1611,9 +1671,11 @@
       <p:sp>
         <p:nvSpPr>
           <p:cNvPr id="79" name="Google Shape;79;gd01ef3beaf_0_109:notes"/>
-          <p:cNvSpPr/>
+          <p:cNvSpPr>
+            <a:spLocks noGrp="1" noRot="1" noChangeAspect="1"/>
+          </p:cNvSpPr>
           <p:nvPr>
-            <p:ph idx="2" type="sldImg"/>
+            <p:ph type="sldImg" idx="2"/>
           </p:nvPr>
         </p:nvSpPr>
         <p:spPr>
@@ -1622,9 +1684,13 @@
             <a:ext cx="6096000" cy="3429000"/>
           </a:xfrm>
           <a:custGeom>
-            <a:rect b="b" l="l" r="r" t="t"/>
+            <a:avLst/>
+            <a:gdLst/>
+            <a:ahLst/>
+            <a:cxnLst/>
+            <a:rect l="l" t="t" r="r" b="b"/>
             <a:pathLst>
-              <a:path extrusionOk="0" h="120000" w="120000">
+              <a:path w="120000" h="120000" extrusionOk="0">
                 <a:moveTo>
                   <a:pt x="0" y="0"/>
                 </a:moveTo>
@@ -1646,9 +1712,11 @@
       <p:sp>
         <p:nvSpPr>
           <p:cNvPr id="80" name="Google Shape;80;gd01ef3beaf_0_109:notes"/>
-          <p:cNvSpPr txBox="1"/>
+          <p:cNvSpPr txBox="1">
+            <a:spLocks noGrp="1"/>
+          </p:cNvSpPr>
           <p:nvPr>
-            <p:ph idx="1" type="body"/>
+            <p:ph type="body" idx="1"/>
           </p:nvPr>
         </p:nvSpPr>
         <p:spPr>
@@ -1661,12 +1729,12 @@
           </a:prstGeom>
         </p:spPr>
         <p:txBody>
-          <a:bodyPr anchorCtr="0" anchor="t" bIns="91425" lIns="91425" spcFirstLastPara="1" rIns="91425" wrap="square" tIns="91425">
+          <a:bodyPr spcFirstLastPara="1" wrap="square" lIns="91425" tIns="91425" rIns="91425" bIns="91425" anchor="t" anchorCtr="0">
             <a:noAutofit/>
           </a:bodyPr>
           <a:lstStyle/>
           <a:p>
-            <a:pPr indent="0" lvl="0" marL="0" rtl="0" algn="l">
+            <a:pPr marL="0" lvl="0" indent="0" algn="l" rtl="0">
               <a:spcBef>
                 <a:spcPts val="0"/>
               </a:spcBef>
@@ -1675,9 +1743,6 @@
               </a:spcAft>
               <a:buNone/>
             </a:pPr>
-            <a:r>
-              <a:t/>
-            </a:r>
             <a:endParaRPr/>
           </a:p>
         </p:txBody>
@@ -1691,11 +1756,11 @@
 </file>
 
 <file path=ppt/notesSlides/notesSlide5.xml><?xml version="1.0" encoding="utf-8"?>
-<p:notes xmlns:a="http://schemas.openxmlformats.org/drawingml/2006/main" xmlns:r="http://schemas.openxmlformats.org/officeDocument/2006/relationships" xmlns:mc="http://schemas.openxmlformats.org/markup-compatibility/2006" xmlns:mv="urn:schemas-microsoft-com:mac:vml" xmlns:p="http://schemas.openxmlformats.org/presentationml/2006/main" xmlns:c="http://schemas.openxmlformats.org/drawingml/2006/chart" xmlns:dgm="http://schemas.openxmlformats.org/drawingml/2006/diagram" xmlns:o="urn:schemas-microsoft-com:office:office" xmlns:v="urn:schemas-microsoft-com:vml" xmlns:pvml="urn:schemas-microsoft-com:office:powerpoint" xmlns:com="http://schemas.openxmlformats.org/drawingml/2006/compatibility" xmlns:p14="http://schemas.microsoft.com/office/powerpoint/2010/main" xmlns:p15="http://schemas.microsoft.com/office/powerpoint/2012/main" xmlns:ahyp="http://schemas.microsoft.com/office/drawing/2018/hyperlinkcolor" showMasterPhAnim="0" showMasterSp="0">
+<p:notes xmlns:a="http://schemas.openxmlformats.org/drawingml/2006/main" xmlns:r="http://schemas.openxmlformats.org/officeDocument/2006/relationships" xmlns:p="http://schemas.openxmlformats.org/presentationml/2006/main" showMasterSp="0" showMasterPhAnim="0">
   <p:cSld>
     <p:spTree>
       <p:nvGrpSpPr>
-        <p:cNvPr id="84" name="Shape 84"/>
+        <p:cNvPr id="1" name="Shape 84"/>
         <p:cNvGrpSpPr/>
         <p:nvPr/>
       </p:nvGrpSpPr>
@@ -1710,9 +1775,11 @@
       <p:sp>
         <p:nvSpPr>
           <p:cNvPr id="85" name="Google Shape;85;gd01ef3beaf_0_117:notes"/>
-          <p:cNvSpPr/>
+          <p:cNvSpPr>
+            <a:spLocks noGrp="1" noRot="1" noChangeAspect="1"/>
+          </p:cNvSpPr>
           <p:nvPr>
-            <p:ph idx="2" type="sldImg"/>
+            <p:ph type="sldImg" idx="2"/>
           </p:nvPr>
         </p:nvSpPr>
         <p:spPr>
@@ -1721,9 +1788,13 @@
             <a:ext cx="6096000" cy="3429000"/>
           </a:xfrm>
           <a:custGeom>
-            <a:rect b="b" l="l" r="r" t="t"/>
+            <a:avLst/>
+            <a:gdLst/>
+            <a:ahLst/>
+            <a:cxnLst/>
+            <a:rect l="l" t="t" r="r" b="b"/>
             <a:pathLst>
-              <a:path extrusionOk="0" h="120000" w="120000">
+              <a:path w="120000" h="120000" extrusionOk="0">
                 <a:moveTo>
                   <a:pt x="0" y="0"/>
                 </a:moveTo>
@@ -1745,9 +1816,11 @@
       <p:sp>
         <p:nvSpPr>
           <p:cNvPr id="86" name="Google Shape;86;gd01ef3beaf_0_117:notes"/>
-          <p:cNvSpPr txBox="1"/>
+          <p:cNvSpPr txBox="1">
+            <a:spLocks noGrp="1"/>
+          </p:cNvSpPr>
           <p:nvPr>
-            <p:ph idx="1" type="body"/>
+            <p:ph type="body" idx="1"/>
           </p:nvPr>
         </p:nvSpPr>
         <p:spPr>
@@ -1760,12 +1833,12 @@
           </a:prstGeom>
         </p:spPr>
         <p:txBody>
-          <a:bodyPr anchorCtr="0" anchor="t" bIns="91425" lIns="91425" spcFirstLastPara="1" rIns="91425" wrap="square" tIns="91425">
+          <a:bodyPr spcFirstLastPara="1" wrap="square" lIns="91425" tIns="91425" rIns="91425" bIns="91425" anchor="t" anchorCtr="0">
             <a:noAutofit/>
           </a:bodyPr>
           <a:lstStyle/>
           <a:p>
-            <a:pPr indent="0" lvl="0" marL="0" rtl="0" algn="l">
+            <a:pPr marL="0" lvl="0" indent="0" algn="l" rtl="0">
               <a:spcBef>
                 <a:spcPts val="0"/>
               </a:spcBef>
@@ -1774,9 +1847,6 @@
               </a:spcAft>
               <a:buNone/>
             </a:pPr>
-            <a:r>
-              <a:t/>
-            </a:r>
             <a:endParaRPr/>
           </a:p>
         </p:txBody>
@@ -1790,11 +1860,11 @@
 </file>
 
 <file path=ppt/notesSlides/notesSlide6.xml><?xml version="1.0" encoding="utf-8"?>
-<p:notes xmlns:a="http://schemas.openxmlformats.org/drawingml/2006/main" xmlns:r="http://schemas.openxmlformats.org/officeDocument/2006/relationships" xmlns:mc="http://schemas.openxmlformats.org/markup-compatibility/2006" xmlns:mv="urn:schemas-microsoft-com:mac:vml" xmlns:p="http://schemas.openxmlformats.org/presentationml/2006/main" xmlns:c="http://schemas.openxmlformats.org/drawingml/2006/chart" xmlns:dgm="http://schemas.openxmlformats.org/drawingml/2006/diagram" xmlns:o="urn:schemas-microsoft-com:office:office" xmlns:v="urn:schemas-microsoft-com:vml" xmlns:pvml="urn:schemas-microsoft-com:office:powerpoint" xmlns:com="http://schemas.openxmlformats.org/drawingml/2006/compatibility" xmlns:p14="http://schemas.microsoft.com/office/powerpoint/2010/main" xmlns:p15="http://schemas.microsoft.com/office/powerpoint/2012/main" xmlns:ahyp="http://schemas.microsoft.com/office/drawing/2018/hyperlinkcolor" showMasterPhAnim="0" showMasterSp="0">
+<p:notes xmlns:a="http://schemas.openxmlformats.org/drawingml/2006/main" xmlns:r="http://schemas.openxmlformats.org/officeDocument/2006/relationships" xmlns:p="http://schemas.openxmlformats.org/presentationml/2006/main" showMasterSp="0" showMasterPhAnim="0">
   <p:cSld>
     <p:spTree>
       <p:nvGrpSpPr>
-        <p:cNvPr id="90" name="Shape 90"/>
+        <p:cNvPr id="1" name="Shape 90"/>
         <p:cNvGrpSpPr/>
         <p:nvPr/>
       </p:nvGrpSpPr>
@@ -1809,9 +1879,11 @@
       <p:sp>
         <p:nvSpPr>
           <p:cNvPr id="91" name="Google Shape;91;gd01ef3beaf_0_10:notes"/>
-          <p:cNvSpPr/>
+          <p:cNvSpPr>
+            <a:spLocks noGrp="1" noRot="1" noChangeAspect="1"/>
+          </p:cNvSpPr>
           <p:nvPr>
-            <p:ph idx="2" type="sldImg"/>
+            <p:ph type="sldImg" idx="2"/>
           </p:nvPr>
         </p:nvSpPr>
         <p:spPr>
@@ -1820,9 +1892,13 @@
             <a:ext cx="6096000" cy="3429000"/>
           </a:xfrm>
           <a:custGeom>
-            <a:rect b="b" l="l" r="r" t="t"/>
+            <a:avLst/>
+            <a:gdLst/>
+            <a:ahLst/>
+            <a:cxnLst/>
+            <a:rect l="l" t="t" r="r" b="b"/>
             <a:pathLst>
-              <a:path extrusionOk="0" h="120000" w="120000">
+              <a:path w="120000" h="120000" extrusionOk="0">
                 <a:moveTo>
                   <a:pt x="0" y="0"/>
                 </a:moveTo>
@@ -1844,9 +1920,11 @@
       <p:sp>
         <p:nvSpPr>
           <p:cNvPr id="92" name="Google Shape;92;gd01ef3beaf_0_10:notes"/>
-          <p:cNvSpPr txBox="1"/>
+          <p:cNvSpPr txBox="1">
+            <a:spLocks noGrp="1"/>
+          </p:cNvSpPr>
           <p:nvPr>
-            <p:ph idx="1" type="body"/>
+            <p:ph type="body" idx="1"/>
           </p:nvPr>
         </p:nvSpPr>
         <p:spPr>
@@ -1859,12 +1937,12 @@
           </a:prstGeom>
         </p:spPr>
         <p:txBody>
-          <a:bodyPr anchorCtr="0" anchor="t" bIns="91425" lIns="91425" spcFirstLastPara="1" rIns="91425" wrap="square" tIns="91425">
+          <a:bodyPr spcFirstLastPara="1" wrap="square" lIns="91425" tIns="91425" rIns="91425" bIns="91425" anchor="t" anchorCtr="0">
             <a:noAutofit/>
           </a:bodyPr>
           <a:lstStyle/>
           <a:p>
-            <a:pPr indent="0" lvl="0" marL="0" rtl="0" algn="l">
+            <a:pPr marL="0" lvl="0" indent="0" algn="l" rtl="0">
               <a:spcBef>
                 <a:spcPts val="0"/>
               </a:spcBef>
@@ -1873,9 +1951,6 @@
               </a:spcAft>
               <a:buNone/>
             </a:pPr>
-            <a:r>
-              <a:t/>
-            </a:r>
             <a:endParaRPr/>
           </a:p>
         </p:txBody>
@@ -1889,11 +1964,11 @@
 </file>
 
 <file path=ppt/notesSlides/notesSlide7.xml><?xml version="1.0" encoding="utf-8"?>
-<p:notes xmlns:a="http://schemas.openxmlformats.org/drawingml/2006/main" xmlns:r="http://schemas.openxmlformats.org/officeDocument/2006/relationships" xmlns:mc="http://schemas.openxmlformats.org/markup-compatibility/2006" xmlns:mv="urn:schemas-microsoft-com:mac:vml" xmlns:p="http://schemas.openxmlformats.org/presentationml/2006/main" xmlns:c="http://schemas.openxmlformats.org/drawingml/2006/chart" xmlns:dgm="http://schemas.openxmlformats.org/drawingml/2006/diagram" xmlns:o="urn:schemas-microsoft-com:office:office" xmlns:v="urn:schemas-microsoft-com:vml" xmlns:pvml="urn:schemas-microsoft-com:office:powerpoint" xmlns:com="http://schemas.openxmlformats.org/drawingml/2006/compatibility" xmlns:p14="http://schemas.microsoft.com/office/powerpoint/2010/main" xmlns:p15="http://schemas.microsoft.com/office/powerpoint/2012/main" xmlns:ahyp="http://schemas.microsoft.com/office/drawing/2018/hyperlinkcolor" showMasterPhAnim="0" showMasterSp="0">
+<p:notes xmlns:a="http://schemas.openxmlformats.org/drawingml/2006/main" xmlns:r="http://schemas.openxmlformats.org/officeDocument/2006/relationships" xmlns:p="http://schemas.openxmlformats.org/presentationml/2006/main" showMasterSp="0" showMasterPhAnim="0">
   <p:cSld>
     <p:spTree>
       <p:nvGrpSpPr>
-        <p:cNvPr id="98" name="Shape 98"/>
+        <p:cNvPr id="1" name="Shape 98"/>
         <p:cNvGrpSpPr/>
         <p:nvPr/>
       </p:nvGrpSpPr>
@@ -1908,9 +1983,11 @@
       <p:sp>
         <p:nvSpPr>
           <p:cNvPr id="99" name="Google Shape;99;gd01ef3beaf_0_42:notes"/>
-          <p:cNvSpPr/>
+          <p:cNvSpPr>
+            <a:spLocks noGrp="1" noRot="1" noChangeAspect="1"/>
+          </p:cNvSpPr>
           <p:nvPr>
-            <p:ph idx="2" type="sldImg"/>
+            <p:ph type="sldImg" idx="2"/>
           </p:nvPr>
         </p:nvSpPr>
         <p:spPr>
@@ -1919,9 +1996,13 @@
             <a:ext cx="6096000" cy="3429000"/>
           </a:xfrm>
           <a:custGeom>
-            <a:rect b="b" l="l" r="r" t="t"/>
+            <a:avLst/>
+            <a:gdLst/>
+            <a:ahLst/>
+            <a:cxnLst/>
+            <a:rect l="l" t="t" r="r" b="b"/>
             <a:pathLst>
-              <a:path extrusionOk="0" h="120000" w="120000">
+              <a:path w="120000" h="120000" extrusionOk="0">
                 <a:moveTo>
                   <a:pt x="0" y="0"/>
                 </a:moveTo>
@@ -1943,9 +2024,11 @@
       <p:sp>
         <p:nvSpPr>
           <p:cNvPr id="100" name="Google Shape;100;gd01ef3beaf_0_42:notes"/>
-          <p:cNvSpPr txBox="1"/>
+          <p:cNvSpPr txBox="1">
+            <a:spLocks noGrp="1"/>
+          </p:cNvSpPr>
           <p:nvPr>
-            <p:ph idx="1" type="body"/>
+            <p:ph type="body" idx="1"/>
           </p:nvPr>
         </p:nvSpPr>
         <p:spPr>
@@ -1958,12 +2041,12 @@
           </a:prstGeom>
         </p:spPr>
         <p:txBody>
-          <a:bodyPr anchorCtr="0" anchor="t" bIns="91425" lIns="91425" spcFirstLastPara="1" rIns="91425" wrap="square" tIns="91425">
+          <a:bodyPr spcFirstLastPara="1" wrap="square" lIns="91425" tIns="91425" rIns="91425" bIns="91425" anchor="t" anchorCtr="0">
             <a:noAutofit/>
           </a:bodyPr>
           <a:lstStyle/>
           <a:p>
-            <a:pPr indent="0" lvl="0" marL="0" rtl="0" algn="l">
+            <a:pPr marL="0" lvl="0" indent="0" algn="l" rtl="0">
               <a:spcBef>
                 <a:spcPts val="0"/>
               </a:spcBef>
@@ -1972,9 +2055,6 @@
               </a:spcAft>
               <a:buNone/>
             </a:pPr>
-            <a:r>
-              <a:t/>
-            </a:r>
             <a:endParaRPr/>
           </a:p>
         </p:txBody>
@@ -1988,11 +2068,11 @@
 </file>
 
 <file path=ppt/notesSlides/notesSlide8.xml><?xml version="1.0" encoding="utf-8"?>
-<p:notes xmlns:a="http://schemas.openxmlformats.org/drawingml/2006/main" xmlns:r="http://schemas.openxmlformats.org/officeDocument/2006/relationships" xmlns:mc="http://schemas.openxmlformats.org/markup-compatibility/2006" xmlns:mv="urn:schemas-microsoft-com:mac:vml" xmlns:p="http://schemas.openxmlformats.org/presentationml/2006/main" xmlns:c="http://schemas.openxmlformats.org/drawingml/2006/chart" xmlns:dgm="http://schemas.openxmlformats.org/drawingml/2006/diagram" xmlns:o="urn:schemas-microsoft-com:office:office" xmlns:v="urn:schemas-microsoft-com:vml" xmlns:pvml="urn:schemas-microsoft-com:office:powerpoint" xmlns:com="http://schemas.openxmlformats.org/drawingml/2006/compatibility" xmlns:p14="http://schemas.microsoft.com/office/powerpoint/2010/main" xmlns:p15="http://schemas.microsoft.com/office/powerpoint/2012/main" xmlns:ahyp="http://schemas.microsoft.com/office/drawing/2018/hyperlinkcolor" showMasterPhAnim="0" showMasterSp="0">
+<p:notes xmlns:a="http://schemas.openxmlformats.org/drawingml/2006/main" xmlns:r="http://schemas.openxmlformats.org/officeDocument/2006/relationships" xmlns:p="http://schemas.openxmlformats.org/presentationml/2006/main" showMasterSp="0" showMasterPhAnim="0">
   <p:cSld>
     <p:spTree>
       <p:nvGrpSpPr>
-        <p:cNvPr id="105" name="Shape 105"/>
+        <p:cNvPr id="1" name="Shape 105"/>
         <p:cNvGrpSpPr/>
         <p:nvPr/>
       </p:nvGrpSpPr>
@@ -2007,9 +2087,11 @@
       <p:sp>
         <p:nvSpPr>
           <p:cNvPr id="106" name="Google Shape;106;gd01ef3beaf_0_5:notes"/>
-          <p:cNvSpPr/>
+          <p:cNvSpPr>
+            <a:spLocks noGrp="1" noRot="1" noChangeAspect="1"/>
+          </p:cNvSpPr>
           <p:nvPr>
-            <p:ph idx="2" type="sldImg"/>
+            <p:ph type="sldImg" idx="2"/>
           </p:nvPr>
         </p:nvSpPr>
         <p:spPr>
@@ -2018,9 +2100,13 @@
             <a:ext cx="6096000" cy="3429000"/>
           </a:xfrm>
           <a:custGeom>
-            <a:rect b="b" l="l" r="r" t="t"/>
+            <a:avLst/>
+            <a:gdLst/>
+            <a:ahLst/>
+            <a:cxnLst/>
+            <a:rect l="l" t="t" r="r" b="b"/>
             <a:pathLst>
-              <a:path extrusionOk="0" h="120000" w="120000">
+              <a:path w="120000" h="120000" extrusionOk="0">
                 <a:moveTo>
                   <a:pt x="0" y="0"/>
                 </a:moveTo>
@@ -2042,9 +2128,11 @@
       <p:sp>
         <p:nvSpPr>
           <p:cNvPr id="107" name="Google Shape;107;gd01ef3beaf_0_5:notes"/>
-          <p:cNvSpPr txBox="1"/>
+          <p:cNvSpPr txBox="1">
+            <a:spLocks noGrp="1"/>
+          </p:cNvSpPr>
           <p:nvPr>
-            <p:ph idx="1" type="body"/>
+            <p:ph type="body" idx="1"/>
           </p:nvPr>
         </p:nvSpPr>
         <p:spPr>
@@ -2057,12 +2145,12 @@
           </a:prstGeom>
         </p:spPr>
         <p:txBody>
-          <a:bodyPr anchorCtr="0" anchor="t" bIns="91425" lIns="91425" spcFirstLastPara="1" rIns="91425" wrap="square" tIns="91425">
+          <a:bodyPr spcFirstLastPara="1" wrap="square" lIns="91425" tIns="91425" rIns="91425" bIns="91425" anchor="t" anchorCtr="0">
             <a:noAutofit/>
           </a:bodyPr>
           <a:lstStyle/>
           <a:p>
-            <a:pPr indent="0" lvl="0" marL="0" rtl="0" algn="l">
+            <a:pPr marL="0" lvl="0" indent="0" algn="l" rtl="0">
               <a:spcBef>
                 <a:spcPts val="0"/>
               </a:spcBef>
@@ -2071,9 +2159,6 @@
               </a:spcAft>
               <a:buNone/>
             </a:pPr>
-            <a:r>
-              <a:t/>
-            </a:r>
             <a:endParaRPr/>
           </a:p>
         </p:txBody>
@@ -2087,11 +2172,11 @@
 </file>
 
 <file path=ppt/notesSlides/notesSlide9.xml><?xml version="1.0" encoding="utf-8"?>
-<p:notes xmlns:a="http://schemas.openxmlformats.org/drawingml/2006/main" xmlns:r="http://schemas.openxmlformats.org/officeDocument/2006/relationships" xmlns:mc="http://schemas.openxmlformats.org/markup-compatibility/2006" xmlns:mv="urn:schemas-microsoft-com:mac:vml" xmlns:p="http://schemas.openxmlformats.org/presentationml/2006/main" xmlns:c="http://schemas.openxmlformats.org/drawingml/2006/chart" xmlns:dgm="http://schemas.openxmlformats.org/drawingml/2006/diagram" xmlns:o="urn:schemas-microsoft-com:office:office" xmlns:v="urn:schemas-microsoft-com:vml" xmlns:pvml="urn:schemas-microsoft-com:office:powerpoint" xmlns:com="http://schemas.openxmlformats.org/drawingml/2006/compatibility" xmlns:p14="http://schemas.microsoft.com/office/powerpoint/2010/main" xmlns:p15="http://schemas.microsoft.com/office/powerpoint/2012/main" xmlns:ahyp="http://schemas.microsoft.com/office/drawing/2018/hyperlinkcolor" showMasterPhAnim="0" showMasterSp="0">
+<p:notes xmlns:a="http://schemas.openxmlformats.org/drawingml/2006/main" xmlns:r="http://schemas.openxmlformats.org/officeDocument/2006/relationships" xmlns:p="http://schemas.openxmlformats.org/presentationml/2006/main" showMasterSp="0" showMasterPhAnim="0">
   <p:cSld>
     <p:spTree>
       <p:nvGrpSpPr>
-        <p:cNvPr id="111" name="Shape 111"/>
+        <p:cNvPr id="1" name="Shape 111"/>
         <p:cNvGrpSpPr/>
         <p:nvPr/>
       </p:nvGrpSpPr>
@@ -2106,9 +2191,11 @@
       <p:sp>
         <p:nvSpPr>
           <p:cNvPr id="112" name="Google Shape;112;gd01ef3beaf_0_37:notes"/>
-          <p:cNvSpPr/>
+          <p:cNvSpPr>
+            <a:spLocks noGrp="1" noRot="1" noChangeAspect="1"/>
+          </p:cNvSpPr>
           <p:nvPr>
-            <p:ph idx="2" type="sldImg"/>
+            <p:ph type="sldImg" idx="2"/>
           </p:nvPr>
         </p:nvSpPr>
         <p:spPr>
@@ -2117,9 +2204,13 @@
             <a:ext cx="6096000" cy="3429000"/>
           </a:xfrm>
           <a:custGeom>
-            <a:rect b="b" l="l" r="r" t="t"/>
+            <a:avLst/>
+            <a:gdLst/>
+            <a:ahLst/>
+            <a:cxnLst/>
+            <a:rect l="l" t="t" r="r" b="b"/>
             <a:pathLst>
-              <a:path extrusionOk="0" h="120000" w="120000">
+              <a:path w="120000" h="120000" extrusionOk="0">
                 <a:moveTo>
                   <a:pt x="0" y="0"/>
                 </a:moveTo>
@@ -2141,9 +2232,11 @@
       <p:sp>
         <p:nvSpPr>
           <p:cNvPr id="113" name="Google Shape;113;gd01ef3beaf_0_37:notes"/>
-          <p:cNvSpPr txBox="1"/>
+          <p:cNvSpPr txBox="1">
+            <a:spLocks noGrp="1"/>
+          </p:cNvSpPr>
           <p:nvPr>
-            <p:ph idx="1" type="body"/>
+            <p:ph type="body" idx="1"/>
           </p:nvPr>
         </p:nvSpPr>
         <p:spPr>
@@ -2156,12 +2249,12 @@
           </a:prstGeom>
         </p:spPr>
         <p:txBody>
-          <a:bodyPr anchorCtr="0" anchor="t" bIns="91425" lIns="91425" spcFirstLastPara="1" rIns="91425" wrap="square" tIns="91425">
+          <a:bodyPr spcFirstLastPara="1" wrap="square" lIns="91425" tIns="91425" rIns="91425" bIns="91425" anchor="t" anchorCtr="0">
             <a:noAutofit/>
           </a:bodyPr>
           <a:lstStyle/>
           <a:p>
-            <a:pPr indent="0" lvl="0" marL="0" rtl="0" algn="l">
+            <a:pPr marL="0" lvl="0" indent="0" algn="l" rtl="0">
               <a:spcBef>
                 <a:spcPts val="0"/>
               </a:spcBef>
@@ -2170,9 +2263,6 @@
               </a:spcAft>
               <a:buNone/>
             </a:pPr>
-            <a:r>
-              <a:t/>
-            </a:r>
             <a:endParaRPr/>
           </a:p>
         </p:txBody>
@@ -2186,11 +2276,11 @@
 </file>
 
 <file path=ppt/slideLayouts/slideLayout1.xml><?xml version="1.0" encoding="utf-8"?>
-<p:sldLayout xmlns:a="http://schemas.openxmlformats.org/drawingml/2006/main" xmlns:r="http://schemas.openxmlformats.org/officeDocument/2006/relationships" xmlns:mc="http://schemas.openxmlformats.org/markup-compatibility/2006" xmlns:mv="urn:schemas-microsoft-com:mac:vml" xmlns:p="http://schemas.openxmlformats.org/presentationml/2006/main" xmlns:c="http://schemas.openxmlformats.org/drawingml/2006/chart" xmlns:dgm="http://schemas.openxmlformats.org/drawingml/2006/diagram" xmlns:o="urn:schemas-microsoft-com:office:office" xmlns:v="urn:schemas-microsoft-com:vml" xmlns:pvml="urn:schemas-microsoft-com:office:powerpoint" xmlns:com="http://schemas.openxmlformats.org/drawingml/2006/compatibility" xmlns:p14="http://schemas.microsoft.com/office/powerpoint/2010/main" xmlns:p15="http://schemas.microsoft.com/office/powerpoint/2012/main" xmlns:ahyp="http://schemas.microsoft.com/office/drawing/2018/hyperlinkcolor" matchingName="Title slide" type="title">
+<p:sldLayout xmlns:a="http://schemas.openxmlformats.org/drawingml/2006/main" xmlns:r="http://schemas.openxmlformats.org/officeDocument/2006/relationships" xmlns:p="http://schemas.openxmlformats.org/presentationml/2006/main" matchingName="Title slide" type="title">
   <p:cSld name="TITLE">
     <p:spTree>
       <p:nvGrpSpPr>
-        <p:cNvPr id="9" name="Shape 9"/>
+        <p:cNvPr id="1" name="Shape 9"/>
         <p:cNvGrpSpPr/>
         <p:nvPr/>
       </p:nvGrpSpPr>
@@ -2205,7 +2295,9 @@
       <p:sp>
         <p:nvSpPr>
           <p:cNvPr id="10" name="Google Shape;10;p2"/>
-          <p:cNvSpPr txBox="1"/>
+          <p:cNvSpPr txBox="1">
+            <a:spLocks noGrp="1"/>
+          </p:cNvSpPr>
           <p:nvPr>
             <p:ph type="ctrTitle"/>
           </p:nvPr>
@@ -2220,7 +2312,7 @@
           </a:prstGeom>
         </p:spPr>
         <p:txBody>
-          <a:bodyPr anchorCtr="0" anchor="b" bIns="91425" lIns="91425" spcFirstLastPara="1" rIns="91425" wrap="square" tIns="91425">
+          <a:bodyPr spcFirstLastPara="1" wrap="square" lIns="91425" tIns="91425" rIns="91425" bIns="91425" anchor="b" anchorCtr="0">
             <a:normAutofit/>
           </a:bodyPr>
           <a:lstStyle>
@@ -2324,15 +2416,19 @@
               <a:defRPr sz="5200"/>
             </a:lvl9pPr>
           </a:lstStyle>
-          <a:p/>
+          <a:p>
+            <a:endParaRPr/>
+          </a:p>
         </p:txBody>
       </p:sp>
       <p:sp>
         <p:nvSpPr>
           <p:cNvPr id="11" name="Google Shape;11;p2"/>
-          <p:cNvSpPr txBox="1"/>
+          <p:cNvSpPr txBox="1">
+            <a:spLocks noGrp="1"/>
+          </p:cNvSpPr>
           <p:nvPr>
-            <p:ph idx="1" type="subTitle"/>
+            <p:ph type="subTitle" idx="1"/>
           </p:nvPr>
         </p:nvSpPr>
         <p:spPr>
@@ -2345,7 +2441,7 @@
           </a:prstGeom>
         </p:spPr>
         <p:txBody>
-          <a:bodyPr anchorCtr="0" anchor="t" bIns="91425" lIns="91425" spcFirstLastPara="1" rIns="91425" wrap="square" tIns="91425">
+          <a:bodyPr spcFirstLastPara="1" wrap="square" lIns="91425" tIns="91425" rIns="91425" bIns="91425" anchor="t" anchorCtr="0">
             <a:normAutofit/>
           </a:bodyPr>
           <a:lstStyle>
@@ -2476,15 +2572,19 @@
               <a:defRPr sz="2800"/>
             </a:lvl9pPr>
           </a:lstStyle>
-          <a:p/>
+          <a:p>
+            <a:endParaRPr/>
+          </a:p>
         </p:txBody>
       </p:sp>
       <p:sp>
         <p:nvSpPr>
           <p:cNvPr id="12" name="Google Shape;12;p2"/>
-          <p:cNvSpPr txBox="1"/>
+          <p:cNvSpPr txBox="1">
+            <a:spLocks noGrp="1"/>
+          </p:cNvSpPr>
           <p:nvPr>
-            <p:ph idx="12" type="sldNum"/>
+            <p:ph type="sldNum" idx="12"/>
           </p:nvPr>
         </p:nvSpPr>
         <p:spPr>
@@ -2497,7 +2597,7 @@
           </a:prstGeom>
         </p:spPr>
         <p:txBody>
-          <a:bodyPr anchorCtr="0" anchor="ctr" bIns="91425" lIns="91425" spcFirstLastPara="1" rIns="91425" wrap="square" tIns="91425">
+          <a:bodyPr spcFirstLastPara="1" wrap="square" lIns="91425" tIns="91425" rIns="91425" bIns="91425" anchor="ctr" anchorCtr="0">
             <a:normAutofit/>
           </a:bodyPr>
           <a:lstStyle>
@@ -2539,7 +2639,7 @@
             </a:lvl9pPr>
           </a:lstStyle>
           <a:p>
-            <a:pPr indent="0" lvl="0" marL="0" rtl="0" algn="r">
+            <a:pPr marL="0" lvl="0" indent="0" algn="r" rtl="0">
               <a:spcBef>
                 <a:spcPts val="0"/>
               </a:spcBef>
@@ -2565,11 +2665,11 @@
 </file>
 
 <file path=ppt/slideLayouts/slideLayout10.xml><?xml version="1.0" encoding="utf-8"?>
-<p:sldLayout xmlns:a="http://schemas.openxmlformats.org/drawingml/2006/main" xmlns:r="http://schemas.openxmlformats.org/officeDocument/2006/relationships" xmlns:mc="http://schemas.openxmlformats.org/markup-compatibility/2006" xmlns:mv="urn:schemas-microsoft-com:mac:vml" xmlns:p="http://schemas.openxmlformats.org/presentationml/2006/main" xmlns:c="http://schemas.openxmlformats.org/drawingml/2006/chart" xmlns:dgm="http://schemas.openxmlformats.org/drawingml/2006/diagram" xmlns:o="urn:schemas-microsoft-com:office:office" xmlns:v="urn:schemas-microsoft-com:vml" xmlns:pvml="urn:schemas-microsoft-com:office:powerpoint" xmlns:com="http://schemas.openxmlformats.org/drawingml/2006/compatibility" xmlns:p14="http://schemas.microsoft.com/office/powerpoint/2010/main" xmlns:p15="http://schemas.microsoft.com/office/powerpoint/2012/main" xmlns:ahyp="http://schemas.microsoft.com/office/drawing/2018/hyperlinkcolor" matchingName="Big number">
+<p:sldLayout xmlns:a="http://schemas.openxmlformats.org/drawingml/2006/main" xmlns:r="http://schemas.openxmlformats.org/officeDocument/2006/relationships" xmlns:p="http://schemas.openxmlformats.org/presentationml/2006/main" matchingName="Big number">
   <p:cSld name="BIG_NUMBER">
     <p:spTree>
       <p:nvGrpSpPr>
-        <p:cNvPr id="44" name="Shape 44"/>
+        <p:cNvPr id="1" name="Shape 44"/>
         <p:cNvGrpSpPr/>
         <p:nvPr/>
       </p:nvGrpSpPr>
@@ -2584,9 +2684,11 @@
       <p:sp>
         <p:nvSpPr>
           <p:cNvPr id="45" name="Google Shape;45;p11"/>
-          <p:cNvSpPr txBox="1"/>
+          <p:cNvSpPr txBox="1">
+            <a:spLocks noGrp="1"/>
+          </p:cNvSpPr>
           <p:nvPr>
-            <p:ph hasCustomPrompt="1" type="title"/>
+            <p:ph type="title" hasCustomPrompt="1"/>
           </p:nvPr>
         </p:nvSpPr>
         <p:spPr>
@@ -2599,7 +2701,7 @@
           </a:prstGeom>
         </p:spPr>
         <p:txBody>
-          <a:bodyPr anchorCtr="0" anchor="b" bIns="91425" lIns="91425" spcFirstLastPara="1" rIns="91425" wrap="square" tIns="91425">
+          <a:bodyPr spcFirstLastPara="1" wrap="square" lIns="91425" tIns="91425" rIns="91425" bIns="91425" anchor="b" anchorCtr="0">
             <a:normAutofit/>
           </a:bodyPr>
           <a:lstStyle>
@@ -2713,9 +2815,11 @@
       <p:sp>
         <p:nvSpPr>
           <p:cNvPr id="46" name="Google Shape;46;p11"/>
-          <p:cNvSpPr txBox="1"/>
+          <p:cNvSpPr txBox="1">
+            <a:spLocks noGrp="1"/>
+          </p:cNvSpPr>
           <p:nvPr>
-            <p:ph idx="1" type="body"/>
+            <p:ph type="body" idx="1"/>
           </p:nvPr>
         </p:nvSpPr>
         <p:spPr>
@@ -2728,11 +2832,11 @@
           </a:prstGeom>
         </p:spPr>
         <p:txBody>
-          <a:bodyPr anchorCtr="0" anchor="t" bIns="91425" lIns="91425" spcFirstLastPara="1" rIns="91425" wrap="square" tIns="91425">
+          <a:bodyPr spcFirstLastPara="1" wrap="square" lIns="91425" tIns="91425" rIns="91425" bIns="91425" anchor="t" anchorCtr="0">
             <a:normAutofit/>
           </a:bodyPr>
           <a:lstStyle>
-            <a:lvl1pPr indent="-342900" lvl="0" marL="457200" algn="ctr">
+            <a:lvl1pPr marL="457200" lvl="0" indent="-342900" algn="ctr">
               <a:spcBef>
                 <a:spcPts val="0"/>
               </a:spcBef>
@@ -2743,7 +2847,7 @@
               <a:buChar char="●"/>
               <a:defRPr/>
             </a:lvl1pPr>
-            <a:lvl2pPr indent="-317500" lvl="1" marL="914400" algn="ctr">
+            <a:lvl2pPr marL="914400" lvl="1" indent="-317500" algn="ctr">
               <a:spcBef>
                 <a:spcPts val="0"/>
               </a:spcBef>
@@ -2754,7 +2858,7 @@
               <a:buChar char="○"/>
               <a:defRPr/>
             </a:lvl2pPr>
-            <a:lvl3pPr indent="-317500" lvl="2" marL="1371600" algn="ctr">
+            <a:lvl3pPr marL="1371600" lvl="2" indent="-317500" algn="ctr">
               <a:spcBef>
                 <a:spcPts val="0"/>
               </a:spcBef>
@@ -2765,7 +2869,7 @@
               <a:buChar char="■"/>
               <a:defRPr/>
             </a:lvl3pPr>
-            <a:lvl4pPr indent="-317500" lvl="3" marL="1828800" algn="ctr">
+            <a:lvl4pPr marL="1828800" lvl="3" indent="-317500" algn="ctr">
               <a:spcBef>
                 <a:spcPts val="0"/>
               </a:spcBef>
@@ -2776,7 +2880,7 @@
               <a:buChar char="●"/>
               <a:defRPr/>
             </a:lvl4pPr>
-            <a:lvl5pPr indent="-317500" lvl="4" marL="2286000" algn="ctr">
+            <a:lvl5pPr marL="2286000" lvl="4" indent="-317500" algn="ctr">
               <a:spcBef>
                 <a:spcPts val="0"/>
               </a:spcBef>
@@ -2787,7 +2891,7 @@
               <a:buChar char="○"/>
               <a:defRPr/>
             </a:lvl5pPr>
-            <a:lvl6pPr indent="-317500" lvl="5" marL="2743200" algn="ctr">
+            <a:lvl6pPr marL="2743200" lvl="5" indent="-317500" algn="ctr">
               <a:spcBef>
                 <a:spcPts val="0"/>
               </a:spcBef>
@@ -2798,7 +2902,7 @@
               <a:buChar char="■"/>
               <a:defRPr/>
             </a:lvl6pPr>
-            <a:lvl7pPr indent="-317500" lvl="6" marL="3200400" algn="ctr">
+            <a:lvl7pPr marL="3200400" lvl="6" indent="-317500" algn="ctr">
               <a:spcBef>
                 <a:spcPts val="0"/>
               </a:spcBef>
@@ -2809,7 +2913,7 @@
               <a:buChar char="●"/>
               <a:defRPr/>
             </a:lvl7pPr>
-            <a:lvl8pPr indent="-317500" lvl="7" marL="3657600" algn="ctr">
+            <a:lvl8pPr marL="3657600" lvl="7" indent="-317500" algn="ctr">
               <a:spcBef>
                 <a:spcPts val="0"/>
               </a:spcBef>
@@ -2820,7 +2924,7 @@
               <a:buChar char="○"/>
               <a:defRPr/>
             </a:lvl8pPr>
-            <a:lvl9pPr indent="-317500" lvl="8" marL="4114800" algn="ctr">
+            <a:lvl9pPr marL="4114800" lvl="8" indent="-317500" algn="ctr">
               <a:spcBef>
                 <a:spcPts val="0"/>
               </a:spcBef>
@@ -2832,15 +2936,19 @@
               <a:defRPr/>
             </a:lvl9pPr>
           </a:lstStyle>
-          <a:p/>
+          <a:p>
+            <a:endParaRPr/>
+          </a:p>
         </p:txBody>
       </p:sp>
       <p:sp>
         <p:nvSpPr>
           <p:cNvPr id="47" name="Google Shape;47;p11"/>
-          <p:cNvSpPr txBox="1"/>
+          <p:cNvSpPr txBox="1">
+            <a:spLocks noGrp="1"/>
+          </p:cNvSpPr>
           <p:nvPr>
-            <p:ph idx="12" type="sldNum"/>
+            <p:ph type="sldNum" idx="12"/>
           </p:nvPr>
         </p:nvSpPr>
         <p:spPr>
@@ -2853,7 +2961,7 @@
           </a:prstGeom>
         </p:spPr>
         <p:txBody>
-          <a:bodyPr anchorCtr="0" anchor="ctr" bIns="91425" lIns="91425" spcFirstLastPara="1" rIns="91425" wrap="square" tIns="91425">
+          <a:bodyPr spcFirstLastPara="1" wrap="square" lIns="91425" tIns="91425" rIns="91425" bIns="91425" anchor="ctr" anchorCtr="0">
             <a:normAutofit/>
           </a:bodyPr>
           <a:lstStyle>
@@ -2895,7 +3003,7 @@
             </a:lvl9pPr>
           </a:lstStyle>
           <a:p>
-            <a:pPr indent="0" lvl="0" marL="0" rtl="0" algn="r">
+            <a:pPr marL="0" lvl="0" indent="0" algn="r" rtl="0">
               <a:spcBef>
                 <a:spcPts val="0"/>
               </a:spcBef>
@@ -2921,11 +3029,11 @@
 </file>
 
 <file path=ppt/slideLayouts/slideLayout11.xml><?xml version="1.0" encoding="utf-8"?>
-<p:sldLayout xmlns:a="http://schemas.openxmlformats.org/drawingml/2006/main" xmlns:r="http://schemas.openxmlformats.org/officeDocument/2006/relationships" xmlns:mc="http://schemas.openxmlformats.org/markup-compatibility/2006" xmlns:mv="urn:schemas-microsoft-com:mac:vml" xmlns:p="http://schemas.openxmlformats.org/presentationml/2006/main" xmlns:c="http://schemas.openxmlformats.org/drawingml/2006/chart" xmlns:dgm="http://schemas.openxmlformats.org/drawingml/2006/diagram" xmlns:o="urn:schemas-microsoft-com:office:office" xmlns:v="urn:schemas-microsoft-com:vml" xmlns:pvml="urn:schemas-microsoft-com:office:powerpoint" xmlns:com="http://schemas.openxmlformats.org/drawingml/2006/compatibility" xmlns:p14="http://schemas.microsoft.com/office/powerpoint/2010/main" xmlns:p15="http://schemas.microsoft.com/office/powerpoint/2012/main" xmlns:ahyp="http://schemas.microsoft.com/office/drawing/2018/hyperlinkcolor" matchingName="Blank" type="blank">
+<p:sldLayout xmlns:a="http://schemas.openxmlformats.org/drawingml/2006/main" xmlns:r="http://schemas.openxmlformats.org/officeDocument/2006/relationships" xmlns:p="http://schemas.openxmlformats.org/presentationml/2006/main" matchingName="Blank" type="blank">
   <p:cSld name="BLANK">
     <p:spTree>
       <p:nvGrpSpPr>
-        <p:cNvPr id="48" name="Shape 48"/>
+        <p:cNvPr id="1" name="Shape 48"/>
         <p:cNvGrpSpPr/>
         <p:nvPr/>
       </p:nvGrpSpPr>
@@ -2940,9 +3048,11 @@
       <p:sp>
         <p:nvSpPr>
           <p:cNvPr id="49" name="Google Shape;49;p12"/>
-          <p:cNvSpPr txBox="1"/>
+          <p:cNvSpPr txBox="1">
+            <a:spLocks noGrp="1"/>
+          </p:cNvSpPr>
           <p:nvPr>
-            <p:ph idx="12" type="sldNum"/>
+            <p:ph type="sldNum" idx="12"/>
           </p:nvPr>
         </p:nvSpPr>
         <p:spPr>
@@ -2955,7 +3065,7 @@
           </a:prstGeom>
         </p:spPr>
         <p:txBody>
-          <a:bodyPr anchorCtr="0" anchor="ctr" bIns="91425" lIns="91425" spcFirstLastPara="1" rIns="91425" wrap="square" tIns="91425">
+          <a:bodyPr spcFirstLastPara="1" wrap="square" lIns="91425" tIns="91425" rIns="91425" bIns="91425" anchor="ctr" anchorCtr="0">
             <a:normAutofit/>
           </a:bodyPr>
           <a:lstStyle>
@@ -2997,7 +3107,7 @@
             </a:lvl9pPr>
           </a:lstStyle>
           <a:p>
-            <a:pPr indent="0" lvl="0" marL="0" rtl="0" algn="r">
+            <a:pPr marL="0" lvl="0" indent="0" algn="r" rtl="0">
               <a:spcBef>
                 <a:spcPts val="0"/>
               </a:spcBef>
@@ -3023,11 +3133,11 @@
 </file>
 
 <file path=ppt/slideLayouts/slideLayout2.xml><?xml version="1.0" encoding="utf-8"?>
-<p:sldLayout xmlns:a="http://schemas.openxmlformats.org/drawingml/2006/main" xmlns:r="http://schemas.openxmlformats.org/officeDocument/2006/relationships" xmlns:mc="http://schemas.openxmlformats.org/markup-compatibility/2006" xmlns:mv="urn:schemas-microsoft-com:mac:vml" xmlns:p="http://schemas.openxmlformats.org/presentationml/2006/main" xmlns:c="http://schemas.openxmlformats.org/drawingml/2006/chart" xmlns:dgm="http://schemas.openxmlformats.org/drawingml/2006/diagram" xmlns:o="urn:schemas-microsoft-com:office:office" xmlns:v="urn:schemas-microsoft-com:vml" xmlns:pvml="urn:schemas-microsoft-com:office:powerpoint" xmlns:com="http://schemas.openxmlformats.org/drawingml/2006/compatibility" xmlns:p14="http://schemas.microsoft.com/office/powerpoint/2010/main" xmlns:p15="http://schemas.microsoft.com/office/powerpoint/2012/main" xmlns:ahyp="http://schemas.microsoft.com/office/drawing/2018/hyperlinkcolor" matchingName="Section header" type="secHead">
+<p:sldLayout xmlns:a="http://schemas.openxmlformats.org/drawingml/2006/main" xmlns:r="http://schemas.openxmlformats.org/officeDocument/2006/relationships" xmlns:p="http://schemas.openxmlformats.org/presentationml/2006/main" matchingName="Section header" type="secHead">
   <p:cSld name="SECTION_HEADER">
     <p:spTree>
       <p:nvGrpSpPr>
-        <p:cNvPr id="13" name="Shape 13"/>
+        <p:cNvPr id="1" name="Shape 13"/>
         <p:cNvGrpSpPr/>
         <p:nvPr/>
       </p:nvGrpSpPr>
@@ -3042,7 +3152,9 @@
       <p:sp>
         <p:nvSpPr>
           <p:cNvPr id="14" name="Google Shape;14;p3"/>
-          <p:cNvSpPr txBox="1"/>
+          <p:cNvSpPr txBox="1">
+            <a:spLocks noGrp="1"/>
+          </p:cNvSpPr>
           <p:nvPr>
             <p:ph type="title"/>
           </p:nvPr>
@@ -3057,7 +3169,7 @@
           </a:prstGeom>
         </p:spPr>
         <p:txBody>
-          <a:bodyPr anchorCtr="0" anchor="ctr" bIns="91425" lIns="91425" spcFirstLastPara="1" rIns="91425" wrap="square" tIns="91425">
+          <a:bodyPr spcFirstLastPara="1" wrap="square" lIns="91425" tIns="91425" rIns="91425" bIns="91425" anchor="ctr" anchorCtr="0">
             <a:normAutofit/>
           </a:bodyPr>
           <a:lstStyle>
@@ -3161,15 +3273,19 @@
               <a:defRPr sz="3600"/>
             </a:lvl9pPr>
           </a:lstStyle>
-          <a:p/>
+          <a:p>
+            <a:endParaRPr/>
+          </a:p>
         </p:txBody>
       </p:sp>
       <p:sp>
         <p:nvSpPr>
           <p:cNvPr id="15" name="Google Shape;15;p3"/>
-          <p:cNvSpPr txBox="1"/>
+          <p:cNvSpPr txBox="1">
+            <a:spLocks noGrp="1"/>
+          </p:cNvSpPr>
           <p:nvPr>
-            <p:ph idx="12" type="sldNum"/>
+            <p:ph type="sldNum" idx="12"/>
           </p:nvPr>
         </p:nvSpPr>
         <p:spPr>
@@ -3182,7 +3298,7 @@
           </a:prstGeom>
         </p:spPr>
         <p:txBody>
-          <a:bodyPr anchorCtr="0" anchor="ctr" bIns="91425" lIns="91425" spcFirstLastPara="1" rIns="91425" wrap="square" tIns="91425">
+          <a:bodyPr spcFirstLastPara="1" wrap="square" lIns="91425" tIns="91425" rIns="91425" bIns="91425" anchor="ctr" anchorCtr="0">
             <a:normAutofit/>
           </a:bodyPr>
           <a:lstStyle>
@@ -3224,7 +3340,7 @@
             </a:lvl9pPr>
           </a:lstStyle>
           <a:p>
-            <a:pPr indent="0" lvl="0" marL="0" rtl="0" algn="r">
+            <a:pPr marL="0" lvl="0" indent="0" algn="r" rtl="0">
               <a:spcBef>
                 <a:spcPts val="0"/>
               </a:spcBef>
@@ -3250,11 +3366,11 @@
 </file>
 
 <file path=ppt/slideLayouts/slideLayout3.xml><?xml version="1.0" encoding="utf-8"?>
-<p:sldLayout xmlns:a="http://schemas.openxmlformats.org/drawingml/2006/main" xmlns:r="http://schemas.openxmlformats.org/officeDocument/2006/relationships" xmlns:mc="http://schemas.openxmlformats.org/markup-compatibility/2006" xmlns:mv="urn:schemas-microsoft-com:mac:vml" xmlns:p="http://schemas.openxmlformats.org/presentationml/2006/main" xmlns:c="http://schemas.openxmlformats.org/drawingml/2006/chart" xmlns:dgm="http://schemas.openxmlformats.org/drawingml/2006/diagram" xmlns:o="urn:schemas-microsoft-com:office:office" xmlns:v="urn:schemas-microsoft-com:vml" xmlns:pvml="urn:schemas-microsoft-com:office:powerpoint" xmlns:com="http://schemas.openxmlformats.org/drawingml/2006/compatibility" xmlns:p14="http://schemas.microsoft.com/office/powerpoint/2010/main" xmlns:p15="http://schemas.microsoft.com/office/powerpoint/2012/main" xmlns:ahyp="http://schemas.microsoft.com/office/drawing/2018/hyperlinkcolor" matchingName="Title and body" type="tx">
+<p:sldLayout xmlns:a="http://schemas.openxmlformats.org/drawingml/2006/main" xmlns:r="http://schemas.openxmlformats.org/officeDocument/2006/relationships" xmlns:p="http://schemas.openxmlformats.org/presentationml/2006/main" matchingName="Title and body" type="tx">
   <p:cSld name="TITLE_AND_BODY">
     <p:spTree>
       <p:nvGrpSpPr>
-        <p:cNvPr id="16" name="Shape 16"/>
+        <p:cNvPr id="1" name="Shape 16"/>
         <p:cNvGrpSpPr/>
         <p:nvPr/>
       </p:nvGrpSpPr>
@@ -3269,7 +3385,9 @@
       <p:sp>
         <p:nvSpPr>
           <p:cNvPr id="17" name="Google Shape;17;p4"/>
-          <p:cNvSpPr txBox="1"/>
+          <p:cNvSpPr txBox="1">
+            <a:spLocks noGrp="1"/>
+          </p:cNvSpPr>
           <p:nvPr>
             <p:ph type="title"/>
           </p:nvPr>
@@ -3284,7 +3402,7 @@
           </a:prstGeom>
         </p:spPr>
         <p:txBody>
-          <a:bodyPr anchorCtr="0" anchor="t" bIns="91425" lIns="91425" spcFirstLastPara="1" rIns="91425" wrap="square" tIns="91425">
+          <a:bodyPr spcFirstLastPara="1" wrap="square" lIns="91425" tIns="91425" rIns="91425" bIns="91425" anchor="t" anchorCtr="0">
             <a:normAutofit/>
           </a:bodyPr>
           <a:lstStyle>
@@ -3388,15 +3506,19 @@
               <a:defRPr/>
             </a:lvl9pPr>
           </a:lstStyle>
-          <a:p/>
+          <a:p>
+            <a:endParaRPr/>
+          </a:p>
         </p:txBody>
       </p:sp>
       <p:sp>
         <p:nvSpPr>
           <p:cNvPr id="18" name="Google Shape;18;p4"/>
-          <p:cNvSpPr txBox="1"/>
+          <p:cNvSpPr txBox="1">
+            <a:spLocks noGrp="1"/>
+          </p:cNvSpPr>
           <p:nvPr>
-            <p:ph idx="1" type="body"/>
+            <p:ph type="body" idx="1"/>
           </p:nvPr>
         </p:nvSpPr>
         <p:spPr>
@@ -3409,11 +3531,11 @@
           </a:prstGeom>
         </p:spPr>
         <p:txBody>
-          <a:bodyPr anchorCtr="0" anchor="t" bIns="91425" lIns="91425" spcFirstLastPara="1" rIns="91425" wrap="square" tIns="91425">
+          <a:bodyPr spcFirstLastPara="1" wrap="square" lIns="91425" tIns="91425" rIns="91425" bIns="91425" anchor="t" anchorCtr="0">
             <a:normAutofit/>
           </a:bodyPr>
           <a:lstStyle>
-            <a:lvl1pPr indent="-342900" lvl="0" marL="457200">
+            <a:lvl1pPr marL="457200" lvl="0" indent="-342900">
               <a:spcBef>
                 <a:spcPts val="0"/>
               </a:spcBef>
@@ -3424,7 +3546,7 @@
               <a:buChar char="●"/>
               <a:defRPr/>
             </a:lvl1pPr>
-            <a:lvl2pPr indent="-317500" lvl="1" marL="914400">
+            <a:lvl2pPr marL="914400" lvl="1" indent="-317500">
               <a:spcBef>
                 <a:spcPts val="0"/>
               </a:spcBef>
@@ -3435,7 +3557,7 @@
               <a:buChar char="○"/>
               <a:defRPr/>
             </a:lvl2pPr>
-            <a:lvl3pPr indent="-317500" lvl="2" marL="1371600">
+            <a:lvl3pPr marL="1371600" lvl="2" indent="-317500">
               <a:spcBef>
                 <a:spcPts val="0"/>
               </a:spcBef>
@@ -3446,7 +3568,7 @@
               <a:buChar char="■"/>
               <a:defRPr/>
             </a:lvl3pPr>
-            <a:lvl4pPr indent="-317500" lvl="3" marL="1828800">
+            <a:lvl4pPr marL="1828800" lvl="3" indent="-317500">
               <a:spcBef>
                 <a:spcPts val="0"/>
               </a:spcBef>
@@ -3457,7 +3579,7 @@
               <a:buChar char="●"/>
               <a:defRPr/>
             </a:lvl4pPr>
-            <a:lvl5pPr indent="-317500" lvl="4" marL="2286000">
+            <a:lvl5pPr marL="2286000" lvl="4" indent="-317500">
               <a:spcBef>
                 <a:spcPts val="0"/>
               </a:spcBef>
@@ -3468,7 +3590,7 @@
               <a:buChar char="○"/>
               <a:defRPr/>
             </a:lvl5pPr>
-            <a:lvl6pPr indent="-317500" lvl="5" marL="2743200">
+            <a:lvl6pPr marL="2743200" lvl="5" indent="-317500">
               <a:spcBef>
                 <a:spcPts val="0"/>
               </a:spcBef>
@@ -3479,7 +3601,7 @@
               <a:buChar char="■"/>
               <a:defRPr/>
             </a:lvl6pPr>
-            <a:lvl7pPr indent="-317500" lvl="6" marL="3200400">
+            <a:lvl7pPr marL="3200400" lvl="6" indent="-317500">
               <a:spcBef>
                 <a:spcPts val="0"/>
               </a:spcBef>
@@ -3490,7 +3612,7 @@
               <a:buChar char="●"/>
               <a:defRPr/>
             </a:lvl7pPr>
-            <a:lvl8pPr indent="-317500" lvl="7" marL="3657600">
+            <a:lvl8pPr marL="3657600" lvl="7" indent="-317500">
               <a:spcBef>
                 <a:spcPts val="0"/>
               </a:spcBef>
@@ -3501,7 +3623,7 @@
               <a:buChar char="○"/>
               <a:defRPr/>
             </a:lvl8pPr>
-            <a:lvl9pPr indent="-317500" lvl="8" marL="4114800">
+            <a:lvl9pPr marL="4114800" lvl="8" indent="-317500">
               <a:spcBef>
                 <a:spcPts val="0"/>
               </a:spcBef>
@@ -3513,15 +3635,19 @@
               <a:defRPr/>
             </a:lvl9pPr>
           </a:lstStyle>
-          <a:p/>
+          <a:p>
+            <a:endParaRPr/>
+          </a:p>
         </p:txBody>
       </p:sp>
       <p:sp>
         <p:nvSpPr>
           <p:cNvPr id="19" name="Google Shape;19;p4"/>
-          <p:cNvSpPr txBox="1"/>
+          <p:cNvSpPr txBox="1">
+            <a:spLocks noGrp="1"/>
+          </p:cNvSpPr>
           <p:nvPr>
-            <p:ph idx="12" type="sldNum"/>
+            <p:ph type="sldNum" idx="12"/>
           </p:nvPr>
         </p:nvSpPr>
         <p:spPr>
@@ -3534,7 +3660,7 @@
           </a:prstGeom>
         </p:spPr>
         <p:txBody>
-          <a:bodyPr anchorCtr="0" anchor="ctr" bIns="91425" lIns="91425" spcFirstLastPara="1" rIns="91425" wrap="square" tIns="91425">
+          <a:bodyPr spcFirstLastPara="1" wrap="square" lIns="91425" tIns="91425" rIns="91425" bIns="91425" anchor="ctr" anchorCtr="0">
             <a:normAutofit/>
           </a:bodyPr>
           <a:lstStyle>
@@ -3576,7 +3702,7 @@
             </a:lvl9pPr>
           </a:lstStyle>
           <a:p>
-            <a:pPr indent="0" lvl="0" marL="0" rtl="0" algn="r">
+            <a:pPr marL="0" lvl="0" indent="0" algn="r" rtl="0">
               <a:spcBef>
                 <a:spcPts val="0"/>
               </a:spcBef>
@@ -3602,11 +3728,11 @@
 </file>
 
 <file path=ppt/slideLayouts/slideLayout4.xml><?xml version="1.0" encoding="utf-8"?>
-<p:sldLayout xmlns:a="http://schemas.openxmlformats.org/drawingml/2006/main" xmlns:r="http://schemas.openxmlformats.org/officeDocument/2006/relationships" xmlns:mc="http://schemas.openxmlformats.org/markup-compatibility/2006" xmlns:mv="urn:schemas-microsoft-com:mac:vml" xmlns:p="http://schemas.openxmlformats.org/presentationml/2006/main" xmlns:c="http://schemas.openxmlformats.org/drawingml/2006/chart" xmlns:dgm="http://schemas.openxmlformats.org/drawingml/2006/diagram" xmlns:o="urn:schemas-microsoft-com:office:office" xmlns:v="urn:schemas-microsoft-com:vml" xmlns:pvml="urn:schemas-microsoft-com:office:powerpoint" xmlns:com="http://schemas.openxmlformats.org/drawingml/2006/compatibility" xmlns:p14="http://schemas.microsoft.com/office/powerpoint/2010/main" xmlns:p15="http://schemas.microsoft.com/office/powerpoint/2012/main" xmlns:ahyp="http://schemas.microsoft.com/office/drawing/2018/hyperlinkcolor" matchingName="Title and two columns" type="twoColTx">
+<p:sldLayout xmlns:a="http://schemas.openxmlformats.org/drawingml/2006/main" xmlns:r="http://schemas.openxmlformats.org/officeDocument/2006/relationships" xmlns:p="http://schemas.openxmlformats.org/presentationml/2006/main" matchingName="Title and two columns" type="twoColTx">
   <p:cSld name="TITLE_AND_TWO_COLUMNS">
     <p:spTree>
       <p:nvGrpSpPr>
-        <p:cNvPr id="20" name="Shape 20"/>
+        <p:cNvPr id="1" name="Shape 20"/>
         <p:cNvGrpSpPr/>
         <p:nvPr/>
       </p:nvGrpSpPr>
@@ -3621,7 +3747,9 @@
       <p:sp>
         <p:nvSpPr>
           <p:cNvPr id="21" name="Google Shape;21;p5"/>
-          <p:cNvSpPr txBox="1"/>
+          <p:cNvSpPr txBox="1">
+            <a:spLocks noGrp="1"/>
+          </p:cNvSpPr>
           <p:nvPr>
             <p:ph type="title"/>
           </p:nvPr>
@@ -3636,7 +3764,7 @@
           </a:prstGeom>
         </p:spPr>
         <p:txBody>
-          <a:bodyPr anchorCtr="0" anchor="t" bIns="91425" lIns="91425" spcFirstLastPara="1" rIns="91425" wrap="square" tIns="91425">
+          <a:bodyPr spcFirstLastPara="1" wrap="square" lIns="91425" tIns="91425" rIns="91425" bIns="91425" anchor="t" anchorCtr="0">
             <a:normAutofit/>
           </a:bodyPr>
           <a:lstStyle>
@@ -3740,15 +3868,19 @@
               <a:defRPr/>
             </a:lvl9pPr>
           </a:lstStyle>
-          <a:p/>
+          <a:p>
+            <a:endParaRPr/>
+          </a:p>
         </p:txBody>
       </p:sp>
       <p:sp>
         <p:nvSpPr>
           <p:cNvPr id="22" name="Google Shape;22;p5"/>
-          <p:cNvSpPr txBox="1"/>
+          <p:cNvSpPr txBox="1">
+            <a:spLocks noGrp="1"/>
+          </p:cNvSpPr>
           <p:nvPr>
-            <p:ph idx="1" type="body"/>
+            <p:ph type="body" idx="1"/>
           </p:nvPr>
         </p:nvSpPr>
         <p:spPr>
@@ -3761,11 +3893,11 @@
           </a:prstGeom>
         </p:spPr>
         <p:txBody>
-          <a:bodyPr anchorCtr="0" anchor="t" bIns="91425" lIns="91425" spcFirstLastPara="1" rIns="91425" wrap="square" tIns="91425">
+          <a:bodyPr spcFirstLastPara="1" wrap="square" lIns="91425" tIns="91425" rIns="91425" bIns="91425" anchor="t" anchorCtr="0">
             <a:normAutofit/>
           </a:bodyPr>
           <a:lstStyle>
-            <a:lvl1pPr indent="-317500" lvl="0" marL="457200">
+            <a:lvl1pPr marL="457200" lvl="0" indent="-317500">
               <a:spcBef>
                 <a:spcPts val="0"/>
               </a:spcBef>
@@ -3776,7 +3908,7 @@
               <a:buChar char="●"/>
               <a:defRPr sz="1400"/>
             </a:lvl1pPr>
-            <a:lvl2pPr indent="-304800" lvl="1" marL="914400">
+            <a:lvl2pPr marL="914400" lvl="1" indent="-304800">
               <a:spcBef>
                 <a:spcPts val="0"/>
               </a:spcBef>
@@ -3787,7 +3919,7 @@
               <a:buChar char="○"/>
               <a:defRPr sz="1200"/>
             </a:lvl2pPr>
-            <a:lvl3pPr indent="-304800" lvl="2" marL="1371600">
+            <a:lvl3pPr marL="1371600" lvl="2" indent="-304800">
               <a:spcBef>
                 <a:spcPts val="0"/>
               </a:spcBef>
@@ -3798,7 +3930,7 @@
               <a:buChar char="■"/>
               <a:defRPr sz="1200"/>
             </a:lvl3pPr>
-            <a:lvl4pPr indent="-304800" lvl="3" marL="1828800">
+            <a:lvl4pPr marL="1828800" lvl="3" indent="-304800">
               <a:spcBef>
                 <a:spcPts val="0"/>
               </a:spcBef>
@@ -3809,7 +3941,7 @@
               <a:buChar char="●"/>
               <a:defRPr sz="1200"/>
             </a:lvl4pPr>
-            <a:lvl5pPr indent="-304800" lvl="4" marL="2286000">
+            <a:lvl5pPr marL="2286000" lvl="4" indent="-304800">
               <a:spcBef>
                 <a:spcPts val="0"/>
               </a:spcBef>
@@ -3820,7 +3952,7 @@
               <a:buChar char="○"/>
               <a:defRPr sz="1200"/>
             </a:lvl5pPr>
-            <a:lvl6pPr indent="-304800" lvl="5" marL="2743200">
+            <a:lvl6pPr marL="2743200" lvl="5" indent="-304800">
               <a:spcBef>
                 <a:spcPts val="0"/>
               </a:spcBef>
@@ -3831,7 +3963,7 @@
               <a:buChar char="■"/>
               <a:defRPr sz="1200"/>
             </a:lvl6pPr>
-            <a:lvl7pPr indent="-304800" lvl="6" marL="3200400">
+            <a:lvl7pPr marL="3200400" lvl="6" indent="-304800">
               <a:spcBef>
                 <a:spcPts val="0"/>
               </a:spcBef>
@@ -3842,7 +3974,7 @@
               <a:buChar char="●"/>
               <a:defRPr sz="1200"/>
             </a:lvl7pPr>
-            <a:lvl8pPr indent="-304800" lvl="7" marL="3657600">
+            <a:lvl8pPr marL="3657600" lvl="7" indent="-304800">
               <a:spcBef>
                 <a:spcPts val="0"/>
               </a:spcBef>
@@ -3853,7 +3985,7 @@
               <a:buChar char="○"/>
               <a:defRPr sz="1200"/>
             </a:lvl8pPr>
-            <a:lvl9pPr indent="-304800" lvl="8" marL="4114800">
+            <a:lvl9pPr marL="4114800" lvl="8" indent="-304800">
               <a:spcBef>
                 <a:spcPts val="0"/>
               </a:spcBef>
@@ -3865,15 +3997,19 @@
               <a:defRPr sz="1200"/>
             </a:lvl9pPr>
           </a:lstStyle>
-          <a:p/>
+          <a:p>
+            <a:endParaRPr/>
+          </a:p>
         </p:txBody>
       </p:sp>
       <p:sp>
         <p:nvSpPr>
           <p:cNvPr id="23" name="Google Shape;23;p5"/>
-          <p:cNvSpPr txBox="1"/>
+          <p:cNvSpPr txBox="1">
+            <a:spLocks noGrp="1"/>
+          </p:cNvSpPr>
           <p:nvPr>
-            <p:ph idx="2" type="body"/>
+            <p:ph type="body" idx="2"/>
           </p:nvPr>
         </p:nvSpPr>
         <p:spPr>
@@ -3886,11 +4022,11 @@
           </a:prstGeom>
         </p:spPr>
         <p:txBody>
-          <a:bodyPr anchorCtr="0" anchor="t" bIns="91425" lIns="91425" spcFirstLastPara="1" rIns="91425" wrap="square" tIns="91425">
+          <a:bodyPr spcFirstLastPara="1" wrap="square" lIns="91425" tIns="91425" rIns="91425" bIns="91425" anchor="t" anchorCtr="0">
             <a:normAutofit/>
           </a:bodyPr>
           <a:lstStyle>
-            <a:lvl1pPr indent="-317500" lvl="0" marL="457200">
+            <a:lvl1pPr marL="457200" lvl="0" indent="-317500">
               <a:spcBef>
                 <a:spcPts val="0"/>
               </a:spcBef>
@@ -3901,7 +4037,7 @@
               <a:buChar char="●"/>
               <a:defRPr sz="1400"/>
             </a:lvl1pPr>
-            <a:lvl2pPr indent="-304800" lvl="1" marL="914400">
+            <a:lvl2pPr marL="914400" lvl="1" indent="-304800">
               <a:spcBef>
                 <a:spcPts val="0"/>
               </a:spcBef>
@@ -3912,7 +4048,7 @@
               <a:buChar char="○"/>
               <a:defRPr sz="1200"/>
             </a:lvl2pPr>
-            <a:lvl3pPr indent="-304800" lvl="2" marL="1371600">
+            <a:lvl3pPr marL="1371600" lvl="2" indent="-304800">
               <a:spcBef>
                 <a:spcPts val="0"/>
               </a:spcBef>
@@ -3923,7 +4059,7 @@
               <a:buChar char="■"/>
               <a:defRPr sz="1200"/>
             </a:lvl3pPr>
-            <a:lvl4pPr indent="-304800" lvl="3" marL="1828800">
+            <a:lvl4pPr marL="1828800" lvl="3" indent="-304800">
               <a:spcBef>
                 <a:spcPts val="0"/>
               </a:spcBef>
@@ -3934,7 +4070,7 @@
               <a:buChar char="●"/>
               <a:defRPr sz="1200"/>
             </a:lvl4pPr>
-            <a:lvl5pPr indent="-304800" lvl="4" marL="2286000">
+            <a:lvl5pPr marL="2286000" lvl="4" indent="-304800">
               <a:spcBef>
                 <a:spcPts val="0"/>
               </a:spcBef>
@@ -3945,7 +4081,7 @@
               <a:buChar char="○"/>
               <a:defRPr sz="1200"/>
             </a:lvl5pPr>
-            <a:lvl6pPr indent="-304800" lvl="5" marL="2743200">
+            <a:lvl6pPr marL="2743200" lvl="5" indent="-304800">
               <a:spcBef>
                 <a:spcPts val="0"/>
               </a:spcBef>
@@ -3956,7 +4092,7 @@
               <a:buChar char="■"/>
               <a:defRPr sz="1200"/>
             </a:lvl6pPr>
-            <a:lvl7pPr indent="-304800" lvl="6" marL="3200400">
+            <a:lvl7pPr marL="3200400" lvl="6" indent="-304800">
               <a:spcBef>
                 <a:spcPts val="0"/>
               </a:spcBef>
@@ -3967,7 +4103,7 @@
               <a:buChar char="●"/>
               <a:defRPr sz="1200"/>
             </a:lvl7pPr>
-            <a:lvl8pPr indent="-304800" lvl="7" marL="3657600">
+            <a:lvl8pPr marL="3657600" lvl="7" indent="-304800">
               <a:spcBef>
                 <a:spcPts val="0"/>
               </a:spcBef>
@@ -3978,7 +4114,7 @@
               <a:buChar char="○"/>
               <a:defRPr sz="1200"/>
             </a:lvl8pPr>
-            <a:lvl9pPr indent="-304800" lvl="8" marL="4114800">
+            <a:lvl9pPr marL="4114800" lvl="8" indent="-304800">
               <a:spcBef>
                 <a:spcPts val="0"/>
               </a:spcBef>
@@ -3990,15 +4126,19 @@
               <a:defRPr sz="1200"/>
             </a:lvl9pPr>
           </a:lstStyle>
-          <a:p/>
+          <a:p>
+            <a:endParaRPr/>
+          </a:p>
         </p:txBody>
       </p:sp>
       <p:sp>
         <p:nvSpPr>
           <p:cNvPr id="24" name="Google Shape;24;p5"/>
-          <p:cNvSpPr txBox="1"/>
+          <p:cNvSpPr txBox="1">
+            <a:spLocks noGrp="1"/>
+          </p:cNvSpPr>
           <p:nvPr>
-            <p:ph idx="12" type="sldNum"/>
+            <p:ph type="sldNum" idx="12"/>
           </p:nvPr>
         </p:nvSpPr>
         <p:spPr>
@@ -4011,7 +4151,7 @@
           </a:prstGeom>
         </p:spPr>
         <p:txBody>
-          <a:bodyPr anchorCtr="0" anchor="ctr" bIns="91425" lIns="91425" spcFirstLastPara="1" rIns="91425" wrap="square" tIns="91425">
+          <a:bodyPr spcFirstLastPara="1" wrap="square" lIns="91425" tIns="91425" rIns="91425" bIns="91425" anchor="ctr" anchorCtr="0">
             <a:normAutofit/>
           </a:bodyPr>
           <a:lstStyle>
@@ -4053,7 +4193,7 @@
             </a:lvl9pPr>
           </a:lstStyle>
           <a:p>
-            <a:pPr indent="0" lvl="0" marL="0" rtl="0" algn="r">
+            <a:pPr marL="0" lvl="0" indent="0" algn="r" rtl="0">
               <a:spcBef>
                 <a:spcPts val="0"/>
               </a:spcBef>
@@ -4079,11 +4219,11 @@
 </file>
 
 <file path=ppt/slideLayouts/slideLayout5.xml><?xml version="1.0" encoding="utf-8"?>
-<p:sldLayout xmlns:a="http://schemas.openxmlformats.org/drawingml/2006/main" xmlns:r="http://schemas.openxmlformats.org/officeDocument/2006/relationships" xmlns:mc="http://schemas.openxmlformats.org/markup-compatibility/2006" xmlns:mv="urn:schemas-microsoft-com:mac:vml" xmlns:p="http://schemas.openxmlformats.org/presentationml/2006/main" xmlns:c="http://schemas.openxmlformats.org/drawingml/2006/chart" xmlns:dgm="http://schemas.openxmlformats.org/drawingml/2006/diagram" xmlns:o="urn:schemas-microsoft-com:office:office" xmlns:v="urn:schemas-microsoft-com:vml" xmlns:pvml="urn:schemas-microsoft-com:office:powerpoint" xmlns:com="http://schemas.openxmlformats.org/drawingml/2006/compatibility" xmlns:p14="http://schemas.microsoft.com/office/powerpoint/2010/main" xmlns:p15="http://schemas.microsoft.com/office/powerpoint/2012/main" xmlns:ahyp="http://schemas.microsoft.com/office/drawing/2018/hyperlinkcolor" matchingName="Title only" type="titleOnly">
+<p:sldLayout xmlns:a="http://schemas.openxmlformats.org/drawingml/2006/main" xmlns:r="http://schemas.openxmlformats.org/officeDocument/2006/relationships" xmlns:p="http://schemas.openxmlformats.org/presentationml/2006/main" matchingName="Title only" type="titleOnly">
   <p:cSld name="TITLE_ONLY">
     <p:spTree>
       <p:nvGrpSpPr>
-        <p:cNvPr id="25" name="Shape 25"/>
+        <p:cNvPr id="1" name="Shape 25"/>
         <p:cNvGrpSpPr/>
         <p:nvPr/>
       </p:nvGrpSpPr>
@@ -4098,7 +4238,9 @@
       <p:sp>
         <p:nvSpPr>
           <p:cNvPr id="26" name="Google Shape;26;p6"/>
-          <p:cNvSpPr txBox="1"/>
+          <p:cNvSpPr txBox="1">
+            <a:spLocks noGrp="1"/>
+          </p:cNvSpPr>
           <p:nvPr>
             <p:ph type="title"/>
           </p:nvPr>
@@ -4113,7 +4255,7 @@
           </a:prstGeom>
         </p:spPr>
         <p:txBody>
-          <a:bodyPr anchorCtr="0" anchor="t" bIns="91425" lIns="91425" spcFirstLastPara="1" rIns="91425" wrap="square" tIns="91425">
+          <a:bodyPr spcFirstLastPara="1" wrap="square" lIns="91425" tIns="91425" rIns="91425" bIns="91425" anchor="t" anchorCtr="0">
             <a:normAutofit/>
           </a:bodyPr>
           <a:lstStyle>
@@ -4217,15 +4359,19 @@
               <a:defRPr/>
             </a:lvl9pPr>
           </a:lstStyle>
-          <a:p/>
+          <a:p>
+            <a:endParaRPr/>
+          </a:p>
         </p:txBody>
       </p:sp>
       <p:sp>
         <p:nvSpPr>
           <p:cNvPr id="27" name="Google Shape;27;p6"/>
-          <p:cNvSpPr txBox="1"/>
+          <p:cNvSpPr txBox="1">
+            <a:spLocks noGrp="1"/>
+          </p:cNvSpPr>
           <p:nvPr>
-            <p:ph idx="12" type="sldNum"/>
+            <p:ph type="sldNum" idx="12"/>
           </p:nvPr>
         </p:nvSpPr>
         <p:spPr>
@@ -4238,7 +4384,7 @@
           </a:prstGeom>
         </p:spPr>
         <p:txBody>
-          <a:bodyPr anchorCtr="0" anchor="ctr" bIns="91425" lIns="91425" spcFirstLastPara="1" rIns="91425" wrap="square" tIns="91425">
+          <a:bodyPr spcFirstLastPara="1" wrap="square" lIns="91425" tIns="91425" rIns="91425" bIns="91425" anchor="ctr" anchorCtr="0">
             <a:normAutofit/>
           </a:bodyPr>
           <a:lstStyle>
@@ -4280,7 +4426,7 @@
             </a:lvl9pPr>
           </a:lstStyle>
           <a:p>
-            <a:pPr indent="0" lvl="0" marL="0" rtl="0" algn="r">
+            <a:pPr marL="0" lvl="0" indent="0" algn="r" rtl="0">
               <a:spcBef>
                 <a:spcPts val="0"/>
               </a:spcBef>
@@ -4306,11 +4452,11 @@
 </file>
 
 <file path=ppt/slideLayouts/slideLayout6.xml><?xml version="1.0" encoding="utf-8"?>
-<p:sldLayout xmlns:a="http://schemas.openxmlformats.org/drawingml/2006/main" xmlns:r="http://schemas.openxmlformats.org/officeDocument/2006/relationships" xmlns:mc="http://schemas.openxmlformats.org/markup-compatibility/2006" xmlns:mv="urn:schemas-microsoft-com:mac:vml" xmlns:p="http://schemas.openxmlformats.org/presentationml/2006/main" xmlns:c="http://schemas.openxmlformats.org/drawingml/2006/chart" xmlns:dgm="http://schemas.openxmlformats.org/drawingml/2006/diagram" xmlns:o="urn:schemas-microsoft-com:office:office" xmlns:v="urn:schemas-microsoft-com:vml" xmlns:pvml="urn:schemas-microsoft-com:office:powerpoint" xmlns:com="http://schemas.openxmlformats.org/drawingml/2006/compatibility" xmlns:p14="http://schemas.microsoft.com/office/powerpoint/2010/main" xmlns:p15="http://schemas.microsoft.com/office/powerpoint/2012/main" xmlns:ahyp="http://schemas.microsoft.com/office/drawing/2018/hyperlinkcolor" matchingName="One column text">
+<p:sldLayout xmlns:a="http://schemas.openxmlformats.org/drawingml/2006/main" xmlns:r="http://schemas.openxmlformats.org/officeDocument/2006/relationships" xmlns:p="http://schemas.openxmlformats.org/presentationml/2006/main" matchingName="One column text">
   <p:cSld name="ONE_COLUMN_TEXT">
     <p:spTree>
       <p:nvGrpSpPr>
-        <p:cNvPr id="28" name="Shape 28"/>
+        <p:cNvPr id="1" name="Shape 28"/>
         <p:cNvGrpSpPr/>
         <p:nvPr/>
       </p:nvGrpSpPr>
@@ -4325,7 +4471,9 @@
       <p:sp>
         <p:nvSpPr>
           <p:cNvPr id="29" name="Google Shape;29;p7"/>
-          <p:cNvSpPr txBox="1"/>
+          <p:cNvSpPr txBox="1">
+            <a:spLocks noGrp="1"/>
+          </p:cNvSpPr>
           <p:nvPr>
             <p:ph type="title"/>
           </p:nvPr>
@@ -4340,7 +4488,7 @@
           </a:prstGeom>
         </p:spPr>
         <p:txBody>
-          <a:bodyPr anchorCtr="0" anchor="b" bIns="91425" lIns="91425" spcFirstLastPara="1" rIns="91425" wrap="square" tIns="91425">
+          <a:bodyPr spcFirstLastPara="1" wrap="square" lIns="91425" tIns="91425" rIns="91425" bIns="91425" anchor="b" anchorCtr="0">
             <a:normAutofit/>
           </a:bodyPr>
           <a:lstStyle>
@@ -4444,15 +4592,19 @@
               <a:defRPr sz="2400"/>
             </a:lvl9pPr>
           </a:lstStyle>
-          <a:p/>
+          <a:p>
+            <a:endParaRPr/>
+          </a:p>
         </p:txBody>
       </p:sp>
       <p:sp>
         <p:nvSpPr>
           <p:cNvPr id="30" name="Google Shape;30;p7"/>
-          <p:cNvSpPr txBox="1"/>
+          <p:cNvSpPr txBox="1">
+            <a:spLocks noGrp="1"/>
+          </p:cNvSpPr>
           <p:nvPr>
-            <p:ph idx="1" type="body"/>
+            <p:ph type="body" idx="1"/>
           </p:nvPr>
         </p:nvSpPr>
         <p:spPr>
@@ -4465,11 +4617,11 @@
           </a:prstGeom>
         </p:spPr>
         <p:txBody>
-          <a:bodyPr anchorCtr="0" anchor="t" bIns="91425" lIns="91425" spcFirstLastPara="1" rIns="91425" wrap="square" tIns="91425">
+          <a:bodyPr spcFirstLastPara="1" wrap="square" lIns="91425" tIns="91425" rIns="91425" bIns="91425" anchor="t" anchorCtr="0">
             <a:normAutofit/>
           </a:bodyPr>
           <a:lstStyle>
-            <a:lvl1pPr indent="-304800" lvl="0" marL="457200">
+            <a:lvl1pPr marL="457200" lvl="0" indent="-304800">
               <a:spcBef>
                 <a:spcPts val="0"/>
               </a:spcBef>
@@ -4480,7 +4632,7 @@
               <a:buChar char="●"/>
               <a:defRPr sz="1200"/>
             </a:lvl1pPr>
-            <a:lvl2pPr indent="-304800" lvl="1" marL="914400">
+            <a:lvl2pPr marL="914400" lvl="1" indent="-304800">
               <a:spcBef>
                 <a:spcPts val="0"/>
               </a:spcBef>
@@ -4491,7 +4643,7 @@
               <a:buChar char="○"/>
               <a:defRPr sz="1200"/>
             </a:lvl2pPr>
-            <a:lvl3pPr indent="-304800" lvl="2" marL="1371600">
+            <a:lvl3pPr marL="1371600" lvl="2" indent="-304800">
               <a:spcBef>
                 <a:spcPts val="0"/>
               </a:spcBef>
@@ -4502,7 +4654,7 @@
               <a:buChar char="■"/>
               <a:defRPr sz="1200"/>
             </a:lvl3pPr>
-            <a:lvl4pPr indent="-304800" lvl="3" marL="1828800">
+            <a:lvl4pPr marL="1828800" lvl="3" indent="-304800">
               <a:spcBef>
                 <a:spcPts val="0"/>
               </a:spcBef>
@@ -4513,7 +4665,7 @@
               <a:buChar char="●"/>
               <a:defRPr sz="1200"/>
             </a:lvl4pPr>
-            <a:lvl5pPr indent="-304800" lvl="4" marL="2286000">
+            <a:lvl5pPr marL="2286000" lvl="4" indent="-304800">
               <a:spcBef>
                 <a:spcPts val="0"/>
               </a:spcBef>
@@ -4524,7 +4676,7 @@
               <a:buChar char="○"/>
               <a:defRPr sz="1200"/>
             </a:lvl5pPr>
-            <a:lvl6pPr indent="-304800" lvl="5" marL="2743200">
+            <a:lvl6pPr marL="2743200" lvl="5" indent="-304800">
               <a:spcBef>
                 <a:spcPts val="0"/>
               </a:spcBef>
@@ -4535,7 +4687,7 @@
               <a:buChar char="■"/>
               <a:defRPr sz="1200"/>
             </a:lvl6pPr>
-            <a:lvl7pPr indent="-304800" lvl="6" marL="3200400">
+            <a:lvl7pPr marL="3200400" lvl="6" indent="-304800">
               <a:spcBef>
                 <a:spcPts val="0"/>
               </a:spcBef>
@@ -4546,7 +4698,7 @@
               <a:buChar char="●"/>
               <a:defRPr sz="1200"/>
             </a:lvl7pPr>
-            <a:lvl8pPr indent="-304800" lvl="7" marL="3657600">
+            <a:lvl8pPr marL="3657600" lvl="7" indent="-304800">
               <a:spcBef>
                 <a:spcPts val="0"/>
               </a:spcBef>
@@ -4557,7 +4709,7 @@
               <a:buChar char="○"/>
               <a:defRPr sz="1200"/>
             </a:lvl8pPr>
-            <a:lvl9pPr indent="-304800" lvl="8" marL="4114800">
+            <a:lvl9pPr marL="4114800" lvl="8" indent="-304800">
               <a:spcBef>
                 <a:spcPts val="0"/>
               </a:spcBef>
@@ -4569,15 +4721,19 @@
               <a:defRPr sz="1200"/>
             </a:lvl9pPr>
           </a:lstStyle>
-          <a:p/>
+          <a:p>
+            <a:endParaRPr/>
+          </a:p>
         </p:txBody>
       </p:sp>
       <p:sp>
         <p:nvSpPr>
           <p:cNvPr id="31" name="Google Shape;31;p7"/>
-          <p:cNvSpPr txBox="1"/>
+          <p:cNvSpPr txBox="1">
+            <a:spLocks noGrp="1"/>
+          </p:cNvSpPr>
           <p:nvPr>
-            <p:ph idx="12" type="sldNum"/>
+            <p:ph type="sldNum" idx="12"/>
           </p:nvPr>
         </p:nvSpPr>
         <p:spPr>
@@ -4590,7 +4746,7 @@
           </a:prstGeom>
         </p:spPr>
         <p:txBody>
-          <a:bodyPr anchorCtr="0" anchor="ctr" bIns="91425" lIns="91425" spcFirstLastPara="1" rIns="91425" wrap="square" tIns="91425">
+          <a:bodyPr spcFirstLastPara="1" wrap="square" lIns="91425" tIns="91425" rIns="91425" bIns="91425" anchor="ctr" anchorCtr="0">
             <a:normAutofit/>
           </a:bodyPr>
           <a:lstStyle>
@@ -4632,7 +4788,7 @@
             </a:lvl9pPr>
           </a:lstStyle>
           <a:p>
-            <a:pPr indent="0" lvl="0" marL="0" rtl="0" algn="r">
+            <a:pPr marL="0" lvl="0" indent="0" algn="r" rtl="0">
               <a:spcBef>
                 <a:spcPts val="0"/>
               </a:spcBef>
@@ -4658,11 +4814,11 @@
 </file>
 
 <file path=ppt/slideLayouts/slideLayout7.xml><?xml version="1.0" encoding="utf-8"?>
-<p:sldLayout xmlns:a="http://schemas.openxmlformats.org/drawingml/2006/main" xmlns:r="http://schemas.openxmlformats.org/officeDocument/2006/relationships" xmlns:mc="http://schemas.openxmlformats.org/markup-compatibility/2006" xmlns:mv="urn:schemas-microsoft-com:mac:vml" xmlns:p="http://schemas.openxmlformats.org/presentationml/2006/main" xmlns:c="http://schemas.openxmlformats.org/drawingml/2006/chart" xmlns:dgm="http://schemas.openxmlformats.org/drawingml/2006/diagram" xmlns:o="urn:schemas-microsoft-com:office:office" xmlns:v="urn:schemas-microsoft-com:vml" xmlns:pvml="urn:schemas-microsoft-com:office:powerpoint" xmlns:com="http://schemas.openxmlformats.org/drawingml/2006/compatibility" xmlns:p14="http://schemas.microsoft.com/office/powerpoint/2010/main" xmlns:p15="http://schemas.microsoft.com/office/powerpoint/2012/main" xmlns:ahyp="http://schemas.microsoft.com/office/drawing/2018/hyperlinkcolor" matchingName="Main point">
+<p:sldLayout xmlns:a="http://schemas.openxmlformats.org/drawingml/2006/main" xmlns:r="http://schemas.openxmlformats.org/officeDocument/2006/relationships" xmlns:p="http://schemas.openxmlformats.org/presentationml/2006/main" matchingName="Main point">
   <p:cSld name="MAIN_POINT">
     <p:spTree>
       <p:nvGrpSpPr>
-        <p:cNvPr id="32" name="Shape 32"/>
+        <p:cNvPr id="1" name="Shape 32"/>
         <p:cNvGrpSpPr/>
         <p:nvPr/>
       </p:nvGrpSpPr>
@@ -4677,7 +4833,9 @@
       <p:sp>
         <p:nvSpPr>
           <p:cNvPr id="33" name="Google Shape;33;p8"/>
-          <p:cNvSpPr txBox="1"/>
+          <p:cNvSpPr txBox="1">
+            <a:spLocks noGrp="1"/>
+          </p:cNvSpPr>
           <p:nvPr>
             <p:ph type="title"/>
           </p:nvPr>
@@ -4692,7 +4850,7 @@
           </a:prstGeom>
         </p:spPr>
         <p:txBody>
-          <a:bodyPr anchorCtr="0" anchor="ctr" bIns="91425" lIns="91425" spcFirstLastPara="1" rIns="91425" wrap="square" tIns="91425">
+          <a:bodyPr spcFirstLastPara="1" wrap="square" lIns="91425" tIns="91425" rIns="91425" bIns="91425" anchor="ctr" anchorCtr="0">
             <a:normAutofit/>
           </a:bodyPr>
           <a:lstStyle>
@@ -4796,15 +4954,19 @@
               <a:defRPr sz="4800"/>
             </a:lvl9pPr>
           </a:lstStyle>
-          <a:p/>
+          <a:p>
+            <a:endParaRPr/>
+          </a:p>
         </p:txBody>
       </p:sp>
       <p:sp>
         <p:nvSpPr>
           <p:cNvPr id="34" name="Google Shape;34;p8"/>
-          <p:cNvSpPr txBox="1"/>
+          <p:cNvSpPr txBox="1">
+            <a:spLocks noGrp="1"/>
+          </p:cNvSpPr>
           <p:nvPr>
-            <p:ph idx="12" type="sldNum"/>
+            <p:ph type="sldNum" idx="12"/>
           </p:nvPr>
         </p:nvSpPr>
         <p:spPr>
@@ -4817,7 +4979,7 @@
           </a:prstGeom>
         </p:spPr>
         <p:txBody>
-          <a:bodyPr anchorCtr="0" anchor="ctr" bIns="91425" lIns="91425" spcFirstLastPara="1" rIns="91425" wrap="square" tIns="91425">
+          <a:bodyPr spcFirstLastPara="1" wrap="square" lIns="91425" tIns="91425" rIns="91425" bIns="91425" anchor="ctr" anchorCtr="0">
             <a:normAutofit/>
           </a:bodyPr>
           <a:lstStyle>
@@ -4859,7 +5021,7 @@
             </a:lvl9pPr>
           </a:lstStyle>
           <a:p>
-            <a:pPr indent="0" lvl="0" marL="0" rtl="0" algn="r">
+            <a:pPr marL="0" lvl="0" indent="0" algn="r" rtl="0">
               <a:spcBef>
                 <a:spcPts val="0"/>
               </a:spcBef>
@@ -4885,11 +5047,11 @@
 </file>
 
 <file path=ppt/slideLayouts/slideLayout8.xml><?xml version="1.0" encoding="utf-8"?>
-<p:sldLayout xmlns:a="http://schemas.openxmlformats.org/drawingml/2006/main" xmlns:r="http://schemas.openxmlformats.org/officeDocument/2006/relationships" xmlns:mc="http://schemas.openxmlformats.org/markup-compatibility/2006" xmlns:mv="urn:schemas-microsoft-com:mac:vml" xmlns:p="http://schemas.openxmlformats.org/presentationml/2006/main" xmlns:c="http://schemas.openxmlformats.org/drawingml/2006/chart" xmlns:dgm="http://schemas.openxmlformats.org/drawingml/2006/diagram" xmlns:o="urn:schemas-microsoft-com:office:office" xmlns:v="urn:schemas-microsoft-com:vml" xmlns:pvml="urn:schemas-microsoft-com:office:powerpoint" xmlns:com="http://schemas.openxmlformats.org/drawingml/2006/compatibility" xmlns:p14="http://schemas.microsoft.com/office/powerpoint/2010/main" xmlns:p15="http://schemas.microsoft.com/office/powerpoint/2012/main" xmlns:ahyp="http://schemas.microsoft.com/office/drawing/2018/hyperlinkcolor" matchingName="Section title and description">
+<p:sldLayout xmlns:a="http://schemas.openxmlformats.org/drawingml/2006/main" xmlns:r="http://schemas.openxmlformats.org/officeDocument/2006/relationships" xmlns:p="http://schemas.openxmlformats.org/presentationml/2006/main" matchingName="Section title and description">
   <p:cSld name="SECTION_TITLE_AND_DESCRIPTION">
     <p:spTree>
       <p:nvGrpSpPr>
-        <p:cNvPr id="35" name="Shape 35"/>
+        <p:cNvPr id="1" name="Shape 35"/>
         <p:cNvGrpSpPr/>
         <p:nvPr/>
       </p:nvGrpSpPr>
@@ -4923,12 +5085,12 @@
           </a:ln>
         </p:spPr>
         <p:txBody>
-          <a:bodyPr anchorCtr="0" anchor="ctr" bIns="91425" lIns="91425" spcFirstLastPara="1" rIns="91425" wrap="square" tIns="91425">
+          <a:bodyPr spcFirstLastPara="1" wrap="square" lIns="91425" tIns="91425" rIns="91425" bIns="91425" anchor="ctr" anchorCtr="0">
             <a:noAutofit/>
           </a:bodyPr>
           <a:lstStyle/>
           <a:p>
-            <a:pPr indent="0" lvl="0" marL="0" rtl="0" algn="l">
+            <a:pPr marL="0" lvl="0" indent="0" algn="l" rtl="0">
               <a:spcBef>
                 <a:spcPts val="0"/>
               </a:spcBef>
@@ -4937,9 +5099,6 @@
               </a:spcAft>
               <a:buNone/>
             </a:pPr>
-            <a:r>
-              <a:t/>
-            </a:r>
             <a:endParaRPr/>
           </a:p>
         </p:txBody>
@@ -4947,7 +5106,9 @@
       <p:sp>
         <p:nvSpPr>
           <p:cNvPr id="37" name="Google Shape;37;p9"/>
-          <p:cNvSpPr txBox="1"/>
+          <p:cNvSpPr txBox="1">
+            <a:spLocks noGrp="1"/>
+          </p:cNvSpPr>
           <p:nvPr>
             <p:ph type="title"/>
           </p:nvPr>
@@ -4962,7 +5123,7 @@
           </a:prstGeom>
         </p:spPr>
         <p:txBody>
-          <a:bodyPr anchorCtr="0" anchor="b" bIns="91425" lIns="91425" spcFirstLastPara="1" rIns="91425" wrap="square" tIns="91425">
+          <a:bodyPr spcFirstLastPara="1" wrap="square" lIns="91425" tIns="91425" rIns="91425" bIns="91425" anchor="b" anchorCtr="0">
             <a:normAutofit/>
           </a:bodyPr>
           <a:lstStyle>
@@ -5066,15 +5227,19 @@
               <a:defRPr sz="4200"/>
             </a:lvl9pPr>
           </a:lstStyle>
-          <a:p/>
+          <a:p>
+            <a:endParaRPr/>
+          </a:p>
         </p:txBody>
       </p:sp>
       <p:sp>
         <p:nvSpPr>
           <p:cNvPr id="38" name="Google Shape;38;p9"/>
-          <p:cNvSpPr txBox="1"/>
+          <p:cNvSpPr txBox="1">
+            <a:spLocks noGrp="1"/>
+          </p:cNvSpPr>
           <p:nvPr>
-            <p:ph idx="1" type="subTitle"/>
+            <p:ph type="subTitle" idx="1"/>
           </p:nvPr>
         </p:nvSpPr>
         <p:spPr>
@@ -5087,7 +5252,7 @@
           </a:prstGeom>
         </p:spPr>
         <p:txBody>
-          <a:bodyPr anchorCtr="0" anchor="t" bIns="91425" lIns="91425" spcFirstLastPara="1" rIns="91425" wrap="square" tIns="91425">
+          <a:bodyPr spcFirstLastPara="1" wrap="square" lIns="91425" tIns="91425" rIns="91425" bIns="91425" anchor="t" anchorCtr="0">
             <a:normAutofit/>
           </a:bodyPr>
           <a:lstStyle>
@@ -5218,15 +5383,19 @@
               <a:defRPr sz="2100"/>
             </a:lvl9pPr>
           </a:lstStyle>
-          <a:p/>
+          <a:p>
+            <a:endParaRPr/>
+          </a:p>
         </p:txBody>
       </p:sp>
       <p:sp>
         <p:nvSpPr>
           <p:cNvPr id="39" name="Google Shape;39;p9"/>
-          <p:cNvSpPr txBox="1"/>
+          <p:cNvSpPr txBox="1">
+            <a:spLocks noGrp="1"/>
+          </p:cNvSpPr>
           <p:nvPr>
-            <p:ph idx="2" type="body"/>
+            <p:ph type="body" idx="2"/>
           </p:nvPr>
         </p:nvSpPr>
         <p:spPr>
@@ -5239,11 +5408,11 @@
           </a:prstGeom>
         </p:spPr>
         <p:txBody>
-          <a:bodyPr anchorCtr="0" anchor="ctr" bIns="91425" lIns="91425" spcFirstLastPara="1" rIns="91425" wrap="square" tIns="91425">
+          <a:bodyPr spcFirstLastPara="1" wrap="square" lIns="91425" tIns="91425" rIns="91425" bIns="91425" anchor="ctr" anchorCtr="0">
             <a:normAutofit/>
           </a:bodyPr>
           <a:lstStyle>
-            <a:lvl1pPr indent="-342900" lvl="0" marL="457200">
+            <a:lvl1pPr marL="457200" lvl="0" indent="-342900">
               <a:spcBef>
                 <a:spcPts val="0"/>
               </a:spcBef>
@@ -5254,7 +5423,7 @@
               <a:buChar char="●"/>
               <a:defRPr/>
             </a:lvl1pPr>
-            <a:lvl2pPr indent="-317500" lvl="1" marL="914400">
+            <a:lvl2pPr marL="914400" lvl="1" indent="-317500">
               <a:spcBef>
                 <a:spcPts val="0"/>
               </a:spcBef>
@@ -5265,7 +5434,7 @@
               <a:buChar char="○"/>
               <a:defRPr/>
             </a:lvl2pPr>
-            <a:lvl3pPr indent="-317500" lvl="2" marL="1371600">
+            <a:lvl3pPr marL="1371600" lvl="2" indent="-317500">
               <a:spcBef>
                 <a:spcPts val="0"/>
               </a:spcBef>
@@ -5276,7 +5445,7 @@
               <a:buChar char="■"/>
               <a:defRPr/>
             </a:lvl3pPr>
-            <a:lvl4pPr indent="-317500" lvl="3" marL="1828800">
+            <a:lvl4pPr marL="1828800" lvl="3" indent="-317500">
               <a:spcBef>
                 <a:spcPts val="0"/>
               </a:spcBef>
@@ -5287,7 +5456,7 @@
               <a:buChar char="●"/>
               <a:defRPr/>
             </a:lvl4pPr>
-            <a:lvl5pPr indent="-317500" lvl="4" marL="2286000">
+            <a:lvl5pPr marL="2286000" lvl="4" indent="-317500">
               <a:spcBef>
                 <a:spcPts val="0"/>
               </a:spcBef>
@@ -5298,7 +5467,7 @@
               <a:buChar char="○"/>
               <a:defRPr/>
             </a:lvl5pPr>
-            <a:lvl6pPr indent="-317500" lvl="5" marL="2743200">
+            <a:lvl6pPr marL="2743200" lvl="5" indent="-317500">
               <a:spcBef>
                 <a:spcPts val="0"/>
               </a:spcBef>
@@ -5309,7 +5478,7 @@
               <a:buChar char="■"/>
               <a:defRPr/>
             </a:lvl6pPr>
-            <a:lvl7pPr indent="-317500" lvl="6" marL="3200400">
+            <a:lvl7pPr marL="3200400" lvl="6" indent="-317500">
               <a:spcBef>
                 <a:spcPts val="0"/>
               </a:spcBef>
@@ -5320,7 +5489,7 @@
               <a:buChar char="●"/>
               <a:defRPr/>
             </a:lvl7pPr>
-            <a:lvl8pPr indent="-317500" lvl="7" marL="3657600">
+            <a:lvl8pPr marL="3657600" lvl="7" indent="-317500">
               <a:spcBef>
                 <a:spcPts val="0"/>
               </a:spcBef>
@@ -5331,7 +5500,7 @@
               <a:buChar char="○"/>
               <a:defRPr/>
             </a:lvl8pPr>
-            <a:lvl9pPr indent="-317500" lvl="8" marL="4114800">
+            <a:lvl9pPr marL="4114800" lvl="8" indent="-317500">
               <a:spcBef>
                 <a:spcPts val="0"/>
               </a:spcBef>
@@ -5343,15 +5512,19 @@
               <a:defRPr/>
             </a:lvl9pPr>
           </a:lstStyle>
-          <a:p/>
+          <a:p>
+            <a:endParaRPr/>
+          </a:p>
         </p:txBody>
       </p:sp>
       <p:sp>
         <p:nvSpPr>
           <p:cNvPr id="40" name="Google Shape;40;p9"/>
-          <p:cNvSpPr txBox="1"/>
+          <p:cNvSpPr txBox="1">
+            <a:spLocks noGrp="1"/>
+          </p:cNvSpPr>
           <p:nvPr>
-            <p:ph idx="12" type="sldNum"/>
+            <p:ph type="sldNum" idx="12"/>
           </p:nvPr>
         </p:nvSpPr>
         <p:spPr>
@@ -5364,7 +5537,7 @@
           </a:prstGeom>
         </p:spPr>
         <p:txBody>
-          <a:bodyPr anchorCtr="0" anchor="ctr" bIns="91425" lIns="91425" spcFirstLastPara="1" rIns="91425" wrap="square" tIns="91425">
+          <a:bodyPr spcFirstLastPara="1" wrap="square" lIns="91425" tIns="91425" rIns="91425" bIns="91425" anchor="ctr" anchorCtr="0">
             <a:normAutofit/>
           </a:bodyPr>
           <a:lstStyle>
@@ -5406,7 +5579,7 @@
             </a:lvl9pPr>
           </a:lstStyle>
           <a:p>
-            <a:pPr indent="0" lvl="0" marL="0" rtl="0" algn="r">
+            <a:pPr marL="0" lvl="0" indent="0" algn="r" rtl="0">
               <a:spcBef>
                 <a:spcPts val="0"/>
               </a:spcBef>
@@ -5432,11 +5605,11 @@
 </file>
 
 <file path=ppt/slideLayouts/slideLayout9.xml><?xml version="1.0" encoding="utf-8"?>
-<p:sldLayout xmlns:a="http://schemas.openxmlformats.org/drawingml/2006/main" xmlns:r="http://schemas.openxmlformats.org/officeDocument/2006/relationships" xmlns:mc="http://schemas.openxmlformats.org/markup-compatibility/2006" xmlns:mv="urn:schemas-microsoft-com:mac:vml" xmlns:p="http://schemas.openxmlformats.org/presentationml/2006/main" xmlns:c="http://schemas.openxmlformats.org/drawingml/2006/chart" xmlns:dgm="http://schemas.openxmlformats.org/drawingml/2006/diagram" xmlns:o="urn:schemas-microsoft-com:office:office" xmlns:v="urn:schemas-microsoft-com:vml" xmlns:pvml="urn:schemas-microsoft-com:office:powerpoint" xmlns:com="http://schemas.openxmlformats.org/drawingml/2006/compatibility" xmlns:p14="http://schemas.microsoft.com/office/powerpoint/2010/main" xmlns:p15="http://schemas.microsoft.com/office/powerpoint/2012/main" xmlns:ahyp="http://schemas.microsoft.com/office/drawing/2018/hyperlinkcolor" matchingName="Caption">
+<p:sldLayout xmlns:a="http://schemas.openxmlformats.org/drawingml/2006/main" xmlns:r="http://schemas.openxmlformats.org/officeDocument/2006/relationships" xmlns:p="http://schemas.openxmlformats.org/presentationml/2006/main" matchingName="Caption">
   <p:cSld name="CAPTION_ONLY">
     <p:spTree>
       <p:nvGrpSpPr>
-        <p:cNvPr id="41" name="Shape 41"/>
+        <p:cNvPr id="1" name="Shape 41"/>
         <p:cNvGrpSpPr/>
         <p:nvPr/>
       </p:nvGrpSpPr>
@@ -5451,9 +5624,11 @@
       <p:sp>
         <p:nvSpPr>
           <p:cNvPr id="42" name="Google Shape;42;p10"/>
-          <p:cNvSpPr txBox="1"/>
+          <p:cNvSpPr txBox="1">
+            <a:spLocks noGrp="1"/>
+          </p:cNvSpPr>
           <p:nvPr>
-            <p:ph idx="1" type="body"/>
+            <p:ph type="body" idx="1"/>
           </p:nvPr>
         </p:nvSpPr>
         <p:spPr>
@@ -5466,11 +5641,11 @@
           </a:prstGeom>
         </p:spPr>
         <p:txBody>
-          <a:bodyPr anchorCtr="0" anchor="ctr" bIns="91425" lIns="91425" spcFirstLastPara="1" rIns="91425" wrap="square" tIns="91425">
+          <a:bodyPr spcFirstLastPara="1" wrap="square" lIns="91425" tIns="91425" rIns="91425" bIns="91425" anchor="ctr" anchorCtr="0">
             <a:normAutofit/>
           </a:bodyPr>
           <a:lstStyle>
-            <a:lvl1pPr indent="-228600" lvl="0" marL="457200">
+            <a:lvl1pPr marL="457200" lvl="0" indent="-228600">
               <a:lnSpc>
                 <a:spcPct val="100000"/>
               </a:lnSpc>
@@ -5485,15 +5660,19 @@
               <a:defRPr/>
             </a:lvl1pPr>
           </a:lstStyle>
-          <a:p/>
+          <a:p>
+            <a:endParaRPr/>
+          </a:p>
         </p:txBody>
       </p:sp>
       <p:sp>
         <p:nvSpPr>
           <p:cNvPr id="43" name="Google Shape;43;p10"/>
-          <p:cNvSpPr txBox="1"/>
+          <p:cNvSpPr txBox="1">
+            <a:spLocks noGrp="1"/>
+          </p:cNvSpPr>
           <p:nvPr>
-            <p:ph idx="12" type="sldNum"/>
+            <p:ph type="sldNum" idx="12"/>
           </p:nvPr>
         </p:nvSpPr>
         <p:spPr>
@@ -5506,7 +5685,7 @@
           </a:prstGeom>
         </p:spPr>
         <p:txBody>
-          <a:bodyPr anchorCtr="0" anchor="ctr" bIns="91425" lIns="91425" spcFirstLastPara="1" rIns="91425" wrap="square" tIns="91425">
+          <a:bodyPr spcFirstLastPara="1" wrap="square" lIns="91425" tIns="91425" rIns="91425" bIns="91425" anchor="ctr" anchorCtr="0">
             <a:normAutofit/>
           </a:bodyPr>
           <a:lstStyle>
@@ -5548,7 +5727,7 @@
             </a:lvl9pPr>
           </a:lstStyle>
           <a:p>
-            <a:pPr indent="0" lvl="0" marL="0" rtl="0" algn="r">
+            <a:pPr marL="0" lvl="0" indent="0" algn="r" rtl="0">
               <a:spcBef>
                 <a:spcPts val="0"/>
               </a:spcBef>
@@ -5574,18 +5753,19 @@
 </file>
 
 <file path=ppt/slideMasters/slideMaster1.xml><?xml version="1.0" encoding="utf-8"?>
-<p:sldMaster xmlns:a="http://schemas.openxmlformats.org/drawingml/2006/main" xmlns:r="http://schemas.openxmlformats.org/officeDocument/2006/relationships" xmlns:mc="http://schemas.openxmlformats.org/markup-compatibility/2006" xmlns:mv="urn:schemas-microsoft-com:mac:vml" xmlns:p="http://schemas.openxmlformats.org/presentationml/2006/main" xmlns:c="http://schemas.openxmlformats.org/drawingml/2006/chart" xmlns:dgm="http://schemas.openxmlformats.org/drawingml/2006/diagram" xmlns:o="urn:schemas-microsoft-com:office:office" xmlns:v="urn:schemas-microsoft-com:vml" xmlns:pvml="urn:schemas-microsoft-com:office:powerpoint" xmlns:com="http://schemas.openxmlformats.org/drawingml/2006/compatibility" xmlns:p14="http://schemas.microsoft.com/office/powerpoint/2010/main" xmlns:p15="http://schemas.microsoft.com/office/powerpoint/2012/main" xmlns:ahyp="http://schemas.microsoft.com/office/drawing/2018/hyperlinkcolor">
+<p:sldMaster xmlns:a="http://schemas.openxmlformats.org/drawingml/2006/main" xmlns:r="http://schemas.openxmlformats.org/officeDocument/2006/relationships" xmlns:p="http://schemas.openxmlformats.org/presentationml/2006/main">
   <p:cSld name="simple-light-2">
     <p:bg>
       <p:bgPr>
         <a:solidFill>
           <a:schemeClr val="lt1"/>
         </a:solidFill>
+        <a:effectLst/>
       </p:bgPr>
     </p:bg>
     <p:spTree>
       <p:nvGrpSpPr>
-        <p:cNvPr id="5" name="Shape 5"/>
+        <p:cNvPr id="1" name="Shape 5"/>
         <p:cNvGrpSpPr/>
         <p:nvPr/>
       </p:nvGrpSpPr>
@@ -5600,7 +5780,9 @@
       <p:sp>
         <p:nvSpPr>
           <p:cNvPr id="6" name="Google Shape;6;p1"/>
-          <p:cNvSpPr txBox="1"/>
+          <p:cNvSpPr txBox="1">
+            <a:spLocks noGrp="1"/>
+          </p:cNvSpPr>
           <p:nvPr>
             <p:ph type="title"/>
           </p:nvPr>
@@ -5619,7 +5801,7 @@
           </a:ln>
         </p:spPr>
         <p:txBody>
-          <a:bodyPr anchorCtr="0" anchor="t" bIns="91425" lIns="91425" spcFirstLastPara="1" rIns="91425" wrap="square" tIns="91425">
+          <a:bodyPr spcFirstLastPara="1" wrap="square" lIns="91425" tIns="91425" rIns="91425" bIns="91425" anchor="t" anchorCtr="0">
             <a:normAutofit/>
           </a:bodyPr>
           <a:lstStyle>
@@ -5786,15 +5968,19 @@
               </a:defRPr>
             </a:lvl9pPr>
           </a:lstStyle>
-          <a:p/>
+          <a:p>
+            <a:endParaRPr/>
+          </a:p>
         </p:txBody>
       </p:sp>
       <p:sp>
         <p:nvSpPr>
           <p:cNvPr id="7" name="Google Shape;7;p1"/>
-          <p:cNvSpPr txBox="1"/>
+          <p:cNvSpPr txBox="1">
+            <a:spLocks noGrp="1"/>
+          </p:cNvSpPr>
           <p:nvPr>
-            <p:ph idx="1" type="body"/>
+            <p:ph type="body" idx="1"/>
           </p:nvPr>
         </p:nvSpPr>
         <p:spPr>
@@ -5811,11 +5997,11 @@
           </a:ln>
         </p:spPr>
         <p:txBody>
-          <a:bodyPr anchorCtr="0" anchor="t" bIns="91425" lIns="91425" spcFirstLastPara="1" rIns="91425" wrap="square" tIns="91425">
+          <a:bodyPr spcFirstLastPara="1" wrap="square" lIns="91425" tIns="91425" rIns="91425" bIns="91425" anchor="t" anchorCtr="0">
             <a:normAutofit/>
           </a:bodyPr>
           <a:lstStyle>
-            <a:lvl1pPr indent="-342900" lvl="0" marL="457200">
+            <a:lvl1pPr marL="457200" lvl="0" indent="-342900">
               <a:lnSpc>
                 <a:spcPct val="115000"/>
               </a:lnSpc>
@@ -5836,7 +6022,7 @@
                 </a:solidFill>
               </a:defRPr>
             </a:lvl1pPr>
-            <a:lvl2pPr indent="-317500" lvl="1" marL="914400">
+            <a:lvl2pPr marL="914400" lvl="1" indent="-317500">
               <a:lnSpc>
                 <a:spcPct val="115000"/>
               </a:lnSpc>
@@ -5857,7 +6043,7 @@
                 </a:solidFill>
               </a:defRPr>
             </a:lvl2pPr>
-            <a:lvl3pPr indent="-317500" lvl="2" marL="1371600">
+            <a:lvl3pPr marL="1371600" lvl="2" indent="-317500">
               <a:lnSpc>
                 <a:spcPct val="115000"/>
               </a:lnSpc>
@@ -5878,7 +6064,7 @@
                 </a:solidFill>
               </a:defRPr>
             </a:lvl3pPr>
-            <a:lvl4pPr indent="-317500" lvl="3" marL="1828800">
+            <a:lvl4pPr marL="1828800" lvl="3" indent="-317500">
               <a:lnSpc>
                 <a:spcPct val="115000"/>
               </a:lnSpc>
@@ -5899,7 +6085,7 @@
                 </a:solidFill>
               </a:defRPr>
             </a:lvl4pPr>
-            <a:lvl5pPr indent="-317500" lvl="4" marL="2286000">
+            <a:lvl5pPr marL="2286000" lvl="4" indent="-317500">
               <a:lnSpc>
                 <a:spcPct val="115000"/>
               </a:lnSpc>
@@ -5920,7 +6106,7 @@
                 </a:solidFill>
               </a:defRPr>
             </a:lvl5pPr>
-            <a:lvl6pPr indent="-317500" lvl="5" marL="2743200">
+            <a:lvl6pPr marL="2743200" lvl="5" indent="-317500">
               <a:lnSpc>
                 <a:spcPct val="115000"/>
               </a:lnSpc>
@@ -5941,7 +6127,7 @@
                 </a:solidFill>
               </a:defRPr>
             </a:lvl6pPr>
-            <a:lvl7pPr indent="-317500" lvl="6" marL="3200400">
+            <a:lvl7pPr marL="3200400" lvl="6" indent="-317500">
               <a:lnSpc>
                 <a:spcPct val="115000"/>
               </a:lnSpc>
@@ -5962,7 +6148,7 @@
                 </a:solidFill>
               </a:defRPr>
             </a:lvl7pPr>
-            <a:lvl8pPr indent="-317500" lvl="7" marL="3657600">
+            <a:lvl8pPr marL="3657600" lvl="7" indent="-317500">
               <a:lnSpc>
                 <a:spcPct val="115000"/>
               </a:lnSpc>
@@ -5983,7 +6169,7 @@
                 </a:solidFill>
               </a:defRPr>
             </a:lvl8pPr>
-            <a:lvl9pPr indent="-317500" lvl="8" marL="4114800">
+            <a:lvl9pPr marL="4114800" lvl="8" indent="-317500">
               <a:lnSpc>
                 <a:spcPct val="115000"/>
               </a:lnSpc>
@@ -6005,15 +6191,19 @@
               </a:defRPr>
             </a:lvl9pPr>
           </a:lstStyle>
-          <a:p/>
+          <a:p>
+            <a:endParaRPr/>
+          </a:p>
         </p:txBody>
       </p:sp>
       <p:sp>
         <p:nvSpPr>
           <p:cNvPr id="8" name="Google Shape;8;p1"/>
-          <p:cNvSpPr txBox="1"/>
+          <p:cNvSpPr txBox="1">
+            <a:spLocks noGrp="1"/>
+          </p:cNvSpPr>
           <p:nvPr>
-            <p:ph idx="12" type="sldNum"/>
+            <p:ph type="sldNum" idx="12"/>
           </p:nvPr>
         </p:nvSpPr>
         <p:spPr>
@@ -6030,7 +6220,7 @@
           </a:ln>
         </p:spPr>
         <p:txBody>
-          <a:bodyPr anchorCtr="0" anchor="ctr" bIns="91425" lIns="91425" spcFirstLastPara="1" rIns="91425" wrap="square" tIns="91425">
+          <a:bodyPr spcFirstLastPara="1" wrap="square" lIns="91425" tIns="91425" rIns="91425" bIns="91425" anchor="ctr" anchorCtr="0">
             <a:normAutofit/>
           </a:bodyPr>
           <a:lstStyle>
@@ -6108,7 +6298,7 @@
             </a:lvl9pPr>
           </a:lstStyle>
           <a:p>
-            <a:pPr indent="0" lvl="0" marL="0" rtl="0" algn="r">
+            <a:pPr marL="0" lvl="0" indent="0" algn="r" rtl="0">
               <a:spcBef>
                 <a:spcPts val="0"/>
               </a:spcBef>
@@ -6127,7 +6317,7 @@
       </p:sp>
     </p:spTree>
   </p:cSld>
-  <p:clrMap accent1="accent1" accent2="accent2" accent3="accent3" accent4="accent4" accent5="accent5" accent6="accent6" bg1="lt1" bg2="dk2" tx1="dk1" tx2="lt2" folHlink="folHlink" hlink="hlink"/>
+  <p:clrMap bg1="lt1" tx1="dk1" bg2="dk2" tx2="lt2" accent1="accent1" accent2="accent2" accent3="accent3" accent4="accent4" accent5="accent5" accent6="accent6" hlink="hlink" folHlink="folHlink"/>
   <p:sldLayoutIdLst>
     <p:sldLayoutId id="2147483648" r:id="rId1"/>
     <p:sldLayoutId id="2147483649" r:id="rId2"/>
@@ -6141,10 +6331,10 @@
     <p:sldLayoutId id="2147483657" r:id="rId10"/>
     <p:sldLayoutId id="2147483658" r:id="rId11"/>
   </p:sldLayoutIdLst>
-  <p:hf dt="0" ftr="0" hdr="0" sldNum="0"/>
+  <p:hf sldNum="0" hdr="0" ftr="0" dt="0"/>
   <p:txStyles>
     <p:titleStyle>
-      <a:defPPr lvl="0" marR="0" rtl="0" algn="l">
+      <a:defPPr marR="0" lvl="0" algn="l" rtl="0">
         <a:lnSpc>
           <a:spcPct val="100000"/>
         </a:lnSpc>
@@ -6155,7 +6345,7 @@
           <a:spcPts val="0"/>
         </a:spcAft>
       </a:defPPr>
-      <a:lvl1pPr lvl="0" marR="0" rtl="0" algn="l">
+      <a:lvl1pPr marR="0" lvl="0" algn="l" rtl="0">
         <a:lnSpc>
           <a:spcPct val="100000"/>
         </a:lnSpc>
@@ -6169,7 +6359,7 @@
           <a:srgbClr val="000000"/>
         </a:buClr>
         <a:buFont typeface="Arial"/>
-        <a:defRPr b="0" i="0" sz="1400" u="none" cap="none" strike="noStrike">
+        <a:defRPr sz="1400" b="0" i="0" u="none" strike="noStrike" cap="none">
           <a:solidFill>
             <a:srgbClr val="000000"/>
           </a:solidFill>
@@ -6179,7 +6369,7 @@
           <a:sym typeface="Arial"/>
         </a:defRPr>
       </a:lvl1pPr>
-      <a:lvl2pPr lvl="1" marR="0" rtl="0" algn="l">
+      <a:lvl2pPr marR="0" lvl="1" algn="l" rtl="0">
         <a:lnSpc>
           <a:spcPct val="100000"/>
         </a:lnSpc>
@@ -6193,7 +6383,7 @@
           <a:srgbClr val="000000"/>
         </a:buClr>
         <a:buFont typeface="Arial"/>
-        <a:defRPr b="0" i="0" sz="1400" u="none" cap="none" strike="noStrike">
+        <a:defRPr sz="1400" b="0" i="0" u="none" strike="noStrike" cap="none">
           <a:solidFill>
             <a:srgbClr val="000000"/>
           </a:solidFill>
@@ -6203,7 +6393,7 @@
           <a:sym typeface="Arial"/>
         </a:defRPr>
       </a:lvl2pPr>
-      <a:lvl3pPr lvl="2" marR="0" rtl="0" algn="l">
+      <a:lvl3pPr marR="0" lvl="2" algn="l" rtl="0">
         <a:lnSpc>
           <a:spcPct val="100000"/>
         </a:lnSpc>
@@ -6217,7 +6407,7 @@
           <a:srgbClr val="000000"/>
         </a:buClr>
         <a:buFont typeface="Arial"/>
-        <a:defRPr b="0" i="0" sz="1400" u="none" cap="none" strike="noStrike">
+        <a:defRPr sz="1400" b="0" i="0" u="none" strike="noStrike" cap="none">
           <a:solidFill>
             <a:srgbClr val="000000"/>
           </a:solidFill>
@@ -6227,7 +6417,7 @@
           <a:sym typeface="Arial"/>
         </a:defRPr>
       </a:lvl3pPr>
-      <a:lvl4pPr lvl="3" marR="0" rtl="0" algn="l">
+      <a:lvl4pPr marR="0" lvl="3" algn="l" rtl="0">
         <a:lnSpc>
           <a:spcPct val="100000"/>
         </a:lnSpc>
@@ -6241,7 +6431,7 @@
           <a:srgbClr val="000000"/>
         </a:buClr>
         <a:buFont typeface="Arial"/>
-        <a:defRPr b="0" i="0" sz="1400" u="none" cap="none" strike="noStrike">
+        <a:defRPr sz="1400" b="0" i="0" u="none" strike="noStrike" cap="none">
           <a:solidFill>
             <a:srgbClr val="000000"/>
           </a:solidFill>
@@ -6251,7 +6441,7 @@
           <a:sym typeface="Arial"/>
         </a:defRPr>
       </a:lvl4pPr>
-      <a:lvl5pPr lvl="4" marR="0" rtl="0" algn="l">
+      <a:lvl5pPr marR="0" lvl="4" algn="l" rtl="0">
         <a:lnSpc>
           <a:spcPct val="100000"/>
         </a:lnSpc>
@@ -6265,7 +6455,7 @@
           <a:srgbClr val="000000"/>
         </a:buClr>
         <a:buFont typeface="Arial"/>
-        <a:defRPr b="0" i="0" sz="1400" u="none" cap="none" strike="noStrike">
+        <a:defRPr sz="1400" b="0" i="0" u="none" strike="noStrike" cap="none">
           <a:solidFill>
             <a:srgbClr val="000000"/>
           </a:solidFill>
@@ -6275,7 +6465,7 @@
           <a:sym typeface="Arial"/>
         </a:defRPr>
       </a:lvl5pPr>
-      <a:lvl6pPr lvl="5" marR="0" rtl="0" algn="l">
+      <a:lvl6pPr marR="0" lvl="5" algn="l" rtl="0">
         <a:lnSpc>
           <a:spcPct val="100000"/>
         </a:lnSpc>
@@ -6289,7 +6479,7 @@
           <a:srgbClr val="000000"/>
         </a:buClr>
         <a:buFont typeface="Arial"/>
-        <a:defRPr b="0" i="0" sz="1400" u="none" cap="none" strike="noStrike">
+        <a:defRPr sz="1400" b="0" i="0" u="none" strike="noStrike" cap="none">
           <a:solidFill>
             <a:srgbClr val="000000"/>
           </a:solidFill>
@@ -6299,7 +6489,7 @@
           <a:sym typeface="Arial"/>
         </a:defRPr>
       </a:lvl6pPr>
-      <a:lvl7pPr lvl="6" marR="0" rtl="0" algn="l">
+      <a:lvl7pPr marR="0" lvl="6" algn="l" rtl="0">
         <a:lnSpc>
           <a:spcPct val="100000"/>
         </a:lnSpc>
@@ -6313,7 +6503,7 @@
           <a:srgbClr val="000000"/>
         </a:buClr>
         <a:buFont typeface="Arial"/>
-        <a:defRPr b="0" i="0" sz="1400" u="none" cap="none" strike="noStrike">
+        <a:defRPr sz="1400" b="0" i="0" u="none" strike="noStrike" cap="none">
           <a:solidFill>
             <a:srgbClr val="000000"/>
           </a:solidFill>
@@ -6323,7 +6513,7 @@
           <a:sym typeface="Arial"/>
         </a:defRPr>
       </a:lvl7pPr>
-      <a:lvl8pPr lvl="7" marR="0" rtl="0" algn="l">
+      <a:lvl8pPr marR="0" lvl="7" algn="l" rtl="0">
         <a:lnSpc>
           <a:spcPct val="100000"/>
         </a:lnSpc>
@@ -6337,7 +6527,7 @@
           <a:srgbClr val="000000"/>
         </a:buClr>
         <a:buFont typeface="Arial"/>
-        <a:defRPr b="0" i="0" sz="1400" u="none" cap="none" strike="noStrike">
+        <a:defRPr sz="1400" b="0" i="0" u="none" strike="noStrike" cap="none">
           <a:solidFill>
             <a:srgbClr val="000000"/>
           </a:solidFill>
@@ -6347,7 +6537,7 @@
           <a:sym typeface="Arial"/>
         </a:defRPr>
       </a:lvl8pPr>
-      <a:lvl9pPr lvl="8" marR="0" rtl="0" algn="l">
+      <a:lvl9pPr marR="0" lvl="8" algn="l" rtl="0">
         <a:lnSpc>
           <a:spcPct val="100000"/>
         </a:lnSpc>
@@ -6361,7 +6551,7 @@
           <a:srgbClr val="000000"/>
         </a:buClr>
         <a:buFont typeface="Arial"/>
-        <a:defRPr b="0" i="0" sz="1400" u="none" cap="none" strike="noStrike">
+        <a:defRPr sz="1400" b="0" i="0" u="none" strike="noStrike" cap="none">
           <a:solidFill>
             <a:srgbClr val="000000"/>
           </a:solidFill>
@@ -6373,7 +6563,7 @@
       </a:lvl9pPr>
     </p:titleStyle>
     <p:bodyStyle>
-      <a:defPPr lvl="0" marR="0" rtl="0" algn="l">
+      <a:defPPr marR="0" lvl="0" algn="l" rtl="0">
         <a:lnSpc>
           <a:spcPct val="100000"/>
         </a:lnSpc>
@@ -6384,7 +6574,7 @@
           <a:spcPts val="0"/>
         </a:spcAft>
       </a:defPPr>
-      <a:lvl1pPr lvl="0" marR="0" rtl="0" algn="l">
+      <a:lvl1pPr marR="0" lvl="0" algn="l" rtl="0">
         <a:lnSpc>
           <a:spcPct val="100000"/>
         </a:lnSpc>
@@ -6398,7 +6588,7 @@
           <a:srgbClr val="000000"/>
         </a:buClr>
         <a:buFont typeface="Arial"/>
-        <a:defRPr b="0" i="0" sz="1400" u="none" cap="none" strike="noStrike">
+        <a:defRPr sz="1400" b="0" i="0" u="none" strike="noStrike" cap="none">
           <a:solidFill>
             <a:srgbClr val="000000"/>
           </a:solidFill>
@@ -6408,7 +6598,7 @@
           <a:sym typeface="Arial"/>
         </a:defRPr>
       </a:lvl1pPr>
-      <a:lvl2pPr lvl="1" marR="0" rtl="0" algn="l">
+      <a:lvl2pPr marR="0" lvl="1" algn="l" rtl="0">
         <a:lnSpc>
           <a:spcPct val="100000"/>
         </a:lnSpc>
@@ -6422,7 +6612,7 @@
           <a:srgbClr val="000000"/>
         </a:buClr>
         <a:buFont typeface="Arial"/>
-        <a:defRPr b="0" i="0" sz="1400" u="none" cap="none" strike="noStrike">
+        <a:defRPr sz="1400" b="0" i="0" u="none" strike="noStrike" cap="none">
           <a:solidFill>
             <a:srgbClr val="000000"/>
           </a:solidFill>
@@ -6432,7 +6622,7 @@
           <a:sym typeface="Arial"/>
         </a:defRPr>
       </a:lvl2pPr>
-      <a:lvl3pPr lvl="2" marR="0" rtl="0" algn="l">
+      <a:lvl3pPr marR="0" lvl="2" algn="l" rtl="0">
         <a:lnSpc>
           <a:spcPct val="100000"/>
         </a:lnSpc>
@@ -6446,7 +6636,7 @@
           <a:srgbClr val="000000"/>
         </a:buClr>
         <a:buFont typeface="Arial"/>
-        <a:defRPr b="0" i="0" sz="1400" u="none" cap="none" strike="noStrike">
+        <a:defRPr sz="1400" b="0" i="0" u="none" strike="noStrike" cap="none">
           <a:solidFill>
             <a:srgbClr val="000000"/>
           </a:solidFill>
@@ -6456,7 +6646,7 @@
           <a:sym typeface="Arial"/>
         </a:defRPr>
       </a:lvl3pPr>
-      <a:lvl4pPr lvl="3" marR="0" rtl="0" algn="l">
+      <a:lvl4pPr marR="0" lvl="3" algn="l" rtl="0">
         <a:lnSpc>
           <a:spcPct val="100000"/>
         </a:lnSpc>
@@ -6470,7 +6660,7 @@
           <a:srgbClr val="000000"/>
         </a:buClr>
         <a:buFont typeface="Arial"/>
-        <a:defRPr b="0" i="0" sz="1400" u="none" cap="none" strike="noStrike">
+        <a:defRPr sz="1400" b="0" i="0" u="none" strike="noStrike" cap="none">
           <a:solidFill>
             <a:srgbClr val="000000"/>
           </a:solidFill>
@@ -6480,7 +6670,7 @@
           <a:sym typeface="Arial"/>
         </a:defRPr>
       </a:lvl4pPr>
-      <a:lvl5pPr lvl="4" marR="0" rtl="0" algn="l">
+      <a:lvl5pPr marR="0" lvl="4" algn="l" rtl="0">
         <a:lnSpc>
           <a:spcPct val="100000"/>
         </a:lnSpc>
@@ -6494,7 +6684,7 @@
           <a:srgbClr val="000000"/>
         </a:buClr>
         <a:buFont typeface="Arial"/>
-        <a:defRPr b="0" i="0" sz="1400" u="none" cap="none" strike="noStrike">
+        <a:defRPr sz="1400" b="0" i="0" u="none" strike="noStrike" cap="none">
           <a:solidFill>
             <a:srgbClr val="000000"/>
           </a:solidFill>
@@ -6504,7 +6694,7 @@
           <a:sym typeface="Arial"/>
         </a:defRPr>
       </a:lvl5pPr>
-      <a:lvl6pPr lvl="5" marR="0" rtl="0" algn="l">
+      <a:lvl6pPr marR="0" lvl="5" algn="l" rtl="0">
         <a:lnSpc>
           <a:spcPct val="100000"/>
         </a:lnSpc>
@@ -6518,7 +6708,7 @@
           <a:srgbClr val="000000"/>
         </a:buClr>
         <a:buFont typeface="Arial"/>
-        <a:defRPr b="0" i="0" sz="1400" u="none" cap="none" strike="noStrike">
+        <a:defRPr sz="1400" b="0" i="0" u="none" strike="noStrike" cap="none">
           <a:solidFill>
             <a:srgbClr val="000000"/>
           </a:solidFill>
@@ -6528,7 +6718,7 @@
           <a:sym typeface="Arial"/>
         </a:defRPr>
       </a:lvl6pPr>
-      <a:lvl7pPr lvl="6" marR="0" rtl="0" algn="l">
+      <a:lvl7pPr marR="0" lvl="6" algn="l" rtl="0">
         <a:lnSpc>
           <a:spcPct val="100000"/>
         </a:lnSpc>
@@ -6542,7 +6732,7 @@
           <a:srgbClr val="000000"/>
         </a:buClr>
         <a:buFont typeface="Arial"/>
-        <a:defRPr b="0" i="0" sz="1400" u="none" cap="none" strike="noStrike">
+        <a:defRPr sz="1400" b="0" i="0" u="none" strike="noStrike" cap="none">
           <a:solidFill>
             <a:srgbClr val="000000"/>
           </a:solidFill>
@@ -6552,7 +6742,7 @@
           <a:sym typeface="Arial"/>
         </a:defRPr>
       </a:lvl7pPr>
-      <a:lvl8pPr lvl="7" marR="0" rtl="0" algn="l">
+      <a:lvl8pPr marR="0" lvl="7" algn="l" rtl="0">
         <a:lnSpc>
           <a:spcPct val="100000"/>
         </a:lnSpc>
@@ -6566,7 +6756,7 @@
           <a:srgbClr val="000000"/>
         </a:buClr>
         <a:buFont typeface="Arial"/>
-        <a:defRPr b="0" i="0" sz="1400" u="none" cap="none" strike="noStrike">
+        <a:defRPr sz="1400" b="0" i="0" u="none" strike="noStrike" cap="none">
           <a:solidFill>
             <a:srgbClr val="000000"/>
           </a:solidFill>
@@ -6576,7 +6766,7 @@
           <a:sym typeface="Arial"/>
         </a:defRPr>
       </a:lvl8pPr>
-      <a:lvl9pPr lvl="8" marR="0" rtl="0" algn="l">
+      <a:lvl9pPr marR="0" lvl="8" algn="l" rtl="0">
         <a:lnSpc>
           <a:spcPct val="100000"/>
         </a:lnSpc>
@@ -6590,7 +6780,7 @@
           <a:srgbClr val="000000"/>
         </a:buClr>
         <a:buFont typeface="Arial"/>
-        <a:defRPr b="0" i="0" sz="1400" u="none" cap="none" strike="noStrike">
+        <a:defRPr sz="1400" b="0" i="0" u="none" strike="noStrike" cap="none">
           <a:solidFill>
             <a:srgbClr val="000000"/>
           </a:solidFill>
@@ -6602,7 +6792,7 @@
       </a:lvl9pPr>
     </p:bodyStyle>
     <p:otherStyle>
-      <a:defPPr lvl="0" marR="0" rtl="0" algn="l">
+      <a:defPPr marR="0" lvl="0" algn="l" rtl="0">
         <a:lnSpc>
           <a:spcPct val="100000"/>
         </a:lnSpc>
@@ -6613,7 +6803,7 @@
           <a:spcPts val="0"/>
         </a:spcAft>
       </a:defPPr>
-      <a:lvl1pPr lvl="0" marR="0" rtl="0" algn="l">
+      <a:lvl1pPr marR="0" lvl="0" algn="l" rtl="0">
         <a:lnSpc>
           <a:spcPct val="100000"/>
         </a:lnSpc>
@@ -6627,7 +6817,7 @@
           <a:srgbClr val="000000"/>
         </a:buClr>
         <a:buFont typeface="Arial"/>
-        <a:defRPr b="0" i="0" sz="1400" u="none" cap="none" strike="noStrike">
+        <a:defRPr sz="1400" b="0" i="0" u="none" strike="noStrike" cap="none">
           <a:solidFill>
             <a:srgbClr val="000000"/>
           </a:solidFill>
@@ -6637,7 +6827,7 @@
           <a:sym typeface="Arial"/>
         </a:defRPr>
       </a:lvl1pPr>
-      <a:lvl2pPr lvl="1" marR="0" rtl="0" algn="l">
+      <a:lvl2pPr marR="0" lvl="1" algn="l" rtl="0">
         <a:lnSpc>
           <a:spcPct val="100000"/>
         </a:lnSpc>
@@ -6651,7 +6841,7 @@
           <a:srgbClr val="000000"/>
         </a:buClr>
         <a:buFont typeface="Arial"/>
-        <a:defRPr b="0" i="0" sz="1400" u="none" cap="none" strike="noStrike">
+        <a:defRPr sz="1400" b="0" i="0" u="none" strike="noStrike" cap="none">
           <a:solidFill>
             <a:srgbClr val="000000"/>
           </a:solidFill>
@@ -6661,7 +6851,7 @@
           <a:sym typeface="Arial"/>
         </a:defRPr>
       </a:lvl2pPr>
-      <a:lvl3pPr lvl="2" marR="0" rtl="0" algn="l">
+      <a:lvl3pPr marR="0" lvl="2" algn="l" rtl="0">
         <a:lnSpc>
           <a:spcPct val="100000"/>
         </a:lnSpc>
@@ -6675,7 +6865,7 @@
           <a:srgbClr val="000000"/>
         </a:buClr>
         <a:buFont typeface="Arial"/>
-        <a:defRPr b="0" i="0" sz="1400" u="none" cap="none" strike="noStrike">
+        <a:defRPr sz="1400" b="0" i="0" u="none" strike="noStrike" cap="none">
           <a:solidFill>
             <a:srgbClr val="000000"/>
           </a:solidFill>
@@ -6685,7 +6875,7 @@
           <a:sym typeface="Arial"/>
         </a:defRPr>
       </a:lvl3pPr>
-      <a:lvl4pPr lvl="3" marR="0" rtl="0" algn="l">
+      <a:lvl4pPr marR="0" lvl="3" algn="l" rtl="0">
         <a:lnSpc>
           <a:spcPct val="100000"/>
         </a:lnSpc>
@@ -6699,7 +6889,7 @@
           <a:srgbClr val="000000"/>
         </a:buClr>
         <a:buFont typeface="Arial"/>
-        <a:defRPr b="0" i="0" sz="1400" u="none" cap="none" strike="noStrike">
+        <a:defRPr sz="1400" b="0" i="0" u="none" strike="noStrike" cap="none">
           <a:solidFill>
             <a:srgbClr val="000000"/>
           </a:solidFill>
@@ -6709,7 +6899,7 @@
           <a:sym typeface="Arial"/>
         </a:defRPr>
       </a:lvl4pPr>
-      <a:lvl5pPr lvl="4" marR="0" rtl="0" algn="l">
+      <a:lvl5pPr marR="0" lvl="4" algn="l" rtl="0">
         <a:lnSpc>
           <a:spcPct val="100000"/>
         </a:lnSpc>
@@ -6723,7 +6913,7 @@
           <a:srgbClr val="000000"/>
         </a:buClr>
         <a:buFont typeface="Arial"/>
-        <a:defRPr b="0" i="0" sz="1400" u="none" cap="none" strike="noStrike">
+        <a:defRPr sz="1400" b="0" i="0" u="none" strike="noStrike" cap="none">
           <a:solidFill>
             <a:srgbClr val="000000"/>
           </a:solidFill>
@@ -6733,7 +6923,7 @@
           <a:sym typeface="Arial"/>
         </a:defRPr>
       </a:lvl5pPr>
-      <a:lvl6pPr lvl="5" marR="0" rtl="0" algn="l">
+      <a:lvl6pPr marR="0" lvl="5" algn="l" rtl="0">
         <a:lnSpc>
           <a:spcPct val="100000"/>
         </a:lnSpc>
@@ -6747,7 +6937,7 @@
           <a:srgbClr val="000000"/>
         </a:buClr>
         <a:buFont typeface="Arial"/>
-        <a:defRPr b="0" i="0" sz="1400" u="none" cap="none" strike="noStrike">
+        <a:defRPr sz="1400" b="0" i="0" u="none" strike="noStrike" cap="none">
           <a:solidFill>
             <a:srgbClr val="000000"/>
           </a:solidFill>
@@ -6757,7 +6947,7 @@
           <a:sym typeface="Arial"/>
         </a:defRPr>
       </a:lvl6pPr>
-      <a:lvl7pPr lvl="6" marR="0" rtl="0" algn="l">
+      <a:lvl7pPr marR="0" lvl="6" algn="l" rtl="0">
         <a:lnSpc>
           <a:spcPct val="100000"/>
         </a:lnSpc>
@@ -6771,7 +6961,7 @@
           <a:srgbClr val="000000"/>
         </a:buClr>
         <a:buFont typeface="Arial"/>
-        <a:defRPr b="0" i="0" sz="1400" u="none" cap="none" strike="noStrike">
+        <a:defRPr sz="1400" b="0" i="0" u="none" strike="noStrike" cap="none">
           <a:solidFill>
             <a:srgbClr val="000000"/>
           </a:solidFill>
@@ -6781,7 +6971,7 @@
           <a:sym typeface="Arial"/>
         </a:defRPr>
       </a:lvl7pPr>
-      <a:lvl8pPr lvl="7" marR="0" rtl="0" algn="l">
+      <a:lvl8pPr marR="0" lvl="7" algn="l" rtl="0">
         <a:lnSpc>
           <a:spcPct val="100000"/>
         </a:lnSpc>
@@ -6795,7 +6985,7 @@
           <a:srgbClr val="000000"/>
         </a:buClr>
         <a:buFont typeface="Arial"/>
-        <a:defRPr b="0" i="0" sz="1400" u="none" cap="none" strike="noStrike">
+        <a:defRPr sz="1400" b="0" i="0" u="none" strike="noStrike" cap="none">
           <a:solidFill>
             <a:srgbClr val="000000"/>
           </a:solidFill>
@@ -6805,7 +6995,7 @@
           <a:sym typeface="Arial"/>
         </a:defRPr>
       </a:lvl8pPr>
-      <a:lvl9pPr lvl="8" marR="0" rtl="0" algn="l">
+      <a:lvl9pPr marR="0" lvl="8" algn="l" rtl="0">
         <a:lnSpc>
           <a:spcPct val="100000"/>
         </a:lnSpc>
@@ -6819,7 +7009,7 @@
           <a:srgbClr val="000000"/>
         </a:buClr>
         <a:buFont typeface="Arial"/>
-        <a:defRPr b="0" i="0" sz="1400" u="none" cap="none" strike="noStrike">
+        <a:defRPr sz="1400" b="0" i="0" u="none" strike="noStrike" cap="none">
           <a:solidFill>
             <a:srgbClr val="000000"/>
           </a:solidFill>
@@ -6835,11 +7025,11 @@
 </file>
 
 <file path=ppt/slides/slide1.xml><?xml version="1.0" encoding="utf-8"?>
-<p:sld xmlns:a="http://schemas.openxmlformats.org/drawingml/2006/main" xmlns:r="http://schemas.openxmlformats.org/officeDocument/2006/relationships" xmlns:mc="http://schemas.openxmlformats.org/markup-compatibility/2006" xmlns:mv="urn:schemas-microsoft-com:mac:vml" xmlns:p="http://schemas.openxmlformats.org/presentationml/2006/main" xmlns:c="http://schemas.openxmlformats.org/drawingml/2006/chart" xmlns:dgm="http://schemas.openxmlformats.org/drawingml/2006/diagram" xmlns:o="urn:schemas-microsoft-com:office:office" xmlns:v="urn:schemas-microsoft-com:vml" xmlns:pvml="urn:schemas-microsoft-com:office:powerpoint" xmlns:com="http://schemas.openxmlformats.org/drawingml/2006/compatibility" xmlns:p14="http://schemas.microsoft.com/office/powerpoint/2010/main" xmlns:p15="http://schemas.microsoft.com/office/powerpoint/2012/main" xmlns:ahyp="http://schemas.microsoft.com/office/drawing/2018/hyperlinkcolor">
+<p:sld xmlns:a="http://schemas.openxmlformats.org/drawingml/2006/main" xmlns:r="http://schemas.openxmlformats.org/officeDocument/2006/relationships" xmlns:p="http://schemas.openxmlformats.org/presentationml/2006/main">
   <p:cSld>
     <p:spTree>
       <p:nvGrpSpPr>
-        <p:cNvPr id="53" name="Shape 53"/>
+        <p:cNvPr id="1" name="Shape 53"/>
         <p:cNvGrpSpPr/>
         <p:nvPr/>
       </p:nvGrpSpPr>
@@ -6854,7 +7044,9 @@
       <p:sp>
         <p:nvSpPr>
           <p:cNvPr id="54" name="Google Shape;54;p13"/>
-          <p:cNvSpPr txBox="1"/>
+          <p:cNvSpPr txBox="1">
+            <a:spLocks noGrp="1"/>
+          </p:cNvSpPr>
           <p:nvPr>
             <p:ph type="ctrTitle"/>
           </p:nvPr>
@@ -6869,12 +7061,12 @@
           </a:prstGeom>
         </p:spPr>
         <p:txBody>
-          <a:bodyPr anchorCtr="0" anchor="b" bIns="91425" lIns="91425" spcFirstLastPara="1" rIns="91425" wrap="square" tIns="91425">
+          <a:bodyPr spcFirstLastPara="1" wrap="square" lIns="91425" tIns="91425" rIns="91425" bIns="91425" anchor="b" anchorCtr="0">
             <a:normAutofit/>
           </a:bodyPr>
           <a:lstStyle/>
           <a:p>
-            <a:pPr indent="0" lvl="0" marL="0" rtl="0" algn="ctr">
+            <a:pPr marL="0" lvl="0" indent="0" algn="ctr" rtl="0">
               <a:spcBef>
                 <a:spcPts val="0"/>
               </a:spcBef>
@@ -6894,27 +7086,29 @@
       <p:sp>
         <p:nvSpPr>
           <p:cNvPr id="55" name="Google Shape;55;p13"/>
-          <p:cNvSpPr txBox="1"/>
+          <p:cNvSpPr txBox="1">
+            <a:spLocks noGrp="1"/>
+          </p:cNvSpPr>
           <p:nvPr>
-            <p:ph idx="1" type="subTitle"/>
+            <p:ph type="subTitle" idx="1"/>
           </p:nvPr>
         </p:nvSpPr>
         <p:spPr>
           <a:xfrm>
             <a:off x="311700" y="2834125"/>
-            <a:ext cx="8520600" cy="1446900"/>
+            <a:ext cx="8520600" cy="615523"/>
           </a:xfrm>
           <a:prstGeom prst="rect">
             <a:avLst/>
           </a:prstGeom>
         </p:spPr>
         <p:txBody>
-          <a:bodyPr anchorCtr="0" anchor="t" bIns="91425" lIns="91425" spcFirstLastPara="1" rIns="91425" wrap="square" tIns="91425">
+          <a:bodyPr spcFirstLastPara="1" wrap="square" lIns="91425" tIns="91425" rIns="91425" bIns="91425" anchor="t" anchorCtr="0">
             <a:spAutoFit/>
           </a:bodyPr>
           <a:lstStyle/>
           <a:p>
-            <a:pPr indent="0" lvl="0" marL="0" rtl="0" algn="ctr">
+            <a:pPr marL="0" lvl="0" indent="0" algn="ctr" rtl="0">
               <a:spcBef>
                 <a:spcPts val="0"/>
               </a:spcBef>
@@ -6924,58 +7118,10 @@
               <a:buNone/>
             </a:pPr>
             <a:r>
-              <a:rPr lang="en"/>
+              <a:rPr lang="en" dirty="0"/>
               <a:t>Team: Three Shoe Makers</a:t>
             </a:r>
-            <a:endParaRPr/>
-          </a:p>
-          <a:p>
-            <a:pPr indent="0" lvl="0" marL="0" rtl="0" algn="ctr">
-              <a:spcBef>
-                <a:spcPts val="0"/>
-              </a:spcBef>
-              <a:spcAft>
-                <a:spcPts val="0"/>
-              </a:spcAft>
-              <a:buNone/>
-            </a:pPr>
-            <a:r>
-              <a:rPr lang="en" sz="1800"/>
-              <a:t>Yuanfang Ping</a:t>
-            </a:r>
-            <a:endParaRPr sz="1800"/>
-          </a:p>
-          <a:p>
-            <a:pPr indent="0" lvl="0" marL="0" rtl="0" algn="ctr">
-              <a:spcBef>
-                <a:spcPts val="0"/>
-              </a:spcBef>
-              <a:spcAft>
-                <a:spcPts val="0"/>
-              </a:spcAft>
-              <a:buNone/>
-            </a:pPr>
-            <a:r>
-              <a:rPr lang="en" sz="1800"/>
-              <a:t>Yuchen Li</a:t>
-            </a:r>
-            <a:endParaRPr sz="1800"/>
-          </a:p>
-          <a:p>
-            <a:pPr indent="0" lvl="0" marL="0" rtl="0" algn="ctr">
-              <a:spcBef>
-                <a:spcPts val="0"/>
-              </a:spcBef>
-              <a:spcAft>
-                <a:spcPts val="0"/>
-              </a:spcAft>
-              <a:buNone/>
-            </a:pPr>
-            <a:r>
-              <a:rPr lang="en" sz="1800"/>
-              <a:t>Hongyang Zhou</a:t>
-            </a:r>
-            <a:endParaRPr sz="1800"/>
+            <a:endParaRPr dirty="0"/>
           </a:p>
         </p:txBody>
       </p:sp>
@@ -6988,11 +7134,11 @@
 </file>
 
 <file path=ppt/slides/slide10.xml><?xml version="1.0" encoding="utf-8"?>
-<p:sld xmlns:a="http://schemas.openxmlformats.org/drawingml/2006/main" xmlns:r="http://schemas.openxmlformats.org/officeDocument/2006/relationships" xmlns:mc="http://schemas.openxmlformats.org/markup-compatibility/2006" xmlns:mv="urn:schemas-microsoft-com:mac:vml" xmlns:p="http://schemas.openxmlformats.org/presentationml/2006/main" xmlns:c="http://schemas.openxmlformats.org/drawingml/2006/chart" xmlns:dgm="http://schemas.openxmlformats.org/drawingml/2006/diagram" xmlns:o="urn:schemas-microsoft-com:office:office" xmlns:v="urn:schemas-microsoft-com:vml" xmlns:pvml="urn:schemas-microsoft-com:office:powerpoint" xmlns:com="http://schemas.openxmlformats.org/drawingml/2006/compatibility" xmlns:p14="http://schemas.microsoft.com/office/powerpoint/2010/main" xmlns:p15="http://schemas.microsoft.com/office/powerpoint/2012/main" xmlns:ahyp="http://schemas.microsoft.com/office/drawing/2018/hyperlinkcolor">
+<p:sld xmlns:a="http://schemas.openxmlformats.org/drawingml/2006/main" xmlns:r="http://schemas.openxmlformats.org/officeDocument/2006/relationships" xmlns:p="http://schemas.openxmlformats.org/presentationml/2006/main">
   <p:cSld>
     <p:spTree>
       <p:nvGrpSpPr>
-        <p:cNvPr id="120" name="Shape 120"/>
+        <p:cNvPr id="1" name="Shape 120"/>
         <p:cNvGrpSpPr/>
         <p:nvPr/>
       </p:nvGrpSpPr>
@@ -7007,7 +7153,9 @@
       <p:sp>
         <p:nvSpPr>
           <p:cNvPr id="121" name="Google Shape;121;p22"/>
-          <p:cNvSpPr txBox="1"/>
+          <p:cNvSpPr txBox="1">
+            <a:spLocks noGrp="1"/>
+          </p:cNvSpPr>
           <p:nvPr>
             <p:ph type="title"/>
           </p:nvPr>
@@ -7022,12 +7170,12 @@
           </a:prstGeom>
         </p:spPr>
         <p:txBody>
-          <a:bodyPr anchorCtr="0" anchor="t" bIns="91425" lIns="91425" spcFirstLastPara="1" rIns="91425" wrap="square" tIns="91425">
+          <a:bodyPr spcFirstLastPara="1" wrap="square" lIns="91425" tIns="91425" rIns="91425" bIns="91425" anchor="t" anchorCtr="0">
             <a:normAutofit fontScale="90000"/>
           </a:bodyPr>
           <a:lstStyle/>
           <a:p>
-            <a:pPr indent="0" lvl="0" marL="0" rtl="0" algn="l">
+            <a:pPr marL="0" lvl="0" indent="0" algn="l" rtl="0">
               <a:spcBef>
                 <a:spcPts val="0"/>
               </a:spcBef>
@@ -7087,23 +7235,23 @@
             <a:avLst/>
           </a:prstGeom>
           <a:noFill/>
-          <a:ln cap="flat" cmpd="sng" w="28575">
+          <a:ln w="28575" cap="flat" cmpd="sng">
             <a:solidFill>
               <a:srgbClr val="FF0000"/>
             </a:solidFill>
             <a:prstDash val="solid"/>
             <a:round/>
-            <a:headEnd len="sm" w="sm" type="none"/>
-            <a:tailEnd len="sm" w="sm" type="none"/>
+            <a:headEnd type="none" w="sm" len="sm"/>
+            <a:tailEnd type="none" w="sm" len="sm"/>
           </a:ln>
         </p:spPr>
         <p:txBody>
-          <a:bodyPr anchorCtr="0" anchor="ctr" bIns="91425" lIns="91425" spcFirstLastPara="1" rIns="91425" wrap="square" tIns="91425">
+          <a:bodyPr spcFirstLastPara="1" wrap="square" lIns="91425" tIns="91425" rIns="91425" bIns="91425" anchor="ctr" anchorCtr="0">
             <a:noAutofit/>
           </a:bodyPr>
           <a:lstStyle/>
           <a:p>
-            <a:pPr indent="0" lvl="0" marL="0" rtl="0" algn="l">
+            <a:pPr marL="0" lvl="0" indent="0" algn="l" rtl="0">
               <a:spcBef>
                 <a:spcPts val="0"/>
               </a:spcBef>
@@ -7112,9 +7260,6 @@
               </a:spcAft>
               <a:buNone/>
             </a:pPr>
-            <a:r>
-              <a:t/>
-            </a:r>
             <a:endParaRPr/>
           </a:p>
         </p:txBody>
@@ -7134,23 +7279,23 @@
             <a:avLst/>
           </a:prstGeom>
           <a:noFill/>
-          <a:ln cap="flat" cmpd="sng" w="28575">
+          <a:ln w="28575" cap="flat" cmpd="sng">
             <a:solidFill>
               <a:srgbClr val="FF0000"/>
             </a:solidFill>
             <a:prstDash val="solid"/>
             <a:round/>
-            <a:headEnd len="sm" w="sm" type="none"/>
-            <a:tailEnd len="sm" w="sm" type="none"/>
+            <a:headEnd type="none" w="sm" len="sm"/>
+            <a:tailEnd type="none" w="sm" len="sm"/>
           </a:ln>
         </p:spPr>
         <p:txBody>
-          <a:bodyPr anchorCtr="0" anchor="ctr" bIns="91425" lIns="91425" spcFirstLastPara="1" rIns="91425" wrap="square" tIns="91425">
+          <a:bodyPr spcFirstLastPara="1" wrap="square" lIns="91425" tIns="91425" rIns="91425" bIns="91425" anchor="ctr" anchorCtr="0">
             <a:noAutofit/>
           </a:bodyPr>
           <a:lstStyle/>
           <a:p>
-            <a:pPr indent="0" lvl="0" marL="0" rtl="0" algn="l">
+            <a:pPr marL="0" lvl="0" indent="0" algn="l" rtl="0">
               <a:spcBef>
                 <a:spcPts val="0"/>
               </a:spcBef>
@@ -7159,9 +7304,6 @@
               </a:spcAft>
               <a:buNone/>
             </a:pPr>
-            <a:r>
-              <a:t/>
-            </a:r>
             <a:endParaRPr/>
           </a:p>
         </p:txBody>
@@ -7186,12 +7328,12 @@
           </a:ln>
         </p:spPr>
         <p:txBody>
-          <a:bodyPr anchorCtr="0" anchor="t" bIns="91425" lIns="91425" spcFirstLastPara="1" rIns="91425" wrap="square" tIns="91425">
+          <a:bodyPr spcFirstLastPara="1" wrap="square" lIns="91425" tIns="91425" rIns="91425" bIns="91425" anchor="t" anchorCtr="0">
             <a:spAutoFit/>
           </a:bodyPr>
           <a:lstStyle/>
           <a:p>
-            <a:pPr indent="0" lvl="0" marL="0" rtl="0" algn="l">
+            <a:pPr marL="0" lvl="0" indent="0" algn="l" rtl="0">
               <a:spcBef>
                 <a:spcPts val="0"/>
               </a:spcBef>
@@ -7217,11 +7359,11 @@
 </file>
 
 <file path=ppt/slides/slide11.xml><?xml version="1.0" encoding="utf-8"?>
-<p:sld xmlns:a="http://schemas.openxmlformats.org/drawingml/2006/main" xmlns:r="http://schemas.openxmlformats.org/officeDocument/2006/relationships" xmlns:mc="http://schemas.openxmlformats.org/markup-compatibility/2006" xmlns:mv="urn:schemas-microsoft-com:mac:vml" xmlns:p="http://schemas.openxmlformats.org/presentationml/2006/main" xmlns:c="http://schemas.openxmlformats.org/drawingml/2006/chart" xmlns:dgm="http://schemas.openxmlformats.org/drawingml/2006/diagram" xmlns:o="urn:schemas-microsoft-com:office:office" xmlns:v="urn:schemas-microsoft-com:vml" xmlns:pvml="urn:schemas-microsoft-com:office:powerpoint" xmlns:com="http://schemas.openxmlformats.org/drawingml/2006/compatibility" xmlns:p14="http://schemas.microsoft.com/office/powerpoint/2010/main" xmlns:p15="http://schemas.microsoft.com/office/powerpoint/2012/main" xmlns:ahyp="http://schemas.microsoft.com/office/drawing/2018/hyperlinkcolor">
+<p:sld xmlns:a="http://schemas.openxmlformats.org/drawingml/2006/main" xmlns:r="http://schemas.openxmlformats.org/officeDocument/2006/relationships" xmlns:p="http://schemas.openxmlformats.org/presentationml/2006/main">
   <p:cSld>
     <p:spTree>
       <p:nvGrpSpPr>
-        <p:cNvPr id="129" name="Shape 129"/>
+        <p:cNvPr id="1" name="Shape 129"/>
         <p:cNvGrpSpPr/>
         <p:nvPr/>
       </p:nvGrpSpPr>
@@ -7236,7 +7378,9 @@
       <p:sp>
         <p:nvSpPr>
           <p:cNvPr id="130" name="Google Shape;130;p23"/>
-          <p:cNvSpPr txBox="1"/>
+          <p:cNvSpPr txBox="1">
+            <a:spLocks noGrp="1"/>
+          </p:cNvSpPr>
           <p:nvPr>
             <p:ph type="title"/>
           </p:nvPr>
@@ -7251,12 +7395,12 @@
           </a:prstGeom>
         </p:spPr>
         <p:txBody>
-          <a:bodyPr anchorCtr="0" anchor="t" bIns="91425" lIns="91425" spcFirstLastPara="1" rIns="91425" wrap="square" tIns="91425">
+          <a:bodyPr spcFirstLastPara="1" wrap="square" lIns="91425" tIns="91425" rIns="91425" bIns="91425" anchor="t" anchorCtr="0">
             <a:normAutofit fontScale="90000"/>
           </a:bodyPr>
           <a:lstStyle/>
           <a:p>
-            <a:pPr indent="0" lvl="0" marL="0" rtl="0" algn="l">
+            <a:pPr marL="0" lvl="0" indent="0" algn="l" rtl="0">
               <a:spcBef>
                 <a:spcPts val="0"/>
               </a:spcBef>
@@ -7400,23 +7544,23 @@
             <a:avLst/>
           </a:prstGeom>
           <a:noFill/>
-          <a:ln cap="flat" cmpd="sng" w="28575">
+          <a:ln w="28575" cap="flat" cmpd="sng">
             <a:solidFill>
               <a:srgbClr val="FF0000"/>
             </a:solidFill>
             <a:prstDash val="solid"/>
             <a:round/>
-            <a:headEnd len="sm" w="sm" type="none"/>
-            <a:tailEnd len="sm" w="sm" type="none"/>
+            <a:headEnd type="none" w="sm" len="sm"/>
+            <a:tailEnd type="none" w="sm" len="sm"/>
           </a:ln>
         </p:spPr>
         <p:txBody>
-          <a:bodyPr anchorCtr="0" anchor="ctr" bIns="91425" lIns="91425" spcFirstLastPara="1" rIns="91425" wrap="square" tIns="91425">
+          <a:bodyPr spcFirstLastPara="1" wrap="square" lIns="91425" tIns="91425" rIns="91425" bIns="91425" anchor="ctr" anchorCtr="0">
             <a:noAutofit/>
           </a:bodyPr>
           <a:lstStyle/>
           <a:p>
-            <a:pPr indent="0" lvl="0" marL="0" rtl="0" algn="l">
+            <a:pPr marL="0" lvl="0" indent="0" algn="l" rtl="0">
               <a:spcBef>
                 <a:spcPts val="0"/>
               </a:spcBef>
@@ -7425,9 +7569,6 @@
               </a:spcAft>
               <a:buNone/>
             </a:pPr>
-            <a:r>
-              <a:t/>
-            </a:r>
             <a:endParaRPr/>
           </a:p>
         </p:txBody>
@@ -7452,12 +7593,12 @@
           </a:ln>
         </p:spPr>
         <p:txBody>
-          <a:bodyPr anchorCtr="0" anchor="t" bIns="91425" lIns="91425" spcFirstLastPara="1" rIns="91425" wrap="square" tIns="91425">
+          <a:bodyPr spcFirstLastPara="1" wrap="square" lIns="91425" tIns="91425" rIns="91425" bIns="91425" anchor="t" anchorCtr="0">
             <a:spAutoFit/>
           </a:bodyPr>
           <a:lstStyle/>
           <a:p>
-            <a:pPr indent="0" lvl="0" marL="0" rtl="0" algn="l">
+            <a:pPr marL="0" lvl="0" indent="0" algn="l" rtl="0">
               <a:spcBef>
                 <a:spcPts val="0"/>
               </a:spcBef>
@@ -7468,15 +7609,7 @@
             </a:pPr>
             <a:r>
               <a:rPr lang="en"/>
-              <a:t>The most dominant cross correlation occurs at lag=-7 or -8  for retail and recreation </a:t>
-            </a:r>
-            <a:r>
-              <a:rPr lang="en"/>
-              <a:t>variable</a:t>
-            </a:r>
-            <a:r>
-              <a:rPr lang="en"/>
-              <a:t>.</a:t>
+              <a:t>The most dominant cross correlation occurs at lag=-7 or -8  for retail and recreation variable.</a:t>
             </a:r>
             <a:endParaRPr/>
           </a:p>
@@ -7491,11 +7624,11 @@
 </file>
 
 <file path=ppt/slides/slide12.xml><?xml version="1.0" encoding="utf-8"?>
-<p:sld xmlns:a="http://schemas.openxmlformats.org/drawingml/2006/main" xmlns:r="http://schemas.openxmlformats.org/officeDocument/2006/relationships" xmlns:mc="http://schemas.openxmlformats.org/markup-compatibility/2006" xmlns:mv="urn:schemas-microsoft-com:mac:vml" xmlns:p="http://schemas.openxmlformats.org/presentationml/2006/main" xmlns:c="http://schemas.openxmlformats.org/drawingml/2006/chart" xmlns:dgm="http://schemas.openxmlformats.org/drawingml/2006/diagram" xmlns:o="urn:schemas-microsoft-com:office:office" xmlns:v="urn:schemas-microsoft-com:vml" xmlns:pvml="urn:schemas-microsoft-com:office:powerpoint" xmlns:com="http://schemas.openxmlformats.org/drawingml/2006/compatibility" xmlns:p14="http://schemas.microsoft.com/office/powerpoint/2010/main" xmlns:p15="http://schemas.microsoft.com/office/powerpoint/2012/main" xmlns:ahyp="http://schemas.microsoft.com/office/drawing/2018/hyperlinkcolor">
+<p:sld xmlns:a="http://schemas.openxmlformats.org/drawingml/2006/main" xmlns:r="http://schemas.openxmlformats.org/officeDocument/2006/relationships" xmlns:p="http://schemas.openxmlformats.org/presentationml/2006/main">
   <p:cSld>
     <p:spTree>
       <p:nvGrpSpPr>
-        <p:cNvPr id="140" name="Shape 140"/>
+        <p:cNvPr id="1" name="Shape 140"/>
         <p:cNvGrpSpPr/>
         <p:nvPr/>
       </p:nvGrpSpPr>
@@ -7510,7 +7643,9 @@
       <p:sp>
         <p:nvSpPr>
           <p:cNvPr id="141" name="Google Shape;141;p24"/>
-          <p:cNvSpPr txBox="1"/>
+          <p:cNvSpPr txBox="1">
+            <a:spLocks noGrp="1"/>
+          </p:cNvSpPr>
           <p:nvPr>
             <p:ph type="title"/>
           </p:nvPr>
@@ -7525,12 +7660,12 @@
           </a:prstGeom>
         </p:spPr>
         <p:txBody>
-          <a:bodyPr anchorCtr="0" anchor="t" bIns="91425" lIns="91425" spcFirstLastPara="1" rIns="91425" wrap="square" tIns="91425">
+          <a:bodyPr spcFirstLastPara="1" wrap="square" lIns="91425" tIns="91425" rIns="91425" bIns="91425" anchor="t" anchorCtr="0">
             <a:normAutofit fontScale="90000"/>
           </a:bodyPr>
           <a:lstStyle/>
           <a:p>
-            <a:pPr indent="0" lvl="0" marL="0" rtl="0" algn="l">
+            <a:pPr marL="0" lvl="0" indent="0" algn="l" rtl="0">
               <a:spcBef>
                 <a:spcPts val="0"/>
               </a:spcBef>
@@ -7623,23 +7758,23 @@
             <a:avLst/>
           </a:prstGeom>
           <a:noFill/>
-          <a:ln cap="flat" cmpd="sng" w="28575">
+          <a:ln w="28575" cap="flat" cmpd="sng">
             <a:solidFill>
               <a:srgbClr val="FF0000"/>
             </a:solidFill>
             <a:prstDash val="solid"/>
             <a:round/>
-            <a:headEnd len="sm" w="sm" type="none"/>
-            <a:tailEnd len="sm" w="sm" type="none"/>
+            <a:headEnd type="none" w="sm" len="sm"/>
+            <a:tailEnd type="none" w="sm" len="sm"/>
           </a:ln>
         </p:spPr>
         <p:txBody>
-          <a:bodyPr anchorCtr="0" anchor="ctr" bIns="91425" lIns="91425" spcFirstLastPara="1" rIns="91425" wrap="square" tIns="91425">
+          <a:bodyPr spcFirstLastPara="1" wrap="square" lIns="91425" tIns="91425" rIns="91425" bIns="91425" anchor="ctr" anchorCtr="0">
             <a:noAutofit/>
           </a:bodyPr>
           <a:lstStyle/>
           <a:p>
-            <a:pPr indent="0" lvl="0" marL="0" rtl="0" algn="l">
+            <a:pPr marL="0" lvl="0" indent="0" algn="l" rtl="0">
               <a:spcBef>
                 <a:spcPts val="0"/>
               </a:spcBef>
@@ -7648,9 +7783,6 @@
               </a:spcAft>
               <a:buNone/>
             </a:pPr>
-            <a:r>
-              <a:t/>
-            </a:r>
             <a:endParaRPr/>
           </a:p>
         </p:txBody>
@@ -7670,23 +7802,23 @@
             <a:avLst/>
           </a:prstGeom>
           <a:noFill/>
-          <a:ln cap="flat" cmpd="sng" w="28575">
+          <a:ln w="28575" cap="flat" cmpd="sng">
             <a:solidFill>
               <a:srgbClr val="FF0000"/>
             </a:solidFill>
             <a:prstDash val="solid"/>
             <a:round/>
-            <a:headEnd len="sm" w="sm" type="none"/>
-            <a:tailEnd len="sm" w="sm" type="none"/>
+            <a:headEnd type="none" w="sm" len="sm"/>
+            <a:tailEnd type="none" w="sm" len="sm"/>
           </a:ln>
         </p:spPr>
         <p:txBody>
-          <a:bodyPr anchorCtr="0" anchor="ctr" bIns="91425" lIns="91425" spcFirstLastPara="1" rIns="91425" wrap="square" tIns="91425">
+          <a:bodyPr spcFirstLastPara="1" wrap="square" lIns="91425" tIns="91425" rIns="91425" bIns="91425" anchor="ctr" anchorCtr="0">
             <a:noAutofit/>
           </a:bodyPr>
           <a:lstStyle/>
           <a:p>
-            <a:pPr indent="0" lvl="0" marL="0" rtl="0" algn="l">
+            <a:pPr marL="0" lvl="0" indent="0" algn="l" rtl="0">
               <a:spcBef>
                 <a:spcPts val="0"/>
               </a:spcBef>
@@ -7695,9 +7827,6 @@
               </a:spcAft>
               <a:buNone/>
             </a:pPr>
-            <a:r>
-              <a:t/>
-            </a:r>
             <a:endParaRPr/>
           </a:p>
         </p:txBody>
@@ -7722,12 +7851,12 @@
           </a:ln>
         </p:spPr>
         <p:txBody>
-          <a:bodyPr anchorCtr="0" anchor="t" bIns="91425" lIns="91425" spcFirstLastPara="1" rIns="91425" wrap="square" tIns="91425">
+          <a:bodyPr spcFirstLastPara="1" wrap="square" lIns="91425" tIns="91425" rIns="91425" bIns="91425" anchor="t" anchorCtr="0">
             <a:spAutoFit/>
           </a:bodyPr>
           <a:lstStyle/>
           <a:p>
-            <a:pPr indent="0" lvl="0" marL="0" rtl="0" algn="l">
+            <a:pPr marL="0" lvl="0" indent="0" algn="l" rtl="0">
               <a:spcBef>
                 <a:spcPts val="0"/>
               </a:spcBef>
@@ -7738,23 +7867,7 @@
             </a:pPr>
             <a:r>
               <a:rPr lang="en"/>
-              <a:t>The most dominant cross correlation occurs at lag=-11 for workplace variable and at lag = -7 for </a:t>
-            </a:r>
-            <a:r>
-              <a:rPr lang="en"/>
-              <a:t>residential</a:t>
-            </a:r>
-            <a:r>
-              <a:rPr lang="en"/>
-              <a:t> </a:t>
-            </a:r>
-            <a:r>
-              <a:rPr lang="en"/>
-              <a:t>variable</a:t>
-            </a:r>
-            <a:r>
-              <a:rPr lang="en"/>
-              <a:t>. Exact lag number could be got from correlation values (next page).</a:t>
+              <a:t>The most dominant cross correlation occurs at lag=-11 for workplace variable and at lag = -7 for residential variable. Exact lag number could be got from correlation values (next page).</a:t>
             </a:r>
             <a:endParaRPr/>
           </a:p>
@@ -7769,11 +7882,11 @@
 </file>
 
 <file path=ppt/slides/slide13.xml><?xml version="1.0" encoding="utf-8"?>
-<p:sld xmlns:a="http://schemas.openxmlformats.org/drawingml/2006/main" xmlns:r="http://schemas.openxmlformats.org/officeDocument/2006/relationships" xmlns:mc="http://schemas.openxmlformats.org/markup-compatibility/2006" xmlns:mv="urn:schemas-microsoft-com:mac:vml" xmlns:p="http://schemas.openxmlformats.org/presentationml/2006/main" xmlns:c="http://schemas.openxmlformats.org/drawingml/2006/chart" xmlns:dgm="http://schemas.openxmlformats.org/drawingml/2006/diagram" xmlns:o="urn:schemas-microsoft-com:office:office" xmlns:v="urn:schemas-microsoft-com:vml" xmlns:pvml="urn:schemas-microsoft-com:office:powerpoint" xmlns:com="http://schemas.openxmlformats.org/drawingml/2006/compatibility" xmlns:p14="http://schemas.microsoft.com/office/powerpoint/2010/main" xmlns:p15="http://schemas.microsoft.com/office/powerpoint/2012/main" xmlns:ahyp="http://schemas.microsoft.com/office/drawing/2018/hyperlinkcolor">
+<p:sld xmlns:a="http://schemas.openxmlformats.org/drawingml/2006/main" xmlns:r="http://schemas.openxmlformats.org/officeDocument/2006/relationships" xmlns:p="http://schemas.openxmlformats.org/presentationml/2006/main">
   <p:cSld>
     <p:spTree>
       <p:nvGrpSpPr>
-        <p:cNvPr id="150" name="Shape 150"/>
+        <p:cNvPr id="1" name="Shape 150"/>
         <p:cNvGrpSpPr/>
         <p:nvPr/>
       </p:nvGrpSpPr>
@@ -7788,7 +7901,9 @@
       <p:sp>
         <p:nvSpPr>
           <p:cNvPr id="151" name="Google Shape;151;p25"/>
-          <p:cNvSpPr txBox="1"/>
+          <p:cNvSpPr txBox="1">
+            <a:spLocks noGrp="1"/>
+          </p:cNvSpPr>
           <p:nvPr>
             <p:ph type="title"/>
           </p:nvPr>
@@ -7803,12 +7918,12 @@
           </a:prstGeom>
         </p:spPr>
         <p:txBody>
-          <a:bodyPr anchorCtr="0" anchor="t" bIns="91425" lIns="91425" spcFirstLastPara="1" rIns="91425" wrap="square" tIns="91425">
+          <a:bodyPr spcFirstLastPara="1" wrap="square" lIns="91425" tIns="91425" rIns="91425" bIns="91425" anchor="t" anchorCtr="0">
             <a:normAutofit fontScale="90000"/>
           </a:bodyPr>
           <a:lstStyle/>
           <a:p>
-            <a:pPr indent="0" lvl="0" marL="0" rtl="0" algn="l">
+            <a:pPr marL="0" lvl="0" indent="0" algn="l" rtl="0">
               <a:spcBef>
                 <a:spcPts val="0"/>
               </a:spcBef>
@@ -7873,12 +7988,12 @@
           </a:ln>
         </p:spPr>
         <p:txBody>
-          <a:bodyPr anchorCtr="0" anchor="t" bIns="91425" lIns="91425" spcFirstLastPara="1" rIns="91425" wrap="square" tIns="91425">
+          <a:bodyPr spcFirstLastPara="1" wrap="square" lIns="91425" tIns="91425" rIns="91425" bIns="91425" anchor="t" anchorCtr="0">
             <a:spAutoFit/>
           </a:bodyPr>
           <a:lstStyle/>
           <a:p>
-            <a:pPr indent="0" lvl="0" marL="0" rtl="0" algn="r">
+            <a:pPr marL="0" lvl="0" indent="0" algn="r" rtl="0">
               <a:spcBef>
                 <a:spcPts val="0"/>
               </a:spcBef>
@@ -7889,15 +8004,7 @@
             </a:pPr>
             <a:r>
               <a:rPr lang="en"/>
-              <a:t>Workplace trend </a:t>
-            </a:r>
-            <a:r>
-              <a:rPr lang="en"/>
-              <a:t>variable is used</a:t>
-            </a:r>
-            <a:r>
-              <a:rPr lang="en"/>
-              <a:t> as example.</a:t>
+              <a:t>Workplace trend variable is used as example.</a:t>
             </a:r>
             <a:endParaRPr/>
           </a:p>
@@ -7912,11 +8019,11 @@
 </file>
 
 <file path=ppt/slides/slide14.xml><?xml version="1.0" encoding="utf-8"?>
-<p:sld xmlns:a="http://schemas.openxmlformats.org/drawingml/2006/main" xmlns:r="http://schemas.openxmlformats.org/officeDocument/2006/relationships" xmlns:mc="http://schemas.openxmlformats.org/markup-compatibility/2006" xmlns:mv="urn:schemas-microsoft-com:mac:vml" xmlns:p="http://schemas.openxmlformats.org/presentationml/2006/main" xmlns:c="http://schemas.openxmlformats.org/drawingml/2006/chart" xmlns:dgm="http://schemas.openxmlformats.org/drawingml/2006/diagram" xmlns:o="urn:schemas-microsoft-com:office:office" xmlns:v="urn:schemas-microsoft-com:vml" xmlns:pvml="urn:schemas-microsoft-com:office:powerpoint" xmlns:com="http://schemas.openxmlformats.org/drawingml/2006/compatibility" xmlns:p14="http://schemas.microsoft.com/office/powerpoint/2010/main" xmlns:p15="http://schemas.microsoft.com/office/powerpoint/2012/main" xmlns:ahyp="http://schemas.microsoft.com/office/drawing/2018/hyperlinkcolor">
+<p:sld xmlns:a="http://schemas.openxmlformats.org/drawingml/2006/main" xmlns:r="http://schemas.openxmlformats.org/officeDocument/2006/relationships" xmlns:p="http://schemas.openxmlformats.org/presentationml/2006/main">
   <p:cSld>
     <p:spTree>
       <p:nvGrpSpPr>
-        <p:cNvPr id="157" name="Shape 157"/>
+        <p:cNvPr id="1" name="Shape 157"/>
         <p:cNvGrpSpPr/>
         <p:nvPr/>
       </p:nvGrpSpPr>
@@ -7931,7 +8038,9 @@
       <p:sp>
         <p:nvSpPr>
           <p:cNvPr id="158" name="Google Shape;158;p26"/>
-          <p:cNvSpPr txBox="1"/>
+          <p:cNvSpPr txBox="1">
+            <a:spLocks noGrp="1"/>
+          </p:cNvSpPr>
           <p:nvPr>
             <p:ph type="title"/>
           </p:nvPr>
@@ -7946,12 +8055,12 @@
           </a:prstGeom>
         </p:spPr>
         <p:txBody>
-          <a:bodyPr anchorCtr="0" anchor="t" bIns="91425" lIns="91425" spcFirstLastPara="1" rIns="91425" wrap="square" tIns="91425">
+          <a:bodyPr spcFirstLastPara="1" wrap="square" lIns="91425" tIns="91425" rIns="91425" bIns="91425" anchor="t" anchorCtr="0">
             <a:normAutofit fontScale="90000"/>
           </a:bodyPr>
           <a:lstStyle/>
           <a:p>
-            <a:pPr indent="0" lvl="0" marL="0" rtl="0" algn="l">
+            <a:pPr marL="0" lvl="0" indent="0" algn="l" rtl="0">
               <a:spcBef>
                 <a:spcPts val="0"/>
               </a:spcBef>
@@ -8005,11 +8114,11 @@
 </file>
 
 <file path=ppt/slides/slide15.xml><?xml version="1.0" encoding="utf-8"?>
-<p:sld xmlns:a="http://schemas.openxmlformats.org/drawingml/2006/main" xmlns:r="http://schemas.openxmlformats.org/officeDocument/2006/relationships" xmlns:mc="http://schemas.openxmlformats.org/markup-compatibility/2006" xmlns:mv="urn:schemas-microsoft-com:mac:vml" xmlns:p="http://schemas.openxmlformats.org/presentationml/2006/main" xmlns:c="http://schemas.openxmlformats.org/drawingml/2006/chart" xmlns:dgm="http://schemas.openxmlformats.org/drawingml/2006/diagram" xmlns:o="urn:schemas-microsoft-com:office:office" xmlns:v="urn:schemas-microsoft-com:vml" xmlns:pvml="urn:schemas-microsoft-com:office:powerpoint" xmlns:com="http://schemas.openxmlformats.org/drawingml/2006/compatibility" xmlns:p14="http://schemas.microsoft.com/office/powerpoint/2010/main" xmlns:p15="http://schemas.microsoft.com/office/powerpoint/2012/main" xmlns:ahyp="http://schemas.microsoft.com/office/drawing/2018/hyperlinkcolor">
+<p:sld xmlns:a="http://schemas.openxmlformats.org/drawingml/2006/main" xmlns:r="http://schemas.openxmlformats.org/officeDocument/2006/relationships" xmlns:p="http://schemas.openxmlformats.org/presentationml/2006/main">
   <p:cSld>
     <p:spTree>
       <p:nvGrpSpPr>
-        <p:cNvPr id="163" name="Shape 163"/>
+        <p:cNvPr id="1" name="Shape 163"/>
         <p:cNvGrpSpPr/>
         <p:nvPr/>
       </p:nvGrpSpPr>
@@ -8024,7 +8133,9 @@
       <p:sp>
         <p:nvSpPr>
           <p:cNvPr id="164" name="Google Shape;164;p27"/>
-          <p:cNvSpPr txBox="1"/>
+          <p:cNvSpPr txBox="1">
+            <a:spLocks noGrp="1"/>
+          </p:cNvSpPr>
           <p:nvPr>
             <p:ph type="title"/>
           </p:nvPr>
@@ -8039,12 +8150,12 @@
           </a:prstGeom>
         </p:spPr>
         <p:txBody>
-          <a:bodyPr anchorCtr="0" anchor="t" bIns="91425" lIns="91425" spcFirstLastPara="1" rIns="91425" wrap="square" tIns="91425">
+          <a:bodyPr spcFirstLastPara="1" wrap="square" lIns="91425" tIns="91425" rIns="91425" bIns="91425" anchor="t" anchorCtr="0">
             <a:normAutofit fontScale="90000"/>
           </a:bodyPr>
           <a:lstStyle/>
           <a:p>
-            <a:pPr indent="0" lvl="0" marL="0" rtl="0" algn="l">
+            <a:pPr marL="0" lvl="0" indent="0" algn="l" rtl="0">
               <a:spcBef>
                 <a:spcPts val="0"/>
               </a:spcBef>
@@ -8064,9 +8175,11 @@
       <p:sp>
         <p:nvSpPr>
           <p:cNvPr id="165" name="Google Shape;165;p27"/>
-          <p:cNvSpPr txBox="1"/>
+          <p:cNvSpPr txBox="1">
+            <a:spLocks noGrp="1"/>
+          </p:cNvSpPr>
           <p:nvPr>
-            <p:ph idx="1" type="body"/>
+            <p:ph type="body" idx="1"/>
           </p:nvPr>
         </p:nvSpPr>
         <p:spPr>
@@ -8079,12 +8192,12 @@
           </a:prstGeom>
         </p:spPr>
         <p:txBody>
-          <a:bodyPr anchorCtr="0" anchor="t" bIns="91425" lIns="91425" spcFirstLastPara="1" rIns="91425" wrap="square" tIns="91425">
+          <a:bodyPr spcFirstLastPara="1" wrap="square" lIns="91425" tIns="91425" rIns="91425" bIns="91425" anchor="t" anchorCtr="0">
             <a:normAutofit/>
           </a:bodyPr>
           <a:lstStyle/>
           <a:p>
-            <a:pPr indent="0" lvl="0" marL="0" rtl="0" algn="l">
+            <a:pPr marL="0" lvl="0" indent="0" algn="l" rtl="0">
               <a:spcBef>
                 <a:spcPts val="0"/>
               </a:spcBef>
@@ -8100,7 +8213,7 @@
             <a:endParaRPr/>
           </a:p>
           <a:p>
-            <a:pPr indent="0" lvl="0" marL="0" rtl="0" algn="l">
+            <a:pPr marL="0" lvl="0" indent="0" algn="l" rtl="0">
               <a:spcBef>
                 <a:spcPts val="1200"/>
               </a:spcBef>
@@ -8109,13 +8222,10 @@
               </a:spcAft>
               <a:buNone/>
             </a:pPr>
-            <a:r>
-              <a:t/>
-            </a:r>
             <a:endParaRPr/>
           </a:p>
           <a:p>
-            <a:pPr indent="0" lvl="0" marL="0" rtl="0" algn="l">
+            <a:pPr marL="0" lvl="0" indent="0" algn="l" rtl="0">
               <a:spcBef>
                 <a:spcPts val="1200"/>
               </a:spcBef>
@@ -8131,7 +8241,7 @@
             <a:endParaRPr/>
           </a:p>
           <a:p>
-            <a:pPr indent="0" lvl="0" marL="0" rtl="0" algn="l">
+            <a:pPr marL="0" lvl="0" indent="0" algn="l" rtl="0">
               <a:spcBef>
                 <a:spcPts val="1200"/>
               </a:spcBef>
@@ -8140,13 +8250,10 @@
               </a:spcAft>
               <a:buNone/>
             </a:pPr>
-            <a:r>
-              <a:t/>
-            </a:r>
             <a:endParaRPr/>
           </a:p>
           <a:p>
-            <a:pPr indent="0" lvl="0" marL="0" rtl="0" algn="l">
+            <a:pPr marL="0" lvl="0" indent="0" algn="l" rtl="0">
               <a:spcBef>
                 <a:spcPts val="1200"/>
               </a:spcBef>
@@ -8157,15 +8264,7 @@
             </a:pPr>
             <a:r>
               <a:rPr lang="en"/>
-              <a:t>Future step would be to implement the model on the other states’ data to see they have the same </a:t>
-            </a:r>
-            <a:r>
-              <a:rPr lang="en"/>
-              <a:t>phenomenon</a:t>
-            </a:r>
-            <a:r>
-              <a:rPr lang="en"/>
-              <a:t>. </a:t>
+              <a:t>Future step would be to implement the model on the other states’ data to see they have the same phenomenon. </a:t>
             </a:r>
             <a:endParaRPr/>
           </a:p>
@@ -8180,11 +8279,11 @@
 </file>
 
 <file path=ppt/slides/slide2.xml><?xml version="1.0" encoding="utf-8"?>
-<p:sld xmlns:a="http://schemas.openxmlformats.org/drawingml/2006/main" xmlns:r="http://schemas.openxmlformats.org/officeDocument/2006/relationships" xmlns:mc="http://schemas.openxmlformats.org/markup-compatibility/2006" xmlns:mv="urn:schemas-microsoft-com:mac:vml" xmlns:p="http://schemas.openxmlformats.org/presentationml/2006/main" xmlns:c="http://schemas.openxmlformats.org/drawingml/2006/chart" xmlns:dgm="http://schemas.openxmlformats.org/drawingml/2006/diagram" xmlns:o="urn:schemas-microsoft-com:office:office" xmlns:v="urn:schemas-microsoft-com:vml" xmlns:pvml="urn:schemas-microsoft-com:office:powerpoint" xmlns:com="http://schemas.openxmlformats.org/drawingml/2006/compatibility" xmlns:p14="http://schemas.microsoft.com/office/powerpoint/2010/main" xmlns:p15="http://schemas.microsoft.com/office/powerpoint/2012/main" xmlns:ahyp="http://schemas.microsoft.com/office/drawing/2018/hyperlinkcolor">
+<p:sld xmlns:a="http://schemas.openxmlformats.org/drawingml/2006/main" xmlns:r="http://schemas.openxmlformats.org/officeDocument/2006/relationships" xmlns:p="http://schemas.openxmlformats.org/presentationml/2006/main">
   <p:cSld>
     <p:spTree>
       <p:nvGrpSpPr>
-        <p:cNvPr id="59" name="Shape 59"/>
+        <p:cNvPr id="1" name="Shape 59"/>
         <p:cNvGrpSpPr/>
         <p:nvPr/>
       </p:nvGrpSpPr>
@@ -8199,7 +8298,9 @@
       <p:sp>
         <p:nvSpPr>
           <p:cNvPr id="60" name="Google Shape;60;p14"/>
-          <p:cNvSpPr txBox="1"/>
+          <p:cNvSpPr txBox="1">
+            <a:spLocks noGrp="1"/>
+          </p:cNvSpPr>
           <p:nvPr>
             <p:ph type="title"/>
           </p:nvPr>
@@ -8214,12 +8315,12 @@
           </a:prstGeom>
         </p:spPr>
         <p:txBody>
-          <a:bodyPr anchorCtr="0" anchor="t" bIns="91425" lIns="91425" spcFirstLastPara="1" rIns="91425" wrap="square" tIns="91425">
+          <a:bodyPr spcFirstLastPara="1" wrap="square" lIns="91425" tIns="91425" rIns="91425" bIns="91425" anchor="t" anchorCtr="0">
             <a:normAutofit fontScale="90000"/>
           </a:bodyPr>
           <a:lstStyle/>
           <a:p>
-            <a:pPr indent="0" lvl="0" marL="0" rtl="0" algn="l">
+            <a:pPr marL="0" lvl="0" indent="0" algn="l" rtl="0">
               <a:spcBef>
                 <a:spcPts val="0"/>
               </a:spcBef>
@@ -8239,9 +8340,11 @@
       <p:sp>
         <p:nvSpPr>
           <p:cNvPr id="61" name="Google Shape;61;p14"/>
-          <p:cNvSpPr txBox="1"/>
+          <p:cNvSpPr txBox="1">
+            <a:spLocks noGrp="1"/>
+          </p:cNvSpPr>
           <p:nvPr>
-            <p:ph idx="1" type="body"/>
+            <p:ph type="body" idx="1"/>
           </p:nvPr>
         </p:nvSpPr>
         <p:spPr>
@@ -8254,12 +8357,12 @@
           </a:prstGeom>
         </p:spPr>
         <p:txBody>
-          <a:bodyPr anchorCtr="0" anchor="t" bIns="91425" lIns="91425" spcFirstLastPara="1" rIns="91425" wrap="square" tIns="91425">
+          <a:bodyPr spcFirstLastPara="1" wrap="square" lIns="91425" tIns="91425" rIns="91425" bIns="91425" anchor="t" anchorCtr="0">
             <a:normAutofit/>
           </a:bodyPr>
           <a:lstStyle/>
           <a:p>
-            <a:pPr indent="0" lvl="0" marL="0" rtl="0" algn="l">
+            <a:pPr marL="0" lvl="0" indent="0" algn="l" rtl="0">
               <a:spcBef>
                 <a:spcPts val="0"/>
               </a:spcBef>
@@ -8270,20 +8373,12 @@
             </a:pPr>
             <a:r>
               <a:rPr lang="en"/>
-              <a:t>Does Mobility trend have relationship with the spread of </a:t>
-            </a:r>
-            <a:r>
-              <a:rPr lang="en"/>
-              <a:t>Coronavirus</a:t>
-            </a:r>
-            <a:r>
-              <a:rPr lang="en"/>
-              <a:t>?</a:t>
+              <a:t>Does Mobility trend have relationship with the spread of Coronavirus?</a:t>
             </a:r>
             <a:endParaRPr/>
           </a:p>
           <a:p>
-            <a:pPr indent="0" lvl="0" marL="0" rtl="0" algn="l">
+            <a:pPr marL="0" lvl="0" indent="0" algn="l" rtl="0">
               <a:spcBef>
                 <a:spcPts val="1200"/>
               </a:spcBef>
@@ -8299,7 +8394,7 @@
             <a:endParaRPr/>
           </a:p>
           <a:p>
-            <a:pPr indent="0" lvl="0" marL="0" rtl="0" algn="l">
+            <a:pPr marL="0" lvl="0" indent="0" algn="l" rtl="0">
               <a:spcBef>
                 <a:spcPts val="1200"/>
               </a:spcBef>
@@ -8308,13 +8403,10 @@
               </a:spcAft>
               <a:buNone/>
             </a:pPr>
-            <a:r>
-              <a:t/>
-            </a:r>
             <a:endParaRPr/>
           </a:p>
           <a:p>
-            <a:pPr indent="0" lvl="0" marL="0" rtl="0" algn="l">
+            <a:pPr marL="0" lvl="0" indent="0" algn="l" rtl="0">
               <a:spcBef>
                 <a:spcPts val="1200"/>
               </a:spcBef>
@@ -8330,7 +8422,7 @@
             <a:endParaRPr/>
           </a:p>
           <a:p>
-            <a:pPr indent="0" lvl="0" marL="0" rtl="0" algn="l">
+            <a:pPr marL="0" lvl="0" indent="0" algn="l" rtl="0">
               <a:spcBef>
                 <a:spcPts val="1200"/>
               </a:spcBef>
@@ -8356,11 +8448,11 @@
 </file>
 
 <file path=ppt/slides/slide3.xml><?xml version="1.0" encoding="utf-8"?>
-<p:sld xmlns:a="http://schemas.openxmlformats.org/drawingml/2006/main" xmlns:r="http://schemas.openxmlformats.org/officeDocument/2006/relationships" xmlns:mc="http://schemas.openxmlformats.org/markup-compatibility/2006" xmlns:mv="urn:schemas-microsoft-com:mac:vml" xmlns:p="http://schemas.openxmlformats.org/presentationml/2006/main" xmlns:c="http://schemas.openxmlformats.org/drawingml/2006/chart" xmlns:dgm="http://schemas.openxmlformats.org/drawingml/2006/diagram" xmlns:o="urn:schemas-microsoft-com:office:office" xmlns:v="urn:schemas-microsoft-com:vml" xmlns:pvml="urn:schemas-microsoft-com:office:powerpoint" xmlns:com="http://schemas.openxmlformats.org/drawingml/2006/compatibility" xmlns:p14="http://schemas.microsoft.com/office/powerpoint/2010/main" xmlns:p15="http://schemas.microsoft.com/office/powerpoint/2012/main" xmlns:ahyp="http://schemas.microsoft.com/office/drawing/2018/hyperlinkcolor">
+<p:sld xmlns:a="http://schemas.openxmlformats.org/drawingml/2006/main" xmlns:r="http://schemas.openxmlformats.org/officeDocument/2006/relationships" xmlns:p="http://schemas.openxmlformats.org/presentationml/2006/main">
   <p:cSld>
     <p:spTree>
       <p:nvGrpSpPr>
-        <p:cNvPr id="65" name="Shape 65"/>
+        <p:cNvPr id="1" name="Shape 65"/>
         <p:cNvGrpSpPr/>
         <p:nvPr/>
       </p:nvGrpSpPr>
@@ -8375,7 +8467,9 @@
       <p:sp>
         <p:nvSpPr>
           <p:cNvPr id="66" name="Google Shape;66;p15"/>
-          <p:cNvSpPr txBox="1"/>
+          <p:cNvSpPr txBox="1">
+            <a:spLocks noGrp="1"/>
+          </p:cNvSpPr>
           <p:nvPr>
             <p:ph type="title"/>
           </p:nvPr>
@@ -8390,12 +8484,12 @@
           </a:prstGeom>
         </p:spPr>
         <p:txBody>
-          <a:bodyPr anchorCtr="0" anchor="t" bIns="91425" lIns="91425" spcFirstLastPara="1" rIns="91425" wrap="square" tIns="91425">
+          <a:bodyPr spcFirstLastPara="1" wrap="square" lIns="91425" tIns="91425" rIns="91425" bIns="91425" anchor="t" anchorCtr="0">
             <a:normAutofit fontScale="90000"/>
           </a:bodyPr>
           <a:lstStyle/>
           <a:p>
-            <a:pPr indent="0" lvl="0" marL="0" rtl="0" algn="l">
+            <a:pPr marL="0" lvl="0" indent="0" algn="l" rtl="0">
               <a:spcBef>
                 <a:spcPts val="0"/>
               </a:spcBef>
@@ -8429,23 +8523,23 @@
           <a:solidFill>
             <a:schemeClr val="lt2"/>
           </a:solidFill>
-          <a:ln cap="flat" cmpd="sng" w="9525">
+          <a:ln w="9525" cap="flat" cmpd="sng">
             <a:solidFill>
               <a:schemeClr val="dk2"/>
             </a:solidFill>
             <a:prstDash val="solid"/>
             <a:round/>
-            <a:headEnd len="sm" w="sm" type="none"/>
-            <a:tailEnd len="sm" w="sm" type="none"/>
+            <a:headEnd type="none" w="sm" len="sm"/>
+            <a:tailEnd type="none" w="sm" len="sm"/>
           </a:ln>
         </p:spPr>
         <p:txBody>
-          <a:bodyPr anchorCtr="0" anchor="ctr" bIns="91425" lIns="91425" spcFirstLastPara="1" rIns="91425" wrap="square" tIns="91425">
+          <a:bodyPr spcFirstLastPara="1" wrap="square" lIns="91425" tIns="91425" rIns="91425" bIns="91425" anchor="ctr" anchorCtr="0">
             <a:noAutofit/>
           </a:bodyPr>
           <a:lstStyle/>
           <a:p>
-            <a:pPr indent="0" lvl="0" marL="0" rtl="0" algn="l">
+            <a:pPr marL="0" lvl="0" indent="0" algn="l" rtl="0">
               <a:spcBef>
                 <a:spcPts val="0"/>
               </a:spcBef>
@@ -8455,10 +8549,10 @@
               <a:buNone/>
             </a:pPr>
             <a:r>
-              <a:rPr b="1" lang="en" sz="2000"/>
+              <a:rPr lang="en" sz="2000" b="1"/>
               <a:t>Data Warehouse</a:t>
             </a:r>
-            <a:endParaRPr b="1" sz="2000"/>
+            <a:endParaRPr sz="2000" b="1"/>
           </a:p>
         </p:txBody>
       </p:sp>
@@ -8479,23 +8573,23 @@
           <a:solidFill>
             <a:schemeClr val="lt2"/>
           </a:solidFill>
-          <a:ln cap="flat" cmpd="sng" w="9525">
+          <a:ln w="9525" cap="flat" cmpd="sng">
             <a:solidFill>
               <a:schemeClr val="dk2"/>
             </a:solidFill>
             <a:prstDash val="solid"/>
             <a:round/>
-            <a:headEnd len="sm" w="sm" type="none"/>
-            <a:tailEnd len="sm" w="sm" type="none"/>
+            <a:headEnd type="none" w="sm" len="sm"/>
+            <a:tailEnd type="none" w="sm" len="sm"/>
           </a:ln>
         </p:spPr>
         <p:txBody>
-          <a:bodyPr anchorCtr="0" anchor="ctr" bIns="91425" lIns="91425" spcFirstLastPara="1" rIns="91425" wrap="square" tIns="91425">
+          <a:bodyPr spcFirstLastPara="1" wrap="square" lIns="91425" tIns="91425" rIns="91425" bIns="91425" anchor="ctr" anchorCtr="0">
             <a:noAutofit/>
           </a:bodyPr>
           <a:lstStyle/>
           <a:p>
-            <a:pPr indent="0" lvl="0" marL="0" rtl="0" algn="l">
+            <a:pPr marL="0" lvl="0" indent="0" algn="l" rtl="0">
               <a:spcBef>
                 <a:spcPts val="0"/>
               </a:spcBef>
@@ -8505,10 +8599,10 @@
               <a:buNone/>
             </a:pPr>
             <a:r>
-              <a:rPr b="1" lang="en" sz="2000"/>
+              <a:rPr lang="en" sz="2000" b="1"/>
               <a:t>Data Processing</a:t>
             </a:r>
-            <a:endParaRPr b="1" sz="2000"/>
+            <a:endParaRPr sz="2000" b="1"/>
           </a:p>
         </p:txBody>
       </p:sp>
@@ -8529,23 +8623,23 @@
           <a:solidFill>
             <a:schemeClr val="lt2"/>
           </a:solidFill>
-          <a:ln cap="flat" cmpd="sng" w="9525">
+          <a:ln w="9525" cap="flat" cmpd="sng">
             <a:solidFill>
               <a:schemeClr val="dk2"/>
             </a:solidFill>
             <a:prstDash val="solid"/>
             <a:round/>
-            <a:headEnd len="sm" w="sm" type="none"/>
-            <a:tailEnd len="sm" w="sm" type="none"/>
+            <a:headEnd type="none" w="sm" len="sm"/>
+            <a:tailEnd type="none" w="sm" len="sm"/>
           </a:ln>
         </p:spPr>
         <p:txBody>
-          <a:bodyPr anchorCtr="0" anchor="ctr" bIns="91425" lIns="91425" spcFirstLastPara="1" rIns="91425" wrap="square" tIns="91425">
+          <a:bodyPr spcFirstLastPara="1" wrap="square" lIns="91425" tIns="91425" rIns="91425" bIns="91425" anchor="ctr" anchorCtr="0">
             <a:noAutofit/>
           </a:bodyPr>
           <a:lstStyle/>
           <a:p>
-            <a:pPr indent="0" lvl="0" marL="0" rtl="0" algn="l">
+            <a:pPr marL="0" lvl="0" indent="0" algn="l" rtl="0">
               <a:spcBef>
                 <a:spcPts val="0"/>
               </a:spcBef>
@@ -8555,10 +8649,10 @@
               <a:buNone/>
             </a:pPr>
             <a:r>
-              <a:rPr b="1" lang="en" sz="2000"/>
+              <a:rPr lang="en" sz="2000" b="1"/>
               <a:t>Data Modeling</a:t>
             </a:r>
-            <a:endParaRPr b="1" sz="2000"/>
+            <a:endParaRPr sz="2000" b="1"/>
           </a:p>
         </p:txBody>
       </p:sp>
@@ -8575,30 +8669,30 @@
           </a:xfrm>
           <a:prstGeom prst="rightArrow">
             <a:avLst>
-              <a:gd fmla="val 50000" name="adj1"/>
-              <a:gd fmla="val 50000" name="adj2"/>
+              <a:gd name="adj1" fmla="val 50000"/>
+              <a:gd name="adj2" fmla="val 50000"/>
             </a:avLst>
           </a:prstGeom>
           <a:solidFill>
             <a:srgbClr val="CFE2F3"/>
           </a:solidFill>
-          <a:ln cap="flat" cmpd="sng" w="9525">
+          <a:ln w="9525" cap="flat" cmpd="sng">
             <a:solidFill>
               <a:schemeClr val="dk2"/>
             </a:solidFill>
             <a:prstDash val="solid"/>
             <a:round/>
-            <a:headEnd len="sm" w="sm" type="none"/>
-            <a:tailEnd len="sm" w="sm" type="none"/>
+            <a:headEnd type="none" w="sm" len="sm"/>
+            <a:tailEnd type="none" w="sm" len="sm"/>
           </a:ln>
         </p:spPr>
         <p:txBody>
-          <a:bodyPr anchorCtr="0" anchor="ctr" bIns="91425" lIns="91425" spcFirstLastPara="1" rIns="91425" wrap="square" tIns="91425">
+          <a:bodyPr spcFirstLastPara="1" wrap="square" lIns="91425" tIns="91425" rIns="91425" bIns="91425" anchor="ctr" anchorCtr="0">
             <a:noAutofit/>
           </a:bodyPr>
           <a:lstStyle/>
           <a:p>
-            <a:pPr indent="0" lvl="0" marL="0" rtl="0" algn="l">
+            <a:pPr marL="0" lvl="0" indent="0" algn="l" rtl="0">
               <a:spcBef>
                 <a:spcPts val="0"/>
               </a:spcBef>
@@ -8607,9 +8701,6 @@
               </a:spcAft>
               <a:buNone/>
             </a:pPr>
-            <a:r>
-              <a:t/>
-            </a:r>
             <a:endParaRPr/>
           </a:p>
         </p:txBody>
@@ -8627,30 +8718,30 @@
           </a:xfrm>
           <a:prstGeom prst="rightArrow">
             <a:avLst>
-              <a:gd fmla="val 50000" name="adj1"/>
-              <a:gd fmla="val 50000" name="adj2"/>
+              <a:gd name="adj1" fmla="val 50000"/>
+              <a:gd name="adj2" fmla="val 50000"/>
             </a:avLst>
           </a:prstGeom>
           <a:solidFill>
             <a:srgbClr val="C9DAF8"/>
           </a:solidFill>
-          <a:ln cap="flat" cmpd="sng" w="9525">
+          <a:ln w="9525" cap="flat" cmpd="sng">
             <a:solidFill>
               <a:schemeClr val="dk2"/>
             </a:solidFill>
             <a:prstDash val="solid"/>
             <a:round/>
-            <a:headEnd len="sm" w="sm" type="none"/>
-            <a:tailEnd len="sm" w="sm" type="none"/>
+            <a:headEnd type="none" w="sm" len="sm"/>
+            <a:tailEnd type="none" w="sm" len="sm"/>
           </a:ln>
         </p:spPr>
         <p:txBody>
-          <a:bodyPr anchorCtr="0" anchor="ctr" bIns="91425" lIns="91425" spcFirstLastPara="1" rIns="91425" wrap="square" tIns="91425">
+          <a:bodyPr spcFirstLastPara="1" wrap="square" lIns="91425" tIns="91425" rIns="91425" bIns="91425" anchor="ctr" anchorCtr="0">
             <a:noAutofit/>
           </a:bodyPr>
           <a:lstStyle/>
           <a:p>
-            <a:pPr indent="0" lvl="0" marL="0" rtl="0" algn="l">
+            <a:pPr marL="0" lvl="0" indent="0" algn="l" rtl="0">
               <a:spcBef>
                 <a:spcPts val="0"/>
               </a:spcBef>
@@ -8659,9 +8750,6 @@
               </a:spcAft>
               <a:buNone/>
             </a:pPr>
-            <a:r>
-              <a:t/>
-            </a:r>
             <a:endParaRPr/>
           </a:p>
         </p:txBody>
@@ -8686,12 +8774,12 @@
           </a:ln>
         </p:spPr>
         <p:txBody>
-          <a:bodyPr anchorCtr="0" anchor="t" bIns="91425" lIns="91425" spcFirstLastPara="1" rIns="91425" wrap="square" tIns="91425">
+          <a:bodyPr spcFirstLastPara="1" wrap="square" lIns="91425" tIns="91425" rIns="91425" bIns="91425" anchor="t" anchorCtr="0">
             <a:spAutoFit/>
           </a:bodyPr>
           <a:lstStyle/>
           <a:p>
-            <a:pPr indent="0" lvl="0" marL="0" rtl="0" algn="l">
+            <a:pPr marL="0" lvl="0" indent="0" algn="l" rtl="0">
               <a:spcBef>
                 <a:spcPts val="0"/>
               </a:spcBef>
@@ -8728,12 +8816,12 @@
           </a:ln>
         </p:spPr>
         <p:txBody>
-          <a:bodyPr anchorCtr="0" anchor="t" bIns="91425" lIns="91425" spcFirstLastPara="1" rIns="91425" wrap="square" tIns="91425">
+          <a:bodyPr spcFirstLastPara="1" wrap="square" lIns="91425" tIns="91425" rIns="91425" bIns="91425" anchor="t" anchorCtr="0">
             <a:spAutoFit/>
           </a:bodyPr>
           <a:lstStyle/>
           <a:p>
-            <a:pPr indent="0" lvl="0" marL="0" rtl="0" algn="l">
+            <a:pPr marL="0" lvl="0" indent="0" algn="l" rtl="0">
               <a:spcBef>
                 <a:spcPts val="0"/>
               </a:spcBef>
@@ -8770,12 +8858,12 @@
           </a:ln>
         </p:spPr>
         <p:txBody>
-          <a:bodyPr anchorCtr="0" anchor="t" bIns="91425" lIns="91425" spcFirstLastPara="1" rIns="91425" wrap="square" tIns="91425">
+          <a:bodyPr spcFirstLastPara="1" wrap="square" lIns="91425" tIns="91425" rIns="91425" bIns="91425" anchor="t" anchorCtr="0">
             <a:spAutoFit/>
           </a:bodyPr>
           <a:lstStyle/>
           <a:p>
-            <a:pPr indent="0" lvl="0" marL="0" rtl="0" algn="l">
+            <a:pPr marL="0" lvl="0" indent="0" algn="l" rtl="0">
               <a:spcBef>
                 <a:spcPts val="0"/>
               </a:spcBef>
@@ -8812,12 +8900,12 @@
           </a:ln>
         </p:spPr>
         <p:txBody>
-          <a:bodyPr anchorCtr="0" anchor="t" bIns="91425" lIns="91425" spcFirstLastPara="1" rIns="91425" wrap="square" tIns="91425">
+          <a:bodyPr spcFirstLastPara="1" wrap="square" lIns="91425" tIns="91425" rIns="91425" bIns="91425" anchor="t" anchorCtr="0">
             <a:spAutoFit/>
           </a:bodyPr>
           <a:lstStyle/>
           <a:p>
-            <a:pPr indent="-317500" lvl="0" marL="457200" rtl="0" algn="l">
+            <a:pPr marL="457200" lvl="0" indent="-317500" algn="l" rtl="0">
               <a:spcBef>
                 <a:spcPts val="0"/>
               </a:spcBef>
@@ -8834,7 +8922,7 @@
             <a:endParaRPr/>
           </a:p>
           <a:p>
-            <a:pPr indent="-317500" lvl="0" marL="457200" rtl="0" algn="l">
+            <a:pPr marL="457200" lvl="0" indent="-317500" algn="l" rtl="0">
               <a:spcBef>
                 <a:spcPts val="0"/>
               </a:spcBef>
@@ -8851,7 +8939,7 @@
             <a:endParaRPr/>
           </a:p>
           <a:p>
-            <a:pPr indent="-317500" lvl="0" marL="457200" rtl="0" algn="l">
+            <a:pPr marL="457200" lvl="0" indent="-317500" algn="l" rtl="0">
               <a:spcBef>
                 <a:spcPts val="0"/>
               </a:spcBef>
@@ -8889,12 +8977,12 @@
           </a:ln>
         </p:spPr>
         <p:txBody>
-          <a:bodyPr anchorCtr="0" anchor="t" bIns="91425" lIns="91425" spcFirstLastPara="1" rIns="91425" wrap="square" tIns="91425">
+          <a:bodyPr spcFirstLastPara="1" wrap="square" lIns="91425" tIns="91425" rIns="91425" bIns="91425" anchor="t" anchorCtr="0">
             <a:spAutoFit/>
           </a:bodyPr>
           <a:lstStyle/>
           <a:p>
-            <a:pPr indent="-317500" lvl="0" marL="457200" rtl="0" algn="l">
+            <a:pPr marL="457200" lvl="0" indent="-317500" algn="l" rtl="0">
               <a:spcBef>
                 <a:spcPts val="0"/>
               </a:spcBef>
@@ -8906,20 +8994,12 @@
             </a:pPr>
             <a:r>
               <a:rPr lang="en"/>
-              <a:t>Retrieve, filter and </a:t>
-            </a:r>
-            <a:r>
-              <a:rPr lang="en"/>
-              <a:t>aggregate</a:t>
-            </a:r>
-            <a:r>
-              <a:rPr lang="en"/>
-              <a:t> data</a:t>
+              <a:t>Retrieve, filter and aggregate data</a:t>
             </a:r>
             <a:endParaRPr/>
           </a:p>
           <a:p>
-            <a:pPr indent="-317500" lvl="0" marL="457200" rtl="0" algn="l">
+            <a:pPr marL="457200" lvl="0" indent="-317500" algn="l" rtl="0">
               <a:spcBef>
                 <a:spcPts val="0"/>
               </a:spcBef>
@@ -8957,12 +9037,12 @@
           </a:ln>
         </p:spPr>
         <p:txBody>
-          <a:bodyPr anchorCtr="0" anchor="t" bIns="91425" lIns="91425" spcFirstLastPara="1" rIns="91425" wrap="square" tIns="91425">
+          <a:bodyPr spcFirstLastPara="1" wrap="square" lIns="91425" tIns="91425" rIns="91425" bIns="91425" anchor="t" anchorCtr="0">
             <a:spAutoFit/>
           </a:bodyPr>
           <a:lstStyle/>
           <a:p>
-            <a:pPr indent="-317500" lvl="0" marL="457200" rtl="0" algn="l">
+            <a:pPr marL="457200" lvl="0" indent="-317500" algn="l" rtl="0">
               <a:spcBef>
                 <a:spcPts val="0"/>
               </a:spcBef>
@@ -8979,7 +9059,7 @@
             <a:endParaRPr/>
           </a:p>
           <a:p>
-            <a:pPr indent="-317500" lvl="0" marL="457200" rtl="0" algn="l">
+            <a:pPr marL="457200" lvl="0" indent="-317500" algn="l" rtl="0">
               <a:spcBef>
                 <a:spcPts val="0"/>
               </a:spcBef>
@@ -8996,7 +9076,7 @@
             <a:endParaRPr/>
           </a:p>
           <a:p>
-            <a:pPr indent="-317500" lvl="0" marL="457200" rtl="0" algn="l">
+            <a:pPr marL="457200" lvl="0" indent="-317500" algn="l" rtl="0">
               <a:spcBef>
                 <a:spcPts val="0"/>
               </a:spcBef>
@@ -9023,11 +9103,11 @@
 </file>
 
 <file path=ppt/slides/slide4.xml><?xml version="1.0" encoding="utf-8"?>
-<p:sld xmlns:a="http://schemas.openxmlformats.org/drawingml/2006/main" xmlns:r="http://schemas.openxmlformats.org/officeDocument/2006/relationships" xmlns:mc="http://schemas.openxmlformats.org/markup-compatibility/2006" xmlns:mv="urn:schemas-microsoft-com:mac:vml" xmlns:p="http://schemas.openxmlformats.org/presentationml/2006/main" xmlns:c="http://schemas.openxmlformats.org/drawingml/2006/chart" xmlns:dgm="http://schemas.openxmlformats.org/drawingml/2006/diagram" xmlns:o="urn:schemas-microsoft-com:office:office" xmlns:v="urn:schemas-microsoft-com:vml" xmlns:pvml="urn:schemas-microsoft-com:office:powerpoint" xmlns:com="http://schemas.openxmlformats.org/drawingml/2006/compatibility" xmlns:p14="http://schemas.microsoft.com/office/powerpoint/2010/main" xmlns:p15="http://schemas.microsoft.com/office/powerpoint/2012/main" xmlns:ahyp="http://schemas.microsoft.com/office/drawing/2018/hyperlinkcolor">
+<p:sld xmlns:a="http://schemas.openxmlformats.org/drawingml/2006/main" xmlns:r="http://schemas.openxmlformats.org/officeDocument/2006/relationships" xmlns:p="http://schemas.openxmlformats.org/presentationml/2006/main">
   <p:cSld>
     <p:spTree>
       <p:nvGrpSpPr>
-        <p:cNvPr id="81" name="Shape 81"/>
+        <p:cNvPr id="1" name="Shape 81"/>
         <p:cNvGrpSpPr/>
         <p:nvPr/>
       </p:nvGrpSpPr>
@@ -9042,7 +9122,9 @@
       <p:sp>
         <p:nvSpPr>
           <p:cNvPr id="82" name="Google Shape;82;p16"/>
-          <p:cNvSpPr txBox="1"/>
+          <p:cNvSpPr txBox="1">
+            <a:spLocks noGrp="1"/>
+          </p:cNvSpPr>
           <p:nvPr>
             <p:ph type="title"/>
           </p:nvPr>
@@ -9057,12 +9139,12 @@
           </a:prstGeom>
         </p:spPr>
         <p:txBody>
-          <a:bodyPr anchorCtr="0" anchor="t" bIns="91425" lIns="91425" spcFirstLastPara="1" rIns="91425" wrap="square" tIns="91425">
+          <a:bodyPr spcFirstLastPara="1" wrap="square" lIns="91425" tIns="91425" rIns="91425" bIns="91425" anchor="t" anchorCtr="0">
             <a:normAutofit fontScale="90000"/>
           </a:bodyPr>
           <a:lstStyle/>
           <a:p>
-            <a:pPr indent="0" lvl="0" marL="0" rtl="0" algn="l">
+            <a:pPr marL="0" lvl="0" indent="0" algn="l" rtl="0">
               <a:spcBef>
                 <a:spcPts val="0"/>
               </a:spcBef>
@@ -9082,9 +9164,11 @@
       <p:sp>
         <p:nvSpPr>
           <p:cNvPr id="83" name="Google Shape;83;p16"/>
-          <p:cNvSpPr txBox="1"/>
+          <p:cNvSpPr txBox="1">
+            <a:spLocks noGrp="1"/>
+          </p:cNvSpPr>
           <p:nvPr>
-            <p:ph idx="1" type="body"/>
+            <p:ph type="body" idx="1"/>
           </p:nvPr>
         </p:nvSpPr>
         <p:spPr>
@@ -9097,12 +9181,12 @@
           </a:prstGeom>
         </p:spPr>
         <p:txBody>
-          <a:bodyPr anchorCtr="0" anchor="t" bIns="91425" lIns="91425" spcFirstLastPara="1" rIns="91425" wrap="square" tIns="91425">
+          <a:bodyPr spcFirstLastPara="1" wrap="square" lIns="91425" tIns="91425" rIns="91425" bIns="91425" anchor="t" anchorCtr="0">
             <a:spAutoFit/>
           </a:bodyPr>
           <a:lstStyle/>
           <a:p>
-            <a:pPr indent="0" lvl="0" marL="0" rtl="0" algn="l">
+            <a:pPr marL="0" lvl="0" indent="0" algn="l" rtl="0">
               <a:spcBef>
                 <a:spcPts val="0"/>
               </a:spcBef>
@@ -9132,7 +9216,7 @@
             </a:endParaRPr>
           </a:p>
           <a:p>
-            <a:pPr indent="0" lvl="0" marL="0" rtl="0" algn="l">
+            <a:pPr marL="0" lvl="0" indent="0" algn="l" rtl="0">
               <a:spcBef>
                 <a:spcPts val="1200"/>
               </a:spcBef>
@@ -9141,9 +9225,6 @@
               </a:spcAft>
               <a:buNone/>
             </a:pPr>
-            <a:r>
-              <a:t/>
-            </a:r>
             <a:endParaRPr sz="1200">
               <a:solidFill>
                 <a:srgbClr val="24292E"/>
@@ -9154,7 +9235,7 @@
             </a:endParaRPr>
           </a:p>
           <a:p>
-            <a:pPr indent="0" lvl="0" marL="0" rtl="0" algn="l">
+            <a:pPr marL="0" lvl="0" indent="0" algn="l" rtl="0">
               <a:spcBef>
                 <a:spcPts val="1200"/>
               </a:spcBef>
@@ -9168,9 +9249,6 @@
               <a:buFont typeface="Arial"/>
               <a:buNone/>
             </a:pPr>
-            <a:r>
-              <a:t/>
-            </a:r>
             <a:endParaRPr sz="1200">
               <a:solidFill>
                 <a:srgbClr val="24292E"/>
@@ -9181,7 +9259,7 @@
             </a:endParaRPr>
           </a:p>
           <a:p>
-            <a:pPr indent="0" lvl="0" marL="0" rtl="0" algn="l">
+            <a:pPr marL="0" lvl="0" indent="0" algn="l" rtl="0">
               <a:spcBef>
                 <a:spcPts val="1200"/>
               </a:spcBef>
@@ -9190,9 +9268,6 @@
               </a:spcAft>
               <a:buNone/>
             </a:pPr>
-            <a:r>
-              <a:t/>
-            </a:r>
             <a:endParaRPr sz="1200">
               <a:solidFill>
                 <a:srgbClr val="24292E"/>
@@ -9203,7 +9278,7 @@
             </a:endParaRPr>
           </a:p>
           <a:p>
-            <a:pPr indent="0" lvl="0" marL="0" rtl="0" algn="l">
+            <a:pPr marL="0" lvl="0" indent="0" algn="l" rtl="0">
               <a:spcBef>
                 <a:spcPts val="1200"/>
               </a:spcBef>
@@ -9212,9 +9287,6 @@
               </a:spcAft>
               <a:buNone/>
             </a:pPr>
-            <a:r>
-              <a:t/>
-            </a:r>
             <a:endParaRPr sz="1200">
               <a:solidFill>
                 <a:srgbClr val="24292E"/>
@@ -9225,7 +9297,7 @@
             </a:endParaRPr>
           </a:p>
           <a:p>
-            <a:pPr indent="0" lvl="0" marL="0" rtl="0" algn="l">
+            <a:pPr marL="0" lvl="0" indent="0" algn="l" rtl="0">
               <a:spcBef>
                 <a:spcPts val="1200"/>
               </a:spcBef>
@@ -9273,11 +9345,11 @@
 </file>
 
 <file path=ppt/slides/slide5.xml><?xml version="1.0" encoding="utf-8"?>
-<p:sld xmlns:a="http://schemas.openxmlformats.org/drawingml/2006/main" xmlns:r="http://schemas.openxmlformats.org/officeDocument/2006/relationships" xmlns:mc="http://schemas.openxmlformats.org/markup-compatibility/2006" xmlns:mv="urn:schemas-microsoft-com:mac:vml" xmlns:p="http://schemas.openxmlformats.org/presentationml/2006/main" xmlns:c="http://schemas.openxmlformats.org/drawingml/2006/chart" xmlns:dgm="http://schemas.openxmlformats.org/drawingml/2006/diagram" xmlns:o="urn:schemas-microsoft-com:office:office" xmlns:v="urn:schemas-microsoft-com:vml" xmlns:pvml="urn:schemas-microsoft-com:office:powerpoint" xmlns:com="http://schemas.openxmlformats.org/drawingml/2006/compatibility" xmlns:p14="http://schemas.microsoft.com/office/powerpoint/2010/main" xmlns:p15="http://schemas.microsoft.com/office/powerpoint/2012/main" xmlns:ahyp="http://schemas.microsoft.com/office/drawing/2018/hyperlinkcolor">
+<p:sld xmlns:a="http://schemas.openxmlformats.org/drawingml/2006/main" xmlns:r="http://schemas.openxmlformats.org/officeDocument/2006/relationships" xmlns:p="http://schemas.openxmlformats.org/presentationml/2006/main">
   <p:cSld>
     <p:spTree>
       <p:nvGrpSpPr>
-        <p:cNvPr id="87" name="Shape 87"/>
+        <p:cNvPr id="1" name="Shape 87"/>
         <p:cNvGrpSpPr/>
         <p:nvPr/>
       </p:nvGrpSpPr>
@@ -9292,7 +9364,9 @@
       <p:sp>
         <p:nvSpPr>
           <p:cNvPr id="88" name="Google Shape;88;p17"/>
-          <p:cNvSpPr txBox="1"/>
+          <p:cNvSpPr txBox="1">
+            <a:spLocks noGrp="1"/>
+          </p:cNvSpPr>
           <p:nvPr>
             <p:ph type="title"/>
           </p:nvPr>
@@ -9307,12 +9381,12 @@
           </a:prstGeom>
         </p:spPr>
         <p:txBody>
-          <a:bodyPr anchorCtr="0" anchor="t" bIns="91425" lIns="91425" spcFirstLastPara="1" rIns="91425" wrap="square" tIns="91425">
+          <a:bodyPr spcFirstLastPara="1" wrap="square" lIns="91425" tIns="91425" rIns="91425" bIns="91425" anchor="t" anchorCtr="0">
             <a:normAutofit fontScale="90000"/>
           </a:bodyPr>
           <a:lstStyle/>
           <a:p>
-            <a:pPr indent="0" lvl="0" marL="0" rtl="0" algn="l">
+            <a:pPr marL="0" lvl="0" indent="0" algn="l" rtl="0">
               <a:spcBef>
                 <a:spcPts val="0"/>
               </a:spcBef>
@@ -9332,9 +9406,11 @@
       <p:sp>
         <p:nvSpPr>
           <p:cNvPr id="89" name="Google Shape;89;p17"/>
-          <p:cNvSpPr txBox="1"/>
+          <p:cNvSpPr txBox="1">
+            <a:spLocks noGrp="1"/>
+          </p:cNvSpPr>
           <p:nvPr>
-            <p:ph idx="1" type="body"/>
+            <p:ph type="body" idx="1"/>
           </p:nvPr>
         </p:nvSpPr>
         <p:spPr>
@@ -9347,12 +9423,12 @@
           </a:prstGeom>
         </p:spPr>
         <p:txBody>
-          <a:bodyPr anchorCtr="0" anchor="t" bIns="91425" lIns="91425" spcFirstLastPara="1" rIns="91425" wrap="square" tIns="91425">
+          <a:bodyPr spcFirstLastPara="1" wrap="square" lIns="91425" tIns="91425" rIns="91425" bIns="91425" anchor="t" anchorCtr="0">
             <a:normAutofit/>
           </a:bodyPr>
           <a:lstStyle/>
           <a:p>
-            <a:pPr indent="0" lvl="0" marL="0" rtl="0" algn="l">
+            <a:pPr marL="0" lvl="0" indent="0" algn="l" rtl="0">
               <a:spcBef>
                 <a:spcPts val="0"/>
               </a:spcBef>
@@ -9387,7 +9463,7 @@
             </a:endParaRPr>
           </a:p>
           <a:p>
-            <a:pPr indent="0" lvl="0" marL="0" rtl="0" algn="l">
+            <a:pPr marL="0" lvl="0" indent="0" algn="l" rtl="0">
               <a:spcBef>
                 <a:spcPts val="1200"/>
               </a:spcBef>
@@ -9422,7 +9498,7 @@
             </a:endParaRPr>
           </a:p>
           <a:p>
-            <a:pPr indent="0" lvl="0" marL="0" rtl="0" algn="l">
+            <a:pPr marL="0" lvl="0" indent="0" algn="l" rtl="0">
               <a:spcBef>
                 <a:spcPts val="1200"/>
               </a:spcBef>
@@ -9457,7 +9533,7 @@
             </a:endParaRPr>
           </a:p>
           <a:p>
-            <a:pPr indent="0" lvl="0" marL="0" rtl="0" algn="l">
+            <a:pPr marL="0" lvl="0" indent="0" algn="l" rtl="0">
               <a:spcBef>
                 <a:spcPts val="1200"/>
               </a:spcBef>
@@ -9492,7 +9568,7 @@
             </a:endParaRPr>
           </a:p>
           <a:p>
-            <a:pPr indent="0" lvl="0" marL="0" rtl="0" algn="l">
+            <a:pPr marL="0" lvl="0" indent="0" algn="l" rtl="0">
               <a:spcBef>
                 <a:spcPts val="1200"/>
               </a:spcBef>
@@ -9527,7 +9603,7 @@
             </a:endParaRPr>
           </a:p>
           <a:p>
-            <a:pPr indent="0" lvl="0" marL="0" rtl="0" algn="l">
+            <a:pPr marL="0" lvl="0" indent="0" algn="l" rtl="0">
               <a:spcBef>
                 <a:spcPts val="1200"/>
               </a:spcBef>
@@ -9565,11 +9641,11 @@
 </file>
 
 <file path=ppt/slides/slide6.xml><?xml version="1.0" encoding="utf-8"?>
-<p:sld xmlns:a="http://schemas.openxmlformats.org/drawingml/2006/main" xmlns:r="http://schemas.openxmlformats.org/officeDocument/2006/relationships" xmlns:mc="http://schemas.openxmlformats.org/markup-compatibility/2006" xmlns:mv="urn:schemas-microsoft-com:mac:vml" xmlns:p="http://schemas.openxmlformats.org/presentationml/2006/main" xmlns:c="http://schemas.openxmlformats.org/drawingml/2006/chart" xmlns:dgm="http://schemas.openxmlformats.org/drawingml/2006/diagram" xmlns:o="urn:schemas-microsoft-com:office:office" xmlns:v="urn:schemas-microsoft-com:vml" xmlns:pvml="urn:schemas-microsoft-com:office:powerpoint" xmlns:com="http://schemas.openxmlformats.org/drawingml/2006/compatibility" xmlns:p14="http://schemas.microsoft.com/office/powerpoint/2010/main" xmlns:p15="http://schemas.microsoft.com/office/powerpoint/2012/main" xmlns:ahyp="http://schemas.microsoft.com/office/drawing/2018/hyperlinkcolor">
+<p:sld xmlns:a="http://schemas.openxmlformats.org/drawingml/2006/main" xmlns:r="http://schemas.openxmlformats.org/officeDocument/2006/relationships" xmlns:p="http://schemas.openxmlformats.org/presentationml/2006/main">
   <p:cSld>
     <p:spTree>
       <p:nvGrpSpPr>
-        <p:cNvPr id="93" name="Shape 93"/>
+        <p:cNvPr id="1" name="Shape 93"/>
         <p:cNvGrpSpPr/>
         <p:nvPr/>
       </p:nvGrpSpPr>
@@ -9584,7 +9660,9 @@
       <p:sp>
         <p:nvSpPr>
           <p:cNvPr id="94" name="Google Shape;94;p18"/>
-          <p:cNvSpPr txBox="1"/>
+          <p:cNvSpPr txBox="1">
+            <a:spLocks noGrp="1"/>
+          </p:cNvSpPr>
           <p:nvPr>
             <p:ph type="title"/>
           </p:nvPr>
@@ -9599,12 +9677,12 @@
           </a:prstGeom>
         </p:spPr>
         <p:txBody>
-          <a:bodyPr anchorCtr="0" anchor="t" bIns="91425" lIns="91425" spcFirstLastPara="1" rIns="91425" wrap="square" tIns="91425">
+          <a:bodyPr spcFirstLastPara="1" wrap="square" lIns="91425" tIns="91425" rIns="91425" bIns="91425" anchor="t" anchorCtr="0">
             <a:normAutofit fontScale="90000"/>
           </a:bodyPr>
           <a:lstStyle/>
           <a:p>
-            <a:pPr indent="0" lvl="0" marL="0" rtl="0" algn="l">
+            <a:pPr marL="0" lvl="0" indent="0" algn="l" rtl="0">
               <a:spcBef>
                 <a:spcPts val="0"/>
               </a:spcBef>
@@ -9697,12 +9775,12 @@
           </a:ln>
         </p:spPr>
         <p:txBody>
-          <a:bodyPr anchorCtr="0" anchor="t" bIns="91425" lIns="91425" spcFirstLastPara="1" rIns="91425" wrap="square" tIns="91425">
+          <a:bodyPr spcFirstLastPara="1" wrap="square" lIns="91425" tIns="91425" rIns="91425" bIns="91425" anchor="t" anchorCtr="0">
             <a:spAutoFit/>
           </a:bodyPr>
           <a:lstStyle/>
           <a:p>
-            <a:pPr indent="0" lvl="0" marL="0" rtl="0" algn="l">
+            <a:pPr marL="0" lvl="0" indent="0" algn="l" rtl="0">
               <a:spcBef>
                 <a:spcPts val="0"/>
               </a:spcBef>
@@ -9713,11 +9791,7 @@
             </a:pPr>
             <a:r>
               <a:rPr lang="en" sz="1300"/>
-              <a:t>*</a:t>
-            </a:r>
-            <a:r>
-              <a:rPr lang="en" sz="1300"/>
-              <a:t>Data shown here comes from Idaho, Texas, California, Virginia</a:t>
+              <a:t>*Data shown here comes from Idaho, Texas, California, Virginia</a:t>
             </a:r>
             <a:endParaRPr sz="1300"/>
           </a:p>
@@ -9732,11 +9806,11 @@
 </file>
 
 <file path=ppt/slides/slide7.xml><?xml version="1.0" encoding="utf-8"?>
-<p:sld xmlns:a="http://schemas.openxmlformats.org/drawingml/2006/main" xmlns:r="http://schemas.openxmlformats.org/officeDocument/2006/relationships" xmlns:mc="http://schemas.openxmlformats.org/markup-compatibility/2006" xmlns:mv="urn:schemas-microsoft-com:mac:vml" xmlns:p="http://schemas.openxmlformats.org/presentationml/2006/main" xmlns:c="http://schemas.openxmlformats.org/drawingml/2006/chart" xmlns:dgm="http://schemas.openxmlformats.org/drawingml/2006/diagram" xmlns:o="urn:schemas-microsoft-com:office:office" xmlns:v="urn:schemas-microsoft-com:vml" xmlns:pvml="urn:schemas-microsoft-com:office:powerpoint" xmlns:com="http://schemas.openxmlformats.org/drawingml/2006/compatibility" xmlns:p14="http://schemas.microsoft.com/office/powerpoint/2010/main" xmlns:p15="http://schemas.microsoft.com/office/powerpoint/2012/main" xmlns:ahyp="http://schemas.microsoft.com/office/drawing/2018/hyperlinkcolor">
+<p:sld xmlns:a="http://schemas.openxmlformats.org/drawingml/2006/main" xmlns:r="http://schemas.openxmlformats.org/officeDocument/2006/relationships" xmlns:p="http://schemas.openxmlformats.org/presentationml/2006/main">
   <p:cSld>
     <p:spTree>
       <p:nvGrpSpPr>
-        <p:cNvPr id="101" name="Shape 101"/>
+        <p:cNvPr id="1" name="Shape 101"/>
         <p:cNvGrpSpPr/>
         <p:nvPr/>
       </p:nvGrpSpPr>
@@ -9751,9 +9825,11 @@
       <p:sp>
         <p:nvSpPr>
           <p:cNvPr id="102" name="Google Shape;102;p19"/>
-          <p:cNvSpPr txBox="1"/>
+          <p:cNvSpPr txBox="1">
+            <a:spLocks noGrp="1"/>
+          </p:cNvSpPr>
           <p:nvPr>
-            <p:ph idx="1" type="body"/>
+            <p:ph type="body" idx="1"/>
           </p:nvPr>
         </p:nvSpPr>
         <p:spPr>
@@ -9766,12 +9842,12 @@
           </a:prstGeom>
         </p:spPr>
         <p:txBody>
-          <a:bodyPr anchorCtr="0" anchor="t" bIns="91425" lIns="91425" spcFirstLastPara="1" rIns="91425" wrap="square" tIns="91425">
+          <a:bodyPr spcFirstLastPara="1" wrap="square" lIns="91425" tIns="91425" rIns="91425" bIns="91425" anchor="t" anchorCtr="0">
             <a:spAutoFit/>
           </a:bodyPr>
           <a:lstStyle/>
           <a:p>
-            <a:pPr indent="0" lvl="0" marL="0" rtl="0" algn="l">
+            <a:pPr marL="0" lvl="0" indent="0" algn="l" rtl="0">
               <a:lnSpc>
                 <a:spcPct val="100000"/>
               </a:lnSpc>
@@ -9799,7 +9875,7 @@
             <a:endParaRPr sz="1000"/>
           </a:p>
           <a:p>
-            <a:pPr indent="0" lvl="0" marL="0" rtl="0" algn="l">
+            <a:pPr marL="0" lvl="0" indent="0" algn="l" rtl="0">
               <a:lnSpc>
                 <a:spcPct val="100000"/>
               </a:lnSpc>
@@ -9851,7 +9927,7 @@
             </a:endParaRPr>
           </a:p>
           <a:p>
-            <a:pPr indent="0" lvl="0" marL="0" rtl="0" algn="l">
+            <a:pPr marL="0" lvl="0" indent="0" algn="l" rtl="0">
               <a:lnSpc>
                 <a:spcPct val="100000"/>
               </a:lnSpc>
@@ -9940,11 +10016,11 @@
 </file>
 
 <file path=ppt/slides/slide8.xml><?xml version="1.0" encoding="utf-8"?>
-<p:sld xmlns:a="http://schemas.openxmlformats.org/drawingml/2006/main" xmlns:r="http://schemas.openxmlformats.org/officeDocument/2006/relationships" xmlns:mc="http://schemas.openxmlformats.org/markup-compatibility/2006" xmlns:mv="urn:schemas-microsoft-com:mac:vml" xmlns:p="http://schemas.openxmlformats.org/presentationml/2006/main" xmlns:c="http://schemas.openxmlformats.org/drawingml/2006/chart" xmlns:dgm="http://schemas.openxmlformats.org/drawingml/2006/diagram" xmlns:o="urn:schemas-microsoft-com:office:office" xmlns:v="urn:schemas-microsoft-com:vml" xmlns:pvml="urn:schemas-microsoft-com:office:powerpoint" xmlns:com="http://schemas.openxmlformats.org/drawingml/2006/compatibility" xmlns:p14="http://schemas.microsoft.com/office/powerpoint/2010/main" xmlns:p15="http://schemas.microsoft.com/office/powerpoint/2012/main" xmlns:ahyp="http://schemas.microsoft.com/office/drawing/2018/hyperlinkcolor">
+<p:sld xmlns:a="http://schemas.openxmlformats.org/drawingml/2006/main" xmlns:r="http://schemas.openxmlformats.org/officeDocument/2006/relationships" xmlns:p="http://schemas.openxmlformats.org/presentationml/2006/main">
   <p:cSld>
     <p:spTree>
       <p:nvGrpSpPr>
-        <p:cNvPr id="108" name="Shape 108"/>
+        <p:cNvPr id="1" name="Shape 108"/>
         <p:cNvGrpSpPr/>
         <p:nvPr/>
       </p:nvGrpSpPr>
@@ -9959,7 +10035,9 @@
       <p:sp>
         <p:nvSpPr>
           <p:cNvPr id="109" name="Google Shape;109;p20"/>
-          <p:cNvSpPr txBox="1"/>
+          <p:cNvSpPr txBox="1">
+            <a:spLocks noGrp="1"/>
+          </p:cNvSpPr>
           <p:nvPr>
             <p:ph type="title"/>
           </p:nvPr>
@@ -9974,12 +10052,12 @@
           </a:prstGeom>
         </p:spPr>
         <p:txBody>
-          <a:bodyPr anchorCtr="0" anchor="t" bIns="91425" lIns="91425" spcFirstLastPara="1" rIns="91425" wrap="square" tIns="91425">
+          <a:bodyPr spcFirstLastPara="1" wrap="square" lIns="91425" tIns="91425" rIns="91425" bIns="91425" anchor="t" anchorCtr="0">
             <a:normAutofit fontScale="90000"/>
           </a:bodyPr>
           <a:lstStyle/>
           <a:p>
-            <a:pPr indent="0" lvl="0" marL="0" rtl="0" algn="l">
+            <a:pPr marL="0" lvl="0" indent="0" algn="l" rtl="0">
               <a:spcBef>
                 <a:spcPts val="0"/>
               </a:spcBef>
@@ -10034,32 +10112,32 @@
   <p:timing>
     <p:tnLst>
       <p:par>
-        <p:cTn dur="indefinite" nodeType="tmRoot" restart="never">
+        <p:cTn id="1" dur="indefinite" restart="never" nodeType="tmRoot">
           <p:childTnLst>
             <p:seq concurrent="1" nextAc="seek">
-              <p:cTn dur="indefinite" id="2" nodeType="mainSeq">
+              <p:cTn id="2" dur="indefinite" nodeType="mainSeq">
                 <p:childTnLst>
                   <p:par>
-                    <p:cTn fill="hold">
+                    <p:cTn id="3" fill="hold">
                       <p:stCondLst>
                         <p:cond delay="indefinite"/>
                       </p:stCondLst>
                       <p:childTnLst>
                         <p:par>
-                          <p:cTn fill="hold">
+                          <p:cTn id="4" fill="hold">
                             <p:stCondLst>
                               <p:cond delay="0"/>
                             </p:stCondLst>
                             <p:childTnLst>
                               <p:par>
-                                <p:cTn fill="hold" nodeType="clickEffect" presetClass="entr" presetID="10" presetSubtype="0">
+                                <p:cTn id="5" presetID="10" presetClass="entr" presetSubtype="0" fill="hold" nodeType="clickEffect">
                                   <p:stCondLst>
                                     <p:cond delay="0"/>
                                   </p:stCondLst>
                                   <p:childTnLst>
                                     <p:set>
                                       <p:cBhvr>
-                                        <p:cTn dur="1" fill="hold">
+                                        <p:cTn id="6" dur="1" fill="hold">
                                           <p:stCondLst>
                                             <p:cond delay="0"/>
                                           </p:stCondLst>
@@ -10075,9 +10153,9 @@
                                         <p:strVal val="visible"/>
                                       </p:to>
                                     </p:set>
-                                    <p:animEffect filter="fade" transition="in">
+                                    <p:animEffect transition="in" filter="fade">
                                       <p:cBhvr>
-                                        <p:cTn dur="1000"/>
+                                        <p:cTn id="7" dur="1000"/>
                                         <p:tgtEl>
                                           <p:spTgt spid="110"/>
                                         </p:tgtEl>
@@ -10095,14 +10173,14 @@
                 </p:childTnLst>
               </p:cTn>
               <p:prevCondLst>
-                <p:cond evt="onPrev">
+                <p:cond evt="onPrev" delay="0">
                   <p:tgtEl>
                     <p:sldTgt/>
                   </p:tgtEl>
                 </p:cond>
               </p:prevCondLst>
               <p:nextCondLst>
-                <p:cond evt="onNext">
+                <p:cond evt="onNext" delay="0">
                   <p:tgtEl>
                     <p:sldTgt/>
                   </p:tgtEl>
@@ -10118,11 +10196,11 @@
 </file>
 
 <file path=ppt/slides/slide9.xml><?xml version="1.0" encoding="utf-8"?>
-<p:sld xmlns:a="http://schemas.openxmlformats.org/drawingml/2006/main" xmlns:r="http://schemas.openxmlformats.org/officeDocument/2006/relationships" xmlns:mc="http://schemas.openxmlformats.org/markup-compatibility/2006" xmlns:mv="urn:schemas-microsoft-com:mac:vml" xmlns:p="http://schemas.openxmlformats.org/presentationml/2006/main" xmlns:c="http://schemas.openxmlformats.org/drawingml/2006/chart" xmlns:dgm="http://schemas.openxmlformats.org/drawingml/2006/diagram" xmlns:o="urn:schemas-microsoft-com:office:office" xmlns:v="urn:schemas-microsoft-com:vml" xmlns:pvml="urn:schemas-microsoft-com:office:powerpoint" xmlns:com="http://schemas.openxmlformats.org/drawingml/2006/compatibility" xmlns:p14="http://schemas.microsoft.com/office/powerpoint/2010/main" xmlns:p15="http://schemas.microsoft.com/office/powerpoint/2012/main" xmlns:ahyp="http://schemas.microsoft.com/office/drawing/2018/hyperlinkcolor">
+<p:sld xmlns:a="http://schemas.openxmlformats.org/drawingml/2006/main" xmlns:r="http://schemas.openxmlformats.org/officeDocument/2006/relationships" xmlns:p="http://schemas.openxmlformats.org/presentationml/2006/main">
   <p:cSld>
     <p:spTree>
       <p:nvGrpSpPr>
-        <p:cNvPr id="114" name="Shape 114"/>
+        <p:cNvPr id="1" name="Shape 114"/>
         <p:cNvGrpSpPr/>
         <p:nvPr/>
       </p:nvGrpSpPr>
@@ -10137,7 +10215,9 @@
       <p:sp>
         <p:nvSpPr>
           <p:cNvPr id="115" name="Google Shape;115;p21"/>
-          <p:cNvSpPr txBox="1"/>
+          <p:cNvSpPr txBox="1">
+            <a:spLocks noGrp="1"/>
+          </p:cNvSpPr>
           <p:nvPr>
             <p:ph type="title"/>
           </p:nvPr>
@@ -10152,12 +10232,12 @@
           </a:prstGeom>
         </p:spPr>
         <p:txBody>
-          <a:bodyPr anchorCtr="0" anchor="t" bIns="91425" lIns="91425" spcFirstLastPara="1" rIns="91425" wrap="square" tIns="91425">
+          <a:bodyPr spcFirstLastPara="1" wrap="square" lIns="91425" tIns="91425" rIns="91425" bIns="91425" anchor="t" anchorCtr="0">
             <a:normAutofit fontScale="90000"/>
           </a:bodyPr>
           <a:lstStyle/>
           <a:p>
-            <a:pPr indent="0" lvl="0" marL="0" rtl="0" algn="l">
+            <a:pPr marL="0" lvl="0" indent="0" algn="l" rtl="0">
               <a:spcBef>
                 <a:spcPts val="0"/>
               </a:spcBef>
@@ -10177,9 +10257,11 @@
       <p:sp>
         <p:nvSpPr>
           <p:cNvPr id="116" name="Google Shape;116;p21"/>
-          <p:cNvSpPr txBox="1"/>
+          <p:cNvSpPr txBox="1">
+            <a:spLocks noGrp="1"/>
+          </p:cNvSpPr>
           <p:nvPr>
-            <p:ph idx="1" type="body"/>
+            <p:ph type="body" idx="1"/>
           </p:nvPr>
         </p:nvSpPr>
         <p:spPr>
@@ -10192,12 +10274,12 @@
           </a:prstGeom>
         </p:spPr>
         <p:txBody>
-          <a:bodyPr anchorCtr="0" anchor="t" bIns="91425" lIns="91425" spcFirstLastPara="1" rIns="91425" wrap="square" tIns="91425">
+          <a:bodyPr spcFirstLastPara="1" wrap="square" lIns="91425" tIns="91425" rIns="91425" bIns="91425" anchor="t" anchorCtr="0">
             <a:normAutofit lnSpcReduction="20000"/>
           </a:bodyPr>
           <a:lstStyle/>
           <a:p>
-            <a:pPr indent="0" lvl="0" marL="0" rtl="0" algn="l">
+            <a:pPr marL="0" lvl="0" indent="0" algn="l" rtl="0">
               <a:spcBef>
                 <a:spcPts val="0"/>
               </a:spcBef>
@@ -10208,16 +10290,12 @@
             </a:pPr>
             <a:r>
               <a:rPr lang="en"/>
-              <a:t>As we know, both the mobility trend and the number of new confirmed cases are time series. It is like</a:t>
-            </a:r>
-            <a:r>
-              <a:rPr lang="en"/>
-              <a:t>ly that the number of cases is related to the past lags of mobility trend because of the latent time and incubation period of virus. We used sample cross correlation function(CCF) to identify the lags of mobility trend variables that might be useful predictors of the number of new confirmed cases.</a:t>
+              <a:t>As we know, both the mobility trend and the number of new confirmed cases are time series. It is likely that the number of cases is related to the past lags of mobility trend because of the latent time and incubation period of virus. We used sample cross correlation function(CCF) to identify the lags of mobility trend variables that might be useful predictors of the number of new confirmed cases.</a:t>
             </a:r>
             <a:endParaRPr/>
           </a:p>
           <a:p>
-            <a:pPr indent="0" lvl="0" marL="0" rtl="0" algn="l">
+            <a:pPr marL="0" lvl="0" indent="0" algn="l" rtl="0">
               <a:spcBef>
                 <a:spcPts val="1200"/>
               </a:spcBef>
@@ -10226,13 +10304,10 @@
               </a:spcAft>
               <a:buNone/>
             </a:pPr>
-            <a:r>
-              <a:t/>
-            </a:r>
             <a:endParaRPr/>
           </a:p>
           <a:p>
-            <a:pPr indent="0" lvl="0" marL="0" rtl="0" algn="l">
+            <a:pPr marL="0" lvl="0" indent="0" algn="l" rtl="0">
               <a:spcBef>
                 <a:spcPts val="1200"/>
               </a:spcBef>
@@ -10241,13 +10316,10 @@
               </a:spcAft>
               <a:buNone/>
             </a:pPr>
-            <a:r>
-              <a:t/>
-            </a:r>
             <a:endParaRPr/>
           </a:p>
           <a:p>
-            <a:pPr indent="0" lvl="0" marL="0" rtl="0" algn="l">
+            <a:pPr marL="0" lvl="0" indent="0" algn="l" rtl="0">
               <a:spcBef>
                 <a:spcPts val="1200"/>
               </a:spcBef>
@@ -10256,13 +10328,10 @@
               </a:spcAft>
               <a:buNone/>
             </a:pPr>
-            <a:r>
-              <a:t/>
-            </a:r>
             <a:endParaRPr/>
           </a:p>
           <a:p>
-            <a:pPr indent="0" lvl="0" marL="0" rtl="0" algn="l">
+            <a:pPr marL="0" lvl="0" indent="0" algn="l" rtl="0">
               <a:spcBef>
                 <a:spcPts val="1200"/>
               </a:spcBef>
@@ -10288,7 +10357,288 @@
 </file>
 
 <file path=ppt/theme/theme1.xml><?xml version="1.0" encoding="utf-8"?>
-<a:theme xmlns:a="http://schemas.openxmlformats.org/drawingml/2006/main" xmlns:r="http://schemas.openxmlformats.org/officeDocument/2006/relationships">
+<a:theme xmlns:a="http://schemas.openxmlformats.org/drawingml/2006/main" name="Simple Light">
+  <a:themeElements>
+    <a:clrScheme name="Simple Light">
+      <a:dk1>
+        <a:srgbClr val="000000"/>
+      </a:dk1>
+      <a:lt1>
+        <a:srgbClr val="FFFFFF"/>
+      </a:lt1>
+      <a:dk2>
+        <a:srgbClr val="595959"/>
+      </a:dk2>
+      <a:lt2>
+        <a:srgbClr val="EEEEEE"/>
+      </a:lt2>
+      <a:accent1>
+        <a:srgbClr val="4285F4"/>
+      </a:accent1>
+      <a:accent2>
+        <a:srgbClr val="212121"/>
+      </a:accent2>
+      <a:accent3>
+        <a:srgbClr val="78909C"/>
+      </a:accent3>
+      <a:accent4>
+        <a:srgbClr val="FFAB40"/>
+      </a:accent4>
+      <a:accent5>
+        <a:srgbClr val="0097A7"/>
+      </a:accent5>
+      <a:accent6>
+        <a:srgbClr val="EEFF41"/>
+      </a:accent6>
+      <a:hlink>
+        <a:srgbClr val="0097A7"/>
+      </a:hlink>
+      <a:folHlink>
+        <a:srgbClr val="0097A7"/>
+      </a:folHlink>
+    </a:clrScheme>
+    <a:fontScheme name="Office">
+      <a:majorFont>
+        <a:latin typeface="Arial"/>
+        <a:ea typeface=""/>
+        <a:cs typeface=""/>
+        <a:font script="Jpan" typeface="ＭＳ Ｐゴシック"/>
+        <a:font script="Hang" typeface="맑은 고딕"/>
+        <a:font script="Hans" typeface="宋体"/>
+        <a:font script="Hant" typeface="新細明體"/>
+        <a:font script="Arab" typeface="Times New Roman"/>
+        <a:font script="Hebr" typeface="Times New Roman"/>
+        <a:font script="Thai" typeface="Angsana New"/>
+        <a:font script="Ethi" typeface="Nyala"/>
+        <a:font script="Beng" typeface="Vrinda"/>
+        <a:font script="Gujr" typeface="Shruti"/>
+        <a:font script="Khmr" typeface="MoolBoran"/>
+        <a:font script="Knda" typeface="Tunga"/>
+        <a:font script="Guru" typeface="Raavi"/>
+        <a:font script="Cans" typeface="Euphemia"/>
+        <a:font script="Cher" typeface="Plantagenet Cherokee"/>
+        <a:font script="Yiii" typeface="Microsoft Yi Baiti"/>
+        <a:font script="Tibt" typeface="Microsoft Himalaya"/>
+        <a:font script="Thaa" typeface="MV Boli"/>
+        <a:font script="Deva" typeface="Mangal"/>
+        <a:font script="Telu" typeface="Gautami"/>
+        <a:font script="Taml" typeface="Latha"/>
+        <a:font script="Syrc" typeface="Estrangelo Edessa"/>
+        <a:font script="Orya" typeface="Kalinga"/>
+        <a:font script="Mlym" typeface="Kartika"/>
+        <a:font script="Laoo" typeface="DokChampa"/>
+        <a:font script="Sinh" typeface="Iskoola Pota"/>
+        <a:font script="Mong" typeface="Mongolian Baiti"/>
+        <a:font script="Viet" typeface="Times New Roman"/>
+        <a:font script="Uigh" typeface="Microsoft Uighur"/>
+        <a:font script="Geor" typeface="Sylfaen"/>
+      </a:majorFont>
+      <a:minorFont>
+        <a:latin typeface="Arial"/>
+        <a:ea typeface=""/>
+        <a:cs typeface=""/>
+        <a:font script="Jpan" typeface="ＭＳ Ｐゴシック"/>
+        <a:font script="Hang" typeface="맑은 고딕"/>
+        <a:font script="Hans" typeface="宋体"/>
+        <a:font script="Hant" typeface="新細明體"/>
+        <a:font script="Arab" typeface="Arial"/>
+        <a:font script="Hebr" typeface="Arial"/>
+        <a:font script="Thai" typeface="Cordia New"/>
+        <a:font script="Ethi" typeface="Nyala"/>
+        <a:font script="Beng" typeface="Vrinda"/>
+        <a:font script="Gujr" typeface="Shruti"/>
+        <a:font script="Khmr" typeface="DaunPenh"/>
+        <a:font script="Knda" typeface="Tunga"/>
+        <a:font script="Guru" typeface="Raavi"/>
+        <a:font script="Cans" typeface="Euphemia"/>
+        <a:font script="Cher" typeface="Plantagenet Cherokee"/>
+        <a:font script="Yiii" typeface="Microsoft Yi Baiti"/>
+        <a:font script="Tibt" typeface="Microsoft Himalaya"/>
+        <a:font script="Thaa" typeface="MV Boli"/>
+        <a:font script="Deva" typeface="Mangal"/>
+        <a:font script="Telu" typeface="Gautami"/>
+        <a:font script="Taml" typeface="Latha"/>
+        <a:font script="Syrc" typeface="Estrangelo Edessa"/>
+        <a:font script="Orya" typeface="Kalinga"/>
+        <a:font script="Mlym" typeface="Kartika"/>
+        <a:font script="Laoo" typeface="DokChampa"/>
+        <a:font script="Sinh" typeface="Iskoola Pota"/>
+        <a:font script="Mong" typeface="Mongolian Baiti"/>
+        <a:font script="Viet" typeface="Arial"/>
+        <a:font script="Uigh" typeface="Microsoft Uighur"/>
+        <a:font script="Geor" typeface="Sylfaen"/>
+      </a:minorFont>
+    </a:fontScheme>
+    <a:fmtScheme name="Office">
+      <a:fillStyleLst>
+        <a:solidFill>
+          <a:schemeClr val="phClr"/>
+        </a:solidFill>
+        <a:gradFill rotWithShape="1">
+          <a:gsLst>
+            <a:gs pos="0">
+              <a:schemeClr val="phClr">
+                <a:tint val="50000"/>
+                <a:satMod val="300000"/>
+              </a:schemeClr>
+            </a:gs>
+            <a:gs pos="35000">
+              <a:schemeClr val="phClr">
+                <a:tint val="37000"/>
+                <a:satMod val="300000"/>
+              </a:schemeClr>
+            </a:gs>
+            <a:gs pos="100000">
+              <a:schemeClr val="phClr">
+                <a:tint val="15000"/>
+                <a:satMod val="350000"/>
+              </a:schemeClr>
+            </a:gs>
+          </a:gsLst>
+          <a:lin ang="16200000" scaled="1"/>
+        </a:gradFill>
+        <a:gradFill rotWithShape="1">
+          <a:gsLst>
+            <a:gs pos="0">
+              <a:schemeClr val="phClr">
+                <a:tint val="100000"/>
+                <a:shade val="100000"/>
+                <a:satMod val="130000"/>
+              </a:schemeClr>
+            </a:gs>
+            <a:gs pos="100000">
+              <a:schemeClr val="phClr">
+                <a:tint val="50000"/>
+                <a:shade val="100000"/>
+                <a:satMod val="350000"/>
+              </a:schemeClr>
+            </a:gs>
+          </a:gsLst>
+          <a:lin ang="16200000" scaled="0"/>
+        </a:gradFill>
+      </a:fillStyleLst>
+      <a:lnStyleLst>
+        <a:ln w="9525" cap="flat" cmpd="sng" algn="ctr">
+          <a:solidFill>
+            <a:schemeClr val="phClr">
+              <a:shade val="95000"/>
+              <a:satMod val="105000"/>
+            </a:schemeClr>
+          </a:solidFill>
+          <a:prstDash val="solid"/>
+        </a:ln>
+        <a:ln w="25400" cap="flat" cmpd="sng" algn="ctr">
+          <a:solidFill>
+            <a:schemeClr val="phClr"/>
+          </a:solidFill>
+          <a:prstDash val="solid"/>
+        </a:ln>
+        <a:ln w="38100" cap="flat" cmpd="sng" algn="ctr">
+          <a:solidFill>
+            <a:schemeClr val="phClr"/>
+          </a:solidFill>
+          <a:prstDash val="solid"/>
+        </a:ln>
+      </a:lnStyleLst>
+      <a:effectStyleLst>
+        <a:effectStyle>
+          <a:effectLst>
+            <a:outerShdw blurRad="40000" dist="20000" dir="5400000" rotWithShape="0">
+              <a:srgbClr val="000000">
+                <a:alpha val="38000"/>
+              </a:srgbClr>
+            </a:outerShdw>
+          </a:effectLst>
+        </a:effectStyle>
+        <a:effectStyle>
+          <a:effectLst>
+            <a:outerShdw blurRad="40000" dist="23000" dir="5400000" rotWithShape="0">
+              <a:srgbClr val="000000">
+                <a:alpha val="35000"/>
+              </a:srgbClr>
+            </a:outerShdw>
+          </a:effectLst>
+        </a:effectStyle>
+        <a:effectStyle>
+          <a:effectLst>
+            <a:outerShdw blurRad="40000" dist="23000" dir="5400000" rotWithShape="0">
+              <a:srgbClr val="000000">
+                <a:alpha val="35000"/>
+              </a:srgbClr>
+            </a:outerShdw>
+          </a:effectLst>
+          <a:scene3d>
+            <a:camera prst="orthographicFront">
+              <a:rot lat="0" lon="0" rev="0"/>
+            </a:camera>
+            <a:lightRig rig="threePt" dir="t">
+              <a:rot lat="0" lon="0" rev="1200000"/>
+            </a:lightRig>
+          </a:scene3d>
+          <a:sp3d>
+            <a:bevelT w="63500" h="25400"/>
+          </a:sp3d>
+        </a:effectStyle>
+      </a:effectStyleLst>
+      <a:bgFillStyleLst>
+        <a:solidFill>
+          <a:schemeClr val="phClr"/>
+        </a:solidFill>
+        <a:gradFill rotWithShape="1">
+          <a:gsLst>
+            <a:gs pos="0">
+              <a:schemeClr val="phClr">
+                <a:tint val="40000"/>
+                <a:satMod val="350000"/>
+              </a:schemeClr>
+            </a:gs>
+            <a:gs pos="40000">
+              <a:schemeClr val="phClr">
+                <a:tint val="45000"/>
+                <a:shade val="99000"/>
+                <a:satMod val="350000"/>
+              </a:schemeClr>
+            </a:gs>
+            <a:gs pos="100000">
+              <a:schemeClr val="phClr">
+                <a:shade val="20000"/>
+                <a:satMod val="255000"/>
+              </a:schemeClr>
+            </a:gs>
+          </a:gsLst>
+          <a:path path="circle">
+            <a:fillToRect l="50000" t="-80000" r="50000" b="180000"/>
+          </a:path>
+        </a:gradFill>
+        <a:gradFill rotWithShape="1">
+          <a:gsLst>
+            <a:gs pos="0">
+              <a:schemeClr val="phClr">
+                <a:tint val="80000"/>
+                <a:satMod val="300000"/>
+              </a:schemeClr>
+            </a:gs>
+            <a:gs pos="100000">
+              <a:schemeClr val="phClr">
+                <a:shade val="30000"/>
+                <a:satMod val="200000"/>
+              </a:schemeClr>
+            </a:gs>
+          </a:gsLst>
+          <a:path path="circle">
+            <a:fillToRect l="50000" t="50000" r="50000" b="50000"/>
+          </a:path>
+        </a:gradFill>
+      </a:bgFillStyleLst>
+    </a:fmtScheme>
+  </a:themeElements>
+  <a:objectDefaults/>
+  <a:extraClrSchemeLst/>
+</a:theme>
+</file>
+
+<file path=ppt/theme/theme2.xml><?xml version="1.0" encoding="utf-8"?>
+<a:theme xmlns:a="http://schemas.openxmlformats.org/drawingml/2006/main">
   <a:themeElements>
     <a:clrScheme name="Default">
       <a:dk1>
@@ -10563,284 +10913,7 @@
       </a:bgFillStyleLst>
     </a:fmtScheme>
   </a:themeElements>
-</a:theme>
-</file>
-
-<file path=ppt/theme/theme2.xml><?xml version="1.0" encoding="utf-8"?>
-<a:theme xmlns:a="http://schemas.openxmlformats.org/drawingml/2006/main" xmlns:r="http://schemas.openxmlformats.org/officeDocument/2006/relationships" name="Simple Light">
-  <a:themeElements>
-    <a:clrScheme name="Simple Light">
-      <a:dk1>
-        <a:srgbClr val="000000"/>
-      </a:dk1>
-      <a:lt1>
-        <a:srgbClr val="FFFFFF"/>
-      </a:lt1>
-      <a:dk2>
-        <a:srgbClr val="595959"/>
-      </a:dk2>
-      <a:lt2>
-        <a:srgbClr val="EEEEEE"/>
-      </a:lt2>
-      <a:accent1>
-        <a:srgbClr val="4285F4"/>
-      </a:accent1>
-      <a:accent2>
-        <a:srgbClr val="212121"/>
-      </a:accent2>
-      <a:accent3>
-        <a:srgbClr val="78909C"/>
-      </a:accent3>
-      <a:accent4>
-        <a:srgbClr val="FFAB40"/>
-      </a:accent4>
-      <a:accent5>
-        <a:srgbClr val="0097A7"/>
-      </a:accent5>
-      <a:accent6>
-        <a:srgbClr val="EEFF41"/>
-      </a:accent6>
-      <a:hlink>
-        <a:srgbClr val="0097A7"/>
-      </a:hlink>
-      <a:folHlink>
-        <a:srgbClr val="0097A7"/>
-      </a:folHlink>
-    </a:clrScheme>
-    <a:fontScheme name="Office">
-      <a:majorFont>
-        <a:latin typeface="Arial"/>
-        <a:ea typeface=""/>
-        <a:cs typeface=""/>
-        <a:font script="Jpan" typeface="ＭＳ Ｐゴシック"/>
-        <a:font script="Hang" typeface="맑은 고딕"/>
-        <a:font script="Hans" typeface="宋体"/>
-        <a:font script="Hant" typeface="新細明體"/>
-        <a:font script="Arab" typeface="Times New Roman"/>
-        <a:font script="Hebr" typeface="Times New Roman"/>
-        <a:font script="Thai" typeface="Angsana New"/>
-        <a:font script="Ethi" typeface="Nyala"/>
-        <a:font script="Beng" typeface="Vrinda"/>
-        <a:font script="Gujr" typeface="Shruti"/>
-        <a:font script="Khmr" typeface="MoolBoran"/>
-        <a:font script="Knda" typeface="Tunga"/>
-        <a:font script="Guru" typeface="Raavi"/>
-        <a:font script="Cans" typeface="Euphemia"/>
-        <a:font script="Cher" typeface="Plantagenet Cherokee"/>
-        <a:font script="Yiii" typeface="Microsoft Yi Baiti"/>
-        <a:font script="Tibt" typeface="Microsoft Himalaya"/>
-        <a:font script="Thaa" typeface="MV Boli"/>
-        <a:font script="Deva" typeface="Mangal"/>
-        <a:font script="Telu" typeface="Gautami"/>
-        <a:font script="Taml" typeface="Latha"/>
-        <a:font script="Syrc" typeface="Estrangelo Edessa"/>
-        <a:font script="Orya" typeface="Kalinga"/>
-        <a:font script="Mlym" typeface="Kartika"/>
-        <a:font script="Laoo" typeface="DokChampa"/>
-        <a:font script="Sinh" typeface="Iskoola Pota"/>
-        <a:font script="Mong" typeface="Mongolian Baiti"/>
-        <a:font script="Viet" typeface="Times New Roman"/>
-        <a:font script="Uigh" typeface="Microsoft Uighur"/>
-        <a:font script="Geor" typeface="Sylfaen"/>
-      </a:majorFont>
-      <a:minorFont>
-        <a:latin typeface="Arial"/>
-        <a:ea typeface=""/>
-        <a:cs typeface=""/>
-        <a:font script="Jpan" typeface="ＭＳ Ｐゴシック"/>
-        <a:font script="Hang" typeface="맑은 고딕"/>
-        <a:font script="Hans" typeface="宋体"/>
-        <a:font script="Hant" typeface="新細明體"/>
-        <a:font script="Arab" typeface="Arial"/>
-        <a:font script="Hebr" typeface="Arial"/>
-        <a:font script="Thai" typeface="Cordia New"/>
-        <a:font script="Ethi" typeface="Nyala"/>
-        <a:font script="Beng" typeface="Vrinda"/>
-        <a:font script="Gujr" typeface="Shruti"/>
-        <a:font script="Khmr" typeface="DaunPenh"/>
-        <a:font script="Knda" typeface="Tunga"/>
-        <a:font script="Guru" typeface="Raavi"/>
-        <a:font script="Cans" typeface="Euphemia"/>
-        <a:font script="Cher" typeface="Plantagenet Cherokee"/>
-        <a:font script="Yiii" typeface="Microsoft Yi Baiti"/>
-        <a:font script="Tibt" typeface="Microsoft Himalaya"/>
-        <a:font script="Thaa" typeface="MV Boli"/>
-        <a:font script="Deva" typeface="Mangal"/>
-        <a:font script="Telu" typeface="Gautami"/>
-        <a:font script="Taml" typeface="Latha"/>
-        <a:font script="Syrc" typeface="Estrangelo Edessa"/>
-        <a:font script="Orya" typeface="Kalinga"/>
-        <a:font script="Mlym" typeface="Kartika"/>
-        <a:font script="Laoo" typeface="DokChampa"/>
-        <a:font script="Sinh" typeface="Iskoola Pota"/>
-        <a:font script="Mong" typeface="Mongolian Baiti"/>
-        <a:font script="Viet" typeface="Arial"/>
-        <a:font script="Uigh" typeface="Microsoft Uighur"/>
-        <a:font script="Geor" typeface="Sylfaen"/>
-      </a:minorFont>
-    </a:fontScheme>
-    <a:fmtScheme name="Office">
-      <a:fillStyleLst>
-        <a:solidFill>
-          <a:schemeClr val="phClr"/>
-        </a:solidFill>
-        <a:gradFill rotWithShape="1">
-          <a:gsLst>
-            <a:gs pos="0">
-              <a:schemeClr val="phClr">
-                <a:tint val="50000"/>
-                <a:satMod val="300000"/>
-              </a:schemeClr>
-            </a:gs>
-            <a:gs pos="35000">
-              <a:schemeClr val="phClr">
-                <a:tint val="37000"/>
-                <a:satMod val="300000"/>
-              </a:schemeClr>
-            </a:gs>
-            <a:gs pos="100000">
-              <a:schemeClr val="phClr">
-                <a:tint val="15000"/>
-                <a:satMod val="350000"/>
-              </a:schemeClr>
-            </a:gs>
-          </a:gsLst>
-          <a:lin ang="16200000" scaled="1"/>
-        </a:gradFill>
-        <a:gradFill rotWithShape="1">
-          <a:gsLst>
-            <a:gs pos="0">
-              <a:schemeClr val="phClr">
-                <a:tint val="100000"/>
-                <a:shade val="100000"/>
-                <a:satMod val="130000"/>
-              </a:schemeClr>
-            </a:gs>
-            <a:gs pos="100000">
-              <a:schemeClr val="phClr">
-                <a:tint val="50000"/>
-                <a:shade val="100000"/>
-                <a:satMod val="350000"/>
-              </a:schemeClr>
-            </a:gs>
-          </a:gsLst>
-          <a:lin ang="16200000" scaled="0"/>
-        </a:gradFill>
-      </a:fillStyleLst>
-      <a:lnStyleLst>
-        <a:ln w="9525" cap="flat" cmpd="sng" algn="ctr">
-          <a:solidFill>
-            <a:schemeClr val="phClr">
-              <a:shade val="95000"/>
-              <a:satMod val="105000"/>
-            </a:schemeClr>
-          </a:solidFill>
-          <a:prstDash val="solid"/>
-        </a:ln>
-        <a:ln w="25400" cap="flat" cmpd="sng" algn="ctr">
-          <a:solidFill>
-            <a:schemeClr val="phClr"/>
-          </a:solidFill>
-          <a:prstDash val="solid"/>
-        </a:ln>
-        <a:ln w="38100" cap="flat" cmpd="sng" algn="ctr">
-          <a:solidFill>
-            <a:schemeClr val="phClr"/>
-          </a:solidFill>
-          <a:prstDash val="solid"/>
-        </a:ln>
-      </a:lnStyleLst>
-      <a:effectStyleLst>
-        <a:effectStyle>
-          <a:effectLst>
-            <a:outerShdw blurRad="40000" dist="20000" dir="5400000" rotWithShape="0">
-              <a:srgbClr val="000000">
-                <a:alpha val="38000"/>
-              </a:srgbClr>
-            </a:outerShdw>
-          </a:effectLst>
-        </a:effectStyle>
-        <a:effectStyle>
-          <a:effectLst>
-            <a:outerShdw blurRad="40000" dist="23000" dir="5400000" rotWithShape="0">
-              <a:srgbClr val="000000">
-                <a:alpha val="35000"/>
-              </a:srgbClr>
-            </a:outerShdw>
-          </a:effectLst>
-        </a:effectStyle>
-        <a:effectStyle>
-          <a:effectLst>
-            <a:outerShdw blurRad="40000" dist="23000" dir="5400000" rotWithShape="0">
-              <a:srgbClr val="000000">
-                <a:alpha val="35000"/>
-              </a:srgbClr>
-            </a:outerShdw>
-          </a:effectLst>
-          <a:scene3d>
-            <a:camera prst="orthographicFront">
-              <a:rot lat="0" lon="0" rev="0"/>
-            </a:camera>
-            <a:lightRig rig="threePt" dir="t">
-              <a:rot lat="0" lon="0" rev="1200000"/>
-            </a:lightRig>
-          </a:scene3d>
-          <a:sp3d>
-            <a:bevelT w="63500" h="25400"/>
-          </a:sp3d>
-        </a:effectStyle>
-      </a:effectStyleLst>
-      <a:bgFillStyleLst>
-        <a:solidFill>
-          <a:schemeClr val="phClr"/>
-        </a:solidFill>
-        <a:gradFill rotWithShape="1">
-          <a:gsLst>
-            <a:gs pos="0">
-              <a:schemeClr val="phClr">
-                <a:tint val="40000"/>
-                <a:satMod val="350000"/>
-              </a:schemeClr>
-            </a:gs>
-            <a:gs pos="40000">
-              <a:schemeClr val="phClr">
-                <a:tint val="45000"/>
-                <a:shade val="99000"/>
-                <a:satMod val="350000"/>
-              </a:schemeClr>
-            </a:gs>
-            <a:gs pos="100000">
-              <a:schemeClr val="phClr">
-                <a:shade val="20000"/>
-                <a:satMod val="255000"/>
-              </a:schemeClr>
-            </a:gs>
-          </a:gsLst>
-          <a:path path="circle">
-            <a:fillToRect l="50000" t="-80000" r="50000" b="180000"/>
-          </a:path>
-        </a:gradFill>
-        <a:gradFill rotWithShape="1">
-          <a:gsLst>
-            <a:gs pos="0">
-              <a:schemeClr val="phClr">
-                <a:tint val="80000"/>
-                <a:satMod val="300000"/>
-              </a:schemeClr>
-            </a:gs>
-            <a:gs pos="100000">
-              <a:schemeClr val="phClr">
-                <a:shade val="30000"/>
-                <a:satMod val="200000"/>
-              </a:schemeClr>
-            </a:gs>
-          </a:gsLst>
-          <a:path path="circle">
-            <a:fillToRect l="50000" t="50000" r="50000" b="50000"/>
-          </a:path>
-        </a:gradFill>
-      </a:bgFillStyleLst>
-    </a:fmtScheme>
-  </a:themeElements>
+  <a:objectDefaults/>
+  <a:extraClrSchemeLst/>
 </a:theme>
 </file>